--- a/YG엔터주분석/멘토님미팅발표자료/ARIMA모델_ppt2.pptx
+++ b/YG엔터주분석/멘토님미팅발표자료/ARIMA모델_ppt2.pptx
@@ -5,7 +5,7 @@
     <p:sldMasterId id="2147483648" r:id="rId1"/>
   </p:sldMasterIdLst>
   <p:notesMasterIdLst>
-    <p:notesMasterId r:id="rId27"/>
+    <p:notesMasterId r:id="rId32"/>
   </p:notesMasterIdLst>
   <p:sldIdLst>
     <p:sldId id="256" r:id="rId2"/>
@@ -19,20 +19,25 @@
     <p:sldId id="274" r:id="rId10"/>
     <p:sldId id="275" r:id="rId11"/>
     <p:sldId id="283" r:id="rId12"/>
-    <p:sldId id="278" r:id="rId13"/>
-    <p:sldId id="279" r:id="rId14"/>
-    <p:sldId id="280" r:id="rId15"/>
-    <p:sldId id="267" r:id="rId16"/>
-    <p:sldId id="269" r:id="rId17"/>
+    <p:sldId id="286" r:id="rId13"/>
+    <p:sldId id="278" r:id="rId14"/>
+    <p:sldId id="279" r:id="rId15"/>
+    <p:sldId id="280" r:id="rId16"/>
+    <p:sldId id="267" r:id="rId17"/>
     <p:sldId id="268" r:id="rId18"/>
-    <p:sldId id="273" r:id="rId19"/>
-    <p:sldId id="271" r:id="rId20"/>
-    <p:sldId id="260" r:id="rId21"/>
-    <p:sldId id="261" r:id="rId22"/>
-    <p:sldId id="281" r:id="rId23"/>
+    <p:sldId id="260" r:id="rId19"/>
+    <p:sldId id="261" r:id="rId20"/>
+    <p:sldId id="281" r:id="rId21"/>
+    <p:sldId id="289" r:id="rId22"/>
+    <p:sldId id="288" r:id="rId23"/>
     <p:sldId id="282" r:id="rId24"/>
-    <p:sldId id="284" r:id="rId25"/>
-    <p:sldId id="262" r:id="rId26"/>
+    <p:sldId id="285" r:id="rId25"/>
+    <p:sldId id="284" r:id="rId26"/>
+    <p:sldId id="262" r:id="rId27"/>
+    <p:sldId id="287" r:id="rId28"/>
+    <p:sldId id="273" r:id="rId29"/>
+    <p:sldId id="269" r:id="rId30"/>
+    <p:sldId id="271" r:id="rId31"/>
   </p:sldIdLst>
   <p:sldSz cx="12192000" cy="6858000"/>
   <p:notesSz cx="6858000" cy="9144000"/>
@@ -221,7 +226,7 @@
           <a:p>
             <a:fld id="{D0B0067F-197F-4739-A497-7DA167A13F5A}" type="datetimeFigureOut">
               <a:rPr lang="ko-KR" altLang="en-US" smtClean="0"/>
-              <a:t>2020-09-06</a:t>
+              <a:t>2020-09-09</a:t>
             </a:fld>
             <a:endParaRPr lang="ko-KR" altLang="en-US"/>
           </a:p>
@@ -578,6 +583,189 @@
 </p:notes>
 </file>
 
+<file path=ppt/notesSlides/notesSlide2.xml><?xml version="1.0" encoding="utf-8"?>
+<p:notes xmlns:a="http://schemas.openxmlformats.org/drawingml/2006/main" xmlns:r="http://schemas.openxmlformats.org/officeDocument/2006/relationships" xmlns:p="http://schemas.openxmlformats.org/presentationml/2006/main">
+  <p:cSld>
+    <p:spTree>
+      <p:nvGrpSpPr>
+        <p:cNvPr id="1" name=""/>
+        <p:cNvGrpSpPr/>
+        <p:nvPr/>
+      </p:nvGrpSpPr>
+      <p:grpSpPr>
+        <a:xfrm>
+          <a:off x="0" y="0"/>
+          <a:ext cx="0" cy="0"/>
+          <a:chOff x="0" y="0"/>
+          <a:chExt cx="0" cy="0"/>
+        </a:xfrm>
+      </p:grpSpPr>
+      <p:sp>
+        <p:nvSpPr>
+          <p:cNvPr id="2" name="슬라이드 이미지 개체 틀 1"/>
+          <p:cNvSpPr>
+            <a:spLocks noGrp="1" noRot="1" noChangeAspect="1"/>
+          </p:cNvSpPr>
+          <p:nvPr>
+            <p:ph type="sldImg"/>
+          </p:nvPr>
+        </p:nvSpPr>
+        <p:spPr/>
+      </p:sp>
+      <p:sp>
+        <p:nvSpPr>
+          <p:cNvPr id="3" name="슬라이드 노트 개체 틀 2"/>
+          <p:cNvSpPr>
+            <a:spLocks noGrp="1"/>
+          </p:cNvSpPr>
+          <p:nvPr>
+            <p:ph type="body" idx="1"/>
+          </p:nvPr>
+        </p:nvSpPr>
+        <p:spPr/>
+        <p:txBody>
+          <a:bodyPr/>
+          <a:lstStyle/>
+          <a:p>
+            <a:r>
+              <a:rPr lang="en-US" altLang="ko-KR" dirty="0">
+                <a:hlinkClick r:id="rId3"/>
+              </a:rPr>
+              <a:t>https://otexts.com/fpp2/seasonal-arima.html</a:t>
+            </a:r>
+            <a:endParaRPr lang="en-US" altLang="ko-KR" dirty="0"/>
+          </a:p>
+          <a:p>
+            <a:endParaRPr lang="ko-KR" altLang="en-US" dirty="0"/>
+          </a:p>
+        </p:txBody>
+      </p:sp>
+      <p:sp>
+        <p:nvSpPr>
+          <p:cNvPr id="4" name="슬라이드 번호 개체 틀 3"/>
+          <p:cNvSpPr>
+            <a:spLocks noGrp="1"/>
+          </p:cNvSpPr>
+          <p:nvPr>
+            <p:ph type="sldNum" sz="quarter" idx="5"/>
+          </p:nvPr>
+        </p:nvSpPr>
+        <p:spPr/>
+        <p:txBody>
+          <a:bodyPr/>
+          <a:lstStyle/>
+          <a:p>
+            <a:fld id="{181AEEF2-1661-4767-BF9A-25C05C43667A}" type="slidenum">
+              <a:rPr lang="ko-KR" altLang="en-US" smtClean="0"/>
+              <a:t>20</a:t>
+            </a:fld>
+            <a:endParaRPr lang="ko-KR" altLang="en-US"/>
+          </a:p>
+        </p:txBody>
+      </p:sp>
+    </p:spTree>
+    <p:extLst>
+      <p:ext uri="{BB962C8B-B14F-4D97-AF65-F5344CB8AC3E}">
+        <p14:creationId xmlns:p14="http://schemas.microsoft.com/office/powerpoint/2010/main" val="497768269"/>
+      </p:ext>
+    </p:extLst>
+  </p:cSld>
+  <p:clrMapOvr>
+    <a:masterClrMapping/>
+  </p:clrMapOvr>
+</p:notes>
+</file>
+
+<file path=ppt/notesSlides/notesSlide3.xml><?xml version="1.0" encoding="utf-8"?>
+<p:notes xmlns:a="http://schemas.openxmlformats.org/drawingml/2006/main" xmlns:r="http://schemas.openxmlformats.org/officeDocument/2006/relationships" xmlns:p="http://schemas.openxmlformats.org/presentationml/2006/main">
+  <p:cSld>
+    <p:spTree>
+      <p:nvGrpSpPr>
+        <p:cNvPr id="1" name=""/>
+        <p:cNvGrpSpPr/>
+        <p:nvPr/>
+      </p:nvGrpSpPr>
+      <p:grpSpPr>
+        <a:xfrm>
+          <a:off x="0" y="0"/>
+          <a:ext cx="0" cy="0"/>
+          <a:chOff x="0" y="0"/>
+          <a:chExt cx="0" cy="0"/>
+        </a:xfrm>
+      </p:grpSpPr>
+      <p:sp>
+        <p:nvSpPr>
+          <p:cNvPr id="2" name="슬라이드 이미지 개체 틀 1"/>
+          <p:cNvSpPr>
+            <a:spLocks noGrp="1" noRot="1" noChangeAspect="1"/>
+          </p:cNvSpPr>
+          <p:nvPr>
+            <p:ph type="sldImg"/>
+          </p:nvPr>
+        </p:nvSpPr>
+        <p:spPr/>
+      </p:sp>
+      <p:sp>
+        <p:nvSpPr>
+          <p:cNvPr id="3" name="슬라이드 노트 개체 틀 2"/>
+          <p:cNvSpPr>
+            <a:spLocks noGrp="1"/>
+          </p:cNvSpPr>
+          <p:nvPr>
+            <p:ph type="body" idx="1"/>
+          </p:nvPr>
+        </p:nvSpPr>
+        <p:spPr/>
+        <p:txBody>
+          <a:bodyPr/>
+          <a:lstStyle/>
+          <a:p>
+            <a:r>
+              <a:rPr lang="en-US" altLang="ko-KR" dirty="0">
+                <a:hlinkClick r:id="rId3"/>
+              </a:rPr>
+              <a:t>https://ehfgk78.github.io/2018/01/21/DataScience07TimeSeriesData01/</a:t>
+            </a:r>
+            <a:endParaRPr lang="ko-KR" altLang="en-US" dirty="0"/>
+          </a:p>
+        </p:txBody>
+      </p:sp>
+      <p:sp>
+        <p:nvSpPr>
+          <p:cNvPr id="4" name="슬라이드 번호 개체 틀 3"/>
+          <p:cNvSpPr>
+            <a:spLocks noGrp="1"/>
+          </p:cNvSpPr>
+          <p:nvPr>
+            <p:ph type="sldNum" sz="quarter" idx="5"/>
+          </p:nvPr>
+        </p:nvSpPr>
+        <p:spPr/>
+        <p:txBody>
+          <a:bodyPr/>
+          <a:lstStyle/>
+          <a:p>
+            <a:fld id="{181AEEF2-1661-4767-BF9A-25C05C43667A}" type="slidenum">
+              <a:rPr lang="ko-KR" altLang="en-US" smtClean="0"/>
+              <a:t>26</a:t>
+            </a:fld>
+            <a:endParaRPr lang="ko-KR" altLang="en-US"/>
+          </a:p>
+        </p:txBody>
+      </p:sp>
+    </p:spTree>
+    <p:extLst>
+      <p:ext uri="{BB962C8B-B14F-4D97-AF65-F5344CB8AC3E}">
+        <p14:creationId xmlns:p14="http://schemas.microsoft.com/office/powerpoint/2010/main" val="2871105878"/>
+      </p:ext>
+    </p:extLst>
+  </p:cSld>
+  <p:clrMapOvr>
+    <a:masterClrMapping/>
+  </p:clrMapOvr>
+</p:notes>
+</file>
+
 <file path=ppt/slideLayouts/slideLayout1.xml><?xml version="1.0" encoding="utf-8"?>
 <p:sldLayout xmlns:a="http://schemas.openxmlformats.org/drawingml/2006/main" xmlns:r="http://schemas.openxmlformats.org/officeDocument/2006/relationships" xmlns:p="http://schemas.openxmlformats.org/presentationml/2006/main" type="title" preserve="1">
   <p:cSld name="제목 슬라이드">
@@ -725,7 +913,7 @@
           <a:p>
             <a:fld id="{D5062E93-57DD-4812-B3CC-8FA7D5D18CFF}" type="datetimeFigureOut">
               <a:rPr lang="ko-KR" altLang="en-US" smtClean="0"/>
-              <a:t>2020-09-06</a:t>
+              <a:t>2020-09-09</a:t>
             </a:fld>
             <a:endParaRPr lang="ko-KR" altLang="en-US"/>
           </a:p>
@@ -923,7 +1111,7 @@
           <a:p>
             <a:fld id="{D5062E93-57DD-4812-B3CC-8FA7D5D18CFF}" type="datetimeFigureOut">
               <a:rPr lang="ko-KR" altLang="en-US" smtClean="0"/>
-              <a:t>2020-09-06</a:t>
+              <a:t>2020-09-09</a:t>
             </a:fld>
             <a:endParaRPr lang="ko-KR" altLang="en-US"/>
           </a:p>
@@ -1131,7 +1319,7 @@
           <a:p>
             <a:fld id="{D5062E93-57DD-4812-B3CC-8FA7D5D18CFF}" type="datetimeFigureOut">
               <a:rPr lang="ko-KR" altLang="en-US" smtClean="0"/>
-              <a:t>2020-09-06</a:t>
+              <a:t>2020-09-09</a:t>
             </a:fld>
             <a:endParaRPr lang="ko-KR" altLang="en-US"/>
           </a:p>
@@ -1329,7 +1517,7 @@
           <a:p>
             <a:fld id="{D5062E93-57DD-4812-B3CC-8FA7D5D18CFF}" type="datetimeFigureOut">
               <a:rPr lang="ko-KR" altLang="en-US" smtClean="0"/>
-              <a:t>2020-09-06</a:t>
+              <a:t>2020-09-09</a:t>
             </a:fld>
             <a:endParaRPr lang="ko-KR" altLang="en-US"/>
           </a:p>
@@ -1604,7 +1792,7 @@
           <a:p>
             <a:fld id="{D5062E93-57DD-4812-B3CC-8FA7D5D18CFF}" type="datetimeFigureOut">
               <a:rPr lang="ko-KR" altLang="en-US" smtClean="0"/>
-              <a:t>2020-09-06</a:t>
+              <a:t>2020-09-09</a:t>
             </a:fld>
             <a:endParaRPr lang="ko-KR" altLang="en-US"/>
           </a:p>
@@ -1869,7 +2057,7 @@
           <a:p>
             <a:fld id="{D5062E93-57DD-4812-B3CC-8FA7D5D18CFF}" type="datetimeFigureOut">
               <a:rPr lang="ko-KR" altLang="en-US" smtClean="0"/>
-              <a:t>2020-09-06</a:t>
+              <a:t>2020-09-09</a:t>
             </a:fld>
             <a:endParaRPr lang="ko-KR" altLang="en-US"/>
           </a:p>
@@ -2281,7 +2469,7 @@
           <a:p>
             <a:fld id="{D5062E93-57DD-4812-B3CC-8FA7D5D18CFF}" type="datetimeFigureOut">
               <a:rPr lang="ko-KR" altLang="en-US" smtClean="0"/>
-              <a:t>2020-09-06</a:t>
+              <a:t>2020-09-09</a:t>
             </a:fld>
             <a:endParaRPr lang="ko-KR" altLang="en-US"/>
           </a:p>
@@ -2422,7 +2610,7 @@
           <a:p>
             <a:fld id="{D5062E93-57DD-4812-B3CC-8FA7D5D18CFF}" type="datetimeFigureOut">
               <a:rPr lang="ko-KR" altLang="en-US" smtClean="0"/>
-              <a:t>2020-09-06</a:t>
+              <a:t>2020-09-09</a:t>
             </a:fld>
             <a:endParaRPr lang="ko-KR" altLang="en-US"/>
           </a:p>
@@ -2535,7 +2723,7 @@
           <a:p>
             <a:fld id="{D5062E93-57DD-4812-B3CC-8FA7D5D18CFF}" type="datetimeFigureOut">
               <a:rPr lang="ko-KR" altLang="en-US" smtClean="0"/>
-              <a:t>2020-09-06</a:t>
+              <a:t>2020-09-09</a:t>
             </a:fld>
             <a:endParaRPr lang="ko-KR" altLang="en-US"/>
           </a:p>
@@ -2846,7 +3034,7 @@
           <a:p>
             <a:fld id="{D5062E93-57DD-4812-B3CC-8FA7D5D18CFF}" type="datetimeFigureOut">
               <a:rPr lang="ko-KR" altLang="en-US" smtClean="0"/>
-              <a:t>2020-09-06</a:t>
+              <a:t>2020-09-09</a:t>
             </a:fld>
             <a:endParaRPr lang="ko-KR" altLang="en-US"/>
           </a:p>
@@ -3134,7 +3322,7 @@
           <a:p>
             <a:fld id="{D5062E93-57DD-4812-B3CC-8FA7D5D18CFF}" type="datetimeFigureOut">
               <a:rPr lang="ko-KR" altLang="en-US" smtClean="0"/>
-              <a:t>2020-09-06</a:t>
+              <a:t>2020-09-09</a:t>
             </a:fld>
             <a:endParaRPr lang="ko-KR" altLang="en-US"/>
           </a:p>
@@ -3375,7 +3563,7 @@
           <a:p>
             <a:fld id="{D5062E93-57DD-4812-B3CC-8FA7D5D18CFF}" type="datetimeFigureOut">
               <a:rPr lang="ko-KR" altLang="en-US" smtClean="0"/>
-              <a:t>2020-09-06</a:t>
+              <a:t>2020-09-09</a:t>
             </a:fld>
             <a:endParaRPr lang="ko-KR" altLang="en-US"/>
           </a:p>
@@ -4618,10 +4806,17 @@
               <a:t>ARIMA</a:t>
             </a:r>
             <a:r>
-              <a:rPr lang="ko-KR" altLang="en-US" sz="4800" dirty="0" err="1"/>
-              <a:t>모형만들기</a:t>
-            </a:r>
-            <a:endParaRPr lang="ko-KR" altLang="en-US" sz="4800" dirty="0"/>
+              <a:rPr lang="ko-KR" altLang="en-US" sz="4800" dirty="0"/>
+              <a:t> </a:t>
+            </a:r>
+            <a:r>
+              <a:rPr lang="en-US" altLang="ko-KR" sz="4800" dirty="0"/>
+              <a:t>model </a:t>
+            </a:r>
+            <a:r>
+              <a:rPr lang="ko-KR" altLang="en-US" sz="4800" dirty="0"/>
+              <a:t>만들기</a:t>
+            </a:r>
           </a:p>
         </p:txBody>
       </p:sp>
@@ -4657,10 +4852,10 @@
       </p:grpSpPr>
       <p:pic>
         <p:nvPicPr>
-          <p:cNvPr id="4098" name="Picture 2">
-            <a:extLst>
-              <a:ext uri="{FF2B5EF4-FFF2-40B4-BE49-F238E27FC236}">
-                <a16:creationId xmlns:a16="http://schemas.microsoft.com/office/drawing/2014/main" id="{0FA5FAF6-9B56-4289-B0FB-CD00CD183EEA}"/>
+          <p:cNvPr id="3" name="Picture 2" descr="ARIMA 모델을 사용하여 예측하는 일반적인 절차.">
+            <a:extLst>
+              <a:ext uri="{FF2B5EF4-FFF2-40B4-BE49-F238E27FC236}">
+                <a16:creationId xmlns:a16="http://schemas.microsoft.com/office/drawing/2014/main" id="{789FE2B0-B9F2-421F-8FE2-3FAD3D09C4B4}"/>
               </a:ext>
             </a:extLst>
           </p:cNvPr>
@@ -4684,8 +4879,8 @@
         </p:blipFill>
         <p:spPr bwMode="auto">
           <a:xfrm>
-            <a:off x="2019300" y="723900"/>
-            <a:ext cx="8153400" cy="5410200"/>
+            <a:off x="3564144" y="86207"/>
+            <a:ext cx="5063712" cy="6685586"/>
           </a:xfrm>
           <a:prstGeom prst="rect">
             <a:avLst/>
@@ -4702,45 +4897,10 @@
           </a:extLst>
         </p:spPr>
       </p:pic>
-      <p:sp>
-        <p:nvSpPr>
-          <p:cNvPr id="2" name="TextBox 1">
-            <a:extLst>
-              <a:ext uri="{FF2B5EF4-FFF2-40B4-BE49-F238E27FC236}">
-                <a16:creationId xmlns:a16="http://schemas.microsoft.com/office/drawing/2014/main" id="{D08BCFC7-BE5C-41D9-9489-2D6D9F3B855E}"/>
-              </a:ext>
-            </a:extLst>
-          </p:cNvPr>
-          <p:cNvSpPr txBox="1"/>
-          <p:nvPr/>
-        </p:nvSpPr>
-        <p:spPr>
-          <a:xfrm>
-            <a:off x="680720" y="426720"/>
-            <a:ext cx="6959600" cy="369332"/>
-          </a:xfrm>
-          <a:prstGeom prst="rect">
-            <a:avLst/>
-          </a:prstGeom>
-          <a:noFill/>
-        </p:spPr>
-        <p:txBody>
-          <a:bodyPr wrap="square" rtlCol="0">
-            <a:spAutoFit/>
-          </a:bodyPr>
-          <a:lstStyle/>
-          <a:p>
-            <a:r>
-              <a:rPr lang="ko-KR" altLang="en-US" dirty="0"/>
-              <a:t>시계열 분해 </a:t>
-            </a:r>
-          </a:p>
-        </p:txBody>
-      </p:sp>
     </p:spTree>
     <p:extLst>
       <p:ext uri="{BB962C8B-B14F-4D97-AF65-F5344CB8AC3E}">
-        <p14:creationId xmlns:p14="http://schemas.microsoft.com/office/powerpoint/2010/main" val="4210457528"/>
+        <p14:creationId xmlns:p14="http://schemas.microsoft.com/office/powerpoint/2010/main" val="1732443397"/>
       </p:ext>
     </p:extLst>
   </p:cSld>
@@ -4767,105 +4927,157 @@
           <a:chExt cx="0" cy="0"/>
         </a:xfrm>
       </p:grpSpPr>
+      <p:sp>
+        <p:nvSpPr>
+          <p:cNvPr id="2" name="TextBox 1">
+            <a:extLst>
+              <a:ext uri="{FF2B5EF4-FFF2-40B4-BE49-F238E27FC236}">
+                <a16:creationId xmlns:a16="http://schemas.microsoft.com/office/drawing/2014/main" id="{D08BCFC7-BE5C-41D9-9489-2D6D9F3B855E}"/>
+              </a:ext>
+            </a:extLst>
+          </p:cNvPr>
+          <p:cNvSpPr txBox="1"/>
+          <p:nvPr/>
+        </p:nvSpPr>
+        <p:spPr>
+          <a:xfrm>
+            <a:off x="680720" y="426720"/>
+            <a:ext cx="6959600" cy="707886"/>
+          </a:xfrm>
+          <a:prstGeom prst="rect">
+            <a:avLst/>
+          </a:prstGeom>
+          <a:noFill/>
+        </p:spPr>
+        <p:txBody>
+          <a:bodyPr wrap="square" rtlCol="0">
+            <a:spAutoFit/>
+          </a:bodyPr>
+          <a:lstStyle/>
+          <a:p>
+            <a:pPr marL="342900" indent="-342900">
+              <a:buAutoNum type="arabicPeriod"/>
+            </a:pPr>
+            <a:r>
+              <a:rPr lang="ko-KR" altLang="en-US" dirty="0"/>
+              <a:t>패턴이해</a:t>
+            </a:r>
+            <a:endParaRPr lang="en-US" altLang="ko-KR" dirty="0"/>
+          </a:p>
+          <a:p>
+            <a:pPr marL="342900" indent="-342900">
+              <a:buAutoNum type="arabicPeriod"/>
+            </a:pPr>
+            <a:endParaRPr lang="en-US" altLang="ko-KR" sz="200" dirty="0"/>
+          </a:p>
+          <a:p>
+            <a:pPr marL="342900" indent="-342900">
+              <a:buAutoNum type="arabicPeriod"/>
+            </a:pPr>
+            <a:endParaRPr lang="en-US" altLang="ko-KR" sz="200" dirty="0"/>
+          </a:p>
+          <a:p>
+            <a:r>
+              <a:rPr lang="en-US" altLang="ko-KR" sz="1400" dirty="0"/>
+              <a:t>  - </a:t>
+            </a:r>
+            <a:r>
+              <a:rPr lang="ko-KR" altLang="en-US" sz="1400" dirty="0"/>
+              <a:t>시계열 분해 </a:t>
+            </a:r>
+            <a:r>
+              <a:rPr lang="en-US" altLang="ko-KR" sz="1400" dirty="0"/>
+              <a:t>(Additive model)</a:t>
+            </a:r>
+            <a:r>
+              <a:rPr lang="ko-KR" altLang="en-US" dirty="0"/>
+              <a:t> </a:t>
+            </a:r>
+          </a:p>
+        </p:txBody>
+      </p:sp>
+      <p:sp>
+        <p:nvSpPr>
+          <p:cNvPr id="3" name="TextBox 2">
+            <a:extLst>
+              <a:ext uri="{FF2B5EF4-FFF2-40B4-BE49-F238E27FC236}">
+                <a16:creationId xmlns:a16="http://schemas.microsoft.com/office/drawing/2014/main" id="{66C39597-D1C7-4E5E-AF64-D43C361AA361}"/>
+              </a:ext>
+            </a:extLst>
+          </p:cNvPr>
+          <p:cNvSpPr txBox="1"/>
+          <p:nvPr/>
+        </p:nvSpPr>
+        <p:spPr>
+          <a:xfrm>
+            <a:off x="155863" y="3133373"/>
+            <a:ext cx="3075710" cy="800219"/>
+          </a:xfrm>
+          <a:prstGeom prst="rect">
+            <a:avLst/>
+          </a:prstGeom>
+          <a:noFill/>
+        </p:spPr>
+        <p:txBody>
+          <a:bodyPr wrap="square" rtlCol="0">
+            <a:spAutoFit/>
+          </a:bodyPr>
+          <a:lstStyle/>
+          <a:p>
+            <a:r>
+              <a:rPr lang="en-US" altLang="ko-KR" dirty="0"/>
+              <a:t>Data : </a:t>
+            </a:r>
+          </a:p>
+          <a:p>
+            <a:r>
+              <a:rPr lang="en-US" altLang="ko-KR" sz="1400" dirty="0"/>
+              <a:t> Train(2019-07-01 ~ 2020-07-01)</a:t>
+            </a:r>
+          </a:p>
+          <a:p>
+            <a:r>
+              <a:rPr lang="en-US" altLang="ko-KR" sz="1400" dirty="0"/>
+              <a:t> Test(2020-07-02 ~ 2020-08-31)</a:t>
+            </a:r>
+            <a:endParaRPr lang="ko-KR" altLang="en-US" sz="1400" dirty="0"/>
+          </a:p>
+        </p:txBody>
+      </p:sp>
       <p:pic>
         <p:nvPicPr>
-          <p:cNvPr id="5122" name="Picture 2">
-            <a:extLst>
-              <a:ext uri="{FF2B5EF4-FFF2-40B4-BE49-F238E27FC236}">
-                <a16:creationId xmlns:a16="http://schemas.microsoft.com/office/drawing/2014/main" id="{0790AD24-2289-422A-8568-83D4A3346DCD}"/>
+          <p:cNvPr id="4" name="그림 3">
+            <a:extLst>
+              <a:ext uri="{FF2B5EF4-FFF2-40B4-BE49-F238E27FC236}">
+                <a16:creationId xmlns:a16="http://schemas.microsoft.com/office/drawing/2014/main" id="{81313E02-1BB8-481B-A35F-677F59AA5F93}"/>
               </a:ext>
             </a:extLst>
           </p:cNvPr>
           <p:cNvPicPr>
-            <a:picLocks noChangeAspect="1" noChangeArrowheads="1"/>
+            <a:picLocks noChangeAspect="1"/>
           </p:cNvPicPr>
           <p:nvPr/>
         </p:nvPicPr>
         <p:blipFill>
-          <a:blip r:embed="rId2">
-            <a:extLst>
-              <a:ext uri="{28A0092B-C50C-407E-A947-70E740481C1C}">
-                <a14:useLocalDpi xmlns:a14="http://schemas.microsoft.com/office/drawing/2010/main" val="0"/>
-              </a:ext>
-            </a:extLst>
-          </a:blip>
-          <a:srcRect/>
+          <a:blip r:embed="rId2"/>
           <a:stretch>
             <a:fillRect/>
           </a:stretch>
         </p:blipFill>
-        <p:spPr bwMode="auto">
-          <a:xfrm>
-            <a:off x="557213" y="1143000"/>
-            <a:ext cx="11077575" cy="4572000"/>
-          </a:xfrm>
-          <a:prstGeom prst="rect">
-            <a:avLst/>
-          </a:prstGeom>
-          <a:noFill/>
-          <a:extLst>
-            <a:ext uri="{909E8E84-426E-40DD-AFC4-6F175D3DCCD1}">
-              <a14:hiddenFill xmlns:a14="http://schemas.microsoft.com/office/drawing/2010/main">
-                <a:solidFill>
-                  <a:srgbClr val="FFFFFF"/>
-                </a:solidFill>
-              </a14:hiddenFill>
-            </a:ext>
-          </a:extLst>
+        <p:spPr>
+          <a:xfrm>
+            <a:off x="3231573" y="1134606"/>
+            <a:ext cx="8531247" cy="5567195"/>
+          </a:xfrm>
+          <a:prstGeom prst="rect">
+            <a:avLst/>
+          </a:prstGeom>
         </p:spPr>
       </p:pic>
-      <p:sp>
-        <p:nvSpPr>
-          <p:cNvPr id="4" name="TextBox 3">
-            <a:extLst>
-              <a:ext uri="{FF2B5EF4-FFF2-40B4-BE49-F238E27FC236}">
-                <a16:creationId xmlns:a16="http://schemas.microsoft.com/office/drawing/2014/main" id="{5BC50B15-D133-4B35-80C3-73E5FD23263F}"/>
-              </a:ext>
-            </a:extLst>
-          </p:cNvPr>
-          <p:cNvSpPr txBox="1"/>
-          <p:nvPr/>
-        </p:nvSpPr>
-        <p:spPr>
-          <a:xfrm>
-            <a:off x="813089" y="667388"/>
-            <a:ext cx="6094268" cy="369332"/>
-          </a:xfrm>
-          <a:prstGeom prst="rect">
-            <a:avLst/>
-          </a:prstGeom>
-          <a:noFill/>
-        </p:spPr>
-        <p:txBody>
-          <a:bodyPr wrap="square">
-            <a:spAutoFit/>
-          </a:bodyPr>
-          <a:lstStyle/>
-          <a:p>
-            <a:r>
-              <a:rPr lang="ko-KR" altLang="en-US" dirty="0"/>
-              <a:t>이동평균과 이동 표준편차와 </a:t>
-            </a:r>
-            <a:r>
-              <a:rPr lang="en-US" altLang="ko-KR" dirty="0"/>
-              <a:t>1</a:t>
-            </a:r>
-            <a:r>
-              <a:rPr lang="ko-KR" altLang="en-US" dirty="0"/>
-              <a:t>차 </a:t>
-            </a:r>
-            <a:r>
-              <a:rPr lang="ko-KR" altLang="en-US" dirty="0" err="1"/>
-              <a:t>차분값</a:t>
-            </a:r>
-            <a:endParaRPr lang="ko-KR" altLang="en-US" dirty="0"/>
-          </a:p>
-        </p:txBody>
-      </p:sp>
     </p:spTree>
     <p:extLst>
       <p:ext uri="{BB962C8B-B14F-4D97-AF65-F5344CB8AC3E}">
-        <p14:creationId xmlns:p14="http://schemas.microsoft.com/office/powerpoint/2010/main" val="2319956390"/>
+        <p14:creationId xmlns:p14="http://schemas.microsoft.com/office/powerpoint/2010/main" val="4210457528"/>
       </p:ext>
     </p:extLst>
   </p:cSld>
@@ -4894,10 +5106,10 @@
       </p:grpSpPr>
       <p:pic>
         <p:nvPicPr>
-          <p:cNvPr id="6146" name="Picture 2">
-            <a:extLst>
-              <a:ext uri="{FF2B5EF4-FFF2-40B4-BE49-F238E27FC236}">
-                <a16:creationId xmlns:a16="http://schemas.microsoft.com/office/drawing/2014/main" id="{8204D2F2-0856-4B59-9C92-7E76D6AF625F}"/>
+          <p:cNvPr id="5122" name="Picture 2">
+            <a:extLst>
+              <a:ext uri="{FF2B5EF4-FFF2-40B4-BE49-F238E27FC236}">
+                <a16:creationId xmlns:a16="http://schemas.microsoft.com/office/drawing/2014/main" id="{0790AD24-2289-422A-8568-83D4A3346DCD}"/>
               </a:ext>
             </a:extLst>
           </p:cNvPr>
@@ -4921,8 +5133,8 @@
         </p:blipFill>
         <p:spPr bwMode="auto">
           <a:xfrm>
-            <a:off x="3709988" y="906132"/>
-            <a:ext cx="6888739" cy="2730830"/>
+            <a:off x="557213" y="1143000"/>
+            <a:ext cx="11077575" cy="4572000"/>
           </a:xfrm>
           <a:prstGeom prst="rect">
             <a:avLst/>
@@ -4939,59 +5151,12 @@
           </a:extLst>
         </p:spPr>
       </p:pic>
-      <p:pic>
-        <p:nvPicPr>
-          <p:cNvPr id="6148" name="Picture 4">
-            <a:extLst>
-              <a:ext uri="{FF2B5EF4-FFF2-40B4-BE49-F238E27FC236}">
-                <a16:creationId xmlns:a16="http://schemas.microsoft.com/office/drawing/2014/main" id="{0EDCF695-74F1-4053-8510-B47AB7034D5B}"/>
-              </a:ext>
-            </a:extLst>
-          </p:cNvPr>
-          <p:cNvPicPr>
-            <a:picLocks noChangeAspect="1" noChangeArrowheads="1"/>
-          </p:cNvPicPr>
-          <p:nvPr/>
-        </p:nvPicPr>
-        <p:blipFill>
-          <a:blip r:embed="rId3">
-            <a:extLst>
-              <a:ext uri="{28A0092B-C50C-407E-A947-70E740481C1C}">
-                <a14:useLocalDpi xmlns:a14="http://schemas.microsoft.com/office/drawing/2010/main" val="0"/>
-              </a:ext>
-            </a:extLst>
-          </a:blip>
-          <a:srcRect/>
-          <a:stretch>
-            <a:fillRect/>
-          </a:stretch>
-        </p:blipFill>
-        <p:spPr bwMode="auto">
-          <a:xfrm>
-            <a:off x="3709988" y="3740583"/>
-            <a:ext cx="6732876" cy="2712987"/>
-          </a:xfrm>
-          <a:prstGeom prst="rect">
-            <a:avLst/>
-          </a:prstGeom>
-          <a:noFill/>
-          <a:extLst>
-            <a:ext uri="{909E8E84-426E-40DD-AFC4-6F175D3DCCD1}">
-              <a14:hiddenFill xmlns:a14="http://schemas.microsoft.com/office/drawing/2010/main">
-                <a:solidFill>
-                  <a:srgbClr val="FFFFFF"/>
-                </a:solidFill>
-              </a14:hiddenFill>
-            </a:ext>
-          </a:extLst>
-        </p:spPr>
-      </p:pic>
-      <p:sp>
-        <p:nvSpPr>
-          <p:cNvPr id="2" name="TextBox 1">
-            <a:extLst>
-              <a:ext uri="{FF2B5EF4-FFF2-40B4-BE49-F238E27FC236}">
-                <a16:creationId xmlns:a16="http://schemas.microsoft.com/office/drawing/2014/main" id="{47E7CC37-43BA-42D6-BD00-17B8060E32D4}"/>
+      <p:sp>
+        <p:nvSpPr>
+          <p:cNvPr id="4" name="TextBox 3">
+            <a:extLst>
+              <a:ext uri="{FF2B5EF4-FFF2-40B4-BE49-F238E27FC236}">
+                <a16:creationId xmlns:a16="http://schemas.microsoft.com/office/drawing/2014/main" id="{5BC50B15-D133-4B35-80C3-73E5FD23263F}"/>
               </a:ext>
             </a:extLst>
           </p:cNvPr>
@@ -5000,8 +5165,8 @@
         </p:nvSpPr>
         <p:spPr>
           <a:xfrm>
-            <a:off x="353290" y="457200"/>
-            <a:ext cx="1859973" cy="369332"/>
+            <a:off x="813089" y="667388"/>
+            <a:ext cx="4642138" cy="307777"/>
           </a:xfrm>
           <a:prstGeom prst="rect">
             <a:avLst/>
@@ -5009,56 +5174,34 @@
           <a:noFill/>
         </p:spPr>
         <p:txBody>
-          <a:bodyPr wrap="square" rtlCol="0">
+          <a:bodyPr wrap="square">
             <a:spAutoFit/>
           </a:bodyPr>
           <a:lstStyle/>
           <a:p>
             <a:r>
-              <a:rPr lang="en-US" altLang="ko-KR" dirty="0"/>
-              <a:t>1</a:t>
-            </a:r>
-            <a:r>
-              <a:rPr lang="ko-KR" altLang="en-US" dirty="0"/>
-              <a:t>차 차분 분포</a:t>
-            </a:r>
-          </a:p>
-        </p:txBody>
-      </p:sp>
-      <p:pic>
-        <p:nvPicPr>
-          <p:cNvPr id="3" name="그림 2">
-            <a:extLst>
-              <a:ext uri="{FF2B5EF4-FFF2-40B4-BE49-F238E27FC236}">
-                <a16:creationId xmlns:a16="http://schemas.microsoft.com/office/drawing/2014/main" id="{A1FEB006-C4D7-4EE0-A743-CF584280254A}"/>
-              </a:ext>
-            </a:extLst>
-          </p:cNvPr>
-          <p:cNvPicPr>
-            <a:picLocks noChangeAspect="1"/>
-          </p:cNvPicPr>
-          <p:nvPr/>
-        </p:nvPicPr>
-        <p:blipFill>
-          <a:blip r:embed="rId4"/>
-          <a:stretch>
-            <a:fillRect/>
-          </a:stretch>
-        </p:blipFill>
-        <p:spPr>
-          <a:xfrm>
-            <a:off x="353290" y="4586046"/>
-            <a:ext cx="3114675" cy="323850"/>
-          </a:xfrm>
-          <a:prstGeom prst="rect">
-            <a:avLst/>
-          </a:prstGeom>
-        </p:spPr>
-      </p:pic>
+              <a:rPr lang="en-US" altLang="ko-KR" sz="1400" dirty="0"/>
+              <a:t>- 1</a:t>
+            </a:r>
+            <a:r>
+              <a:rPr lang="ko-KR" altLang="en-US" sz="1400" dirty="0"/>
+              <a:t>차 </a:t>
+            </a:r>
+            <a:r>
+              <a:rPr lang="ko-KR" altLang="en-US" sz="1400" dirty="0" err="1"/>
+              <a:t>차분값의</a:t>
+            </a:r>
+            <a:r>
+              <a:rPr lang="ko-KR" altLang="en-US" sz="1400" dirty="0"/>
+              <a:t> 이동평균과 이동 표준편차</a:t>
+            </a:r>
+          </a:p>
+        </p:txBody>
+      </p:sp>
     </p:spTree>
     <p:extLst>
       <p:ext uri="{BB962C8B-B14F-4D97-AF65-F5344CB8AC3E}">
-        <p14:creationId xmlns:p14="http://schemas.microsoft.com/office/powerpoint/2010/main" val="1659589957"/>
+        <p14:creationId xmlns:p14="http://schemas.microsoft.com/office/powerpoint/2010/main" val="2319956390"/>
       </p:ext>
     </p:extLst>
   </p:cSld>
@@ -5085,12 +5228,51 @@
           <a:chExt cx="0" cy="0"/>
         </a:xfrm>
       </p:grpSpPr>
+      <p:sp>
+        <p:nvSpPr>
+          <p:cNvPr id="2" name="TextBox 1">
+            <a:extLst>
+              <a:ext uri="{FF2B5EF4-FFF2-40B4-BE49-F238E27FC236}">
+                <a16:creationId xmlns:a16="http://schemas.microsoft.com/office/drawing/2014/main" id="{47E7CC37-43BA-42D6-BD00-17B8060E32D4}"/>
+              </a:ext>
+            </a:extLst>
+          </p:cNvPr>
+          <p:cNvSpPr txBox="1"/>
+          <p:nvPr/>
+        </p:nvSpPr>
+        <p:spPr>
+          <a:xfrm>
+            <a:off x="353290" y="457200"/>
+            <a:ext cx="1859973" cy="307777"/>
+          </a:xfrm>
+          <a:prstGeom prst="rect">
+            <a:avLst/>
+          </a:prstGeom>
+          <a:noFill/>
+        </p:spPr>
+        <p:txBody>
+          <a:bodyPr wrap="square" rtlCol="0">
+            <a:spAutoFit/>
+          </a:bodyPr>
+          <a:lstStyle/>
+          <a:p>
+            <a:r>
+              <a:rPr lang="en-US" altLang="ko-KR" sz="1400" dirty="0"/>
+              <a:t>- Residual </a:t>
+            </a:r>
+            <a:r>
+              <a:rPr lang="ko-KR" altLang="en-US" sz="1400" dirty="0"/>
+              <a:t>분포</a:t>
+            </a:r>
+          </a:p>
+        </p:txBody>
+      </p:sp>
       <p:pic>
         <p:nvPicPr>
-          <p:cNvPr id="8194" name="Picture 2">
-            <a:extLst>
-              <a:ext uri="{FF2B5EF4-FFF2-40B4-BE49-F238E27FC236}">
-                <a16:creationId xmlns:a16="http://schemas.microsoft.com/office/drawing/2014/main" id="{18FAFC70-DD97-49DD-A9F7-C05A83FC841D}"/>
+          <p:cNvPr id="7170" name="Picture 2">
+            <a:extLst>
+              <a:ext uri="{FF2B5EF4-FFF2-40B4-BE49-F238E27FC236}">
+                <a16:creationId xmlns:a16="http://schemas.microsoft.com/office/drawing/2014/main" id="{79E066C0-7FB8-4DB7-9B48-63C3A3DFB2F6}"/>
               </a:ext>
             </a:extLst>
           </p:cNvPr>
@@ -5114,8 +5296,8 @@
         </p:blipFill>
         <p:spPr bwMode="auto">
           <a:xfrm>
-            <a:off x="1571625" y="1391583"/>
-            <a:ext cx="8029575" cy="2371725"/>
+            <a:off x="1641764" y="882137"/>
+            <a:ext cx="8572500" cy="5754965"/>
           </a:xfrm>
           <a:prstGeom prst="rect">
             <a:avLst/>
@@ -5132,271 +5314,10 @@
           </a:extLst>
         </p:spPr>
       </p:pic>
-      <p:sp>
-        <p:nvSpPr>
-          <p:cNvPr id="2" name="TextBox 1">
-            <a:extLst>
-              <a:ext uri="{FF2B5EF4-FFF2-40B4-BE49-F238E27FC236}">
-                <a16:creationId xmlns:a16="http://schemas.microsoft.com/office/drawing/2014/main" id="{0DB57B4B-5322-46E8-91FD-B01A1BF7BF07}"/>
-              </a:ext>
-            </a:extLst>
-          </p:cNvPr>
-          <p:cNvSpPr txBox="1"/>
-          <p:nvPr/>
-        </p:nvSpPr>
-        <p:spPr>
-          <a:xfrm>
-            <a:off x="680720" y="426720"/>
-            <a:ext cx="6959600" cy="369332"/>
-          </a:xfrm>
-          <a:prstGeom prst="rect">
-            <a:avLst/>
-          </a:prstGeom>
-          <a:noFill/>
-        </p:spPr>
-        <p:txBody>
-          <a:bodyPr wrap="square" rtlCol="0">
-            <a:spAutoFit/>
-          </a:bodyPr>
-          <a:lstStyle/>
-          <a:p>
-            <a:r>
-              <a:rPr lang="ko-KR" altLang="en-US" dirty="0"/>
-              <a:t>정상성 확인 방법 </a:t>
-            </a:r>
-            <a:r>
-              <a:rPr lang="en-US" altLang="ko-KR" dirty="0"/>
-              <a:t>: </a:t>
-            </a:r>
-            <a:r>
-              <a:rPr lang="en-US" altLang="ko-KR" dirty="0" err="1"/>
-              <a:t>Augmendted</a:t>
-            </a:r>
-            <a:r>
-              <a:rPr lang="en-US" altLang="ko-KR" dirty="0"/>
-              <a:t> Dickey-Fuller, ACF, PACF</a:t>
-            </a:r>
-            <a:endParaRPr lang="ko-KR" altLang="en-US" dirty="0"/>
-          </a:p>
-        </p:txBody>
-      </p:sp>
-      <p:sp>
-        <p:nvSpPr>
-          <p:cNvPr id="3" name="TextBox 2">
-            <a:extLst>
-              <a:ext uri="{FF2B5EF4-FFF2-40B4-BE49-F238E27FC236}">
-                <a16:creationId xmlns:a16="http://schemas.microsoft.com/office/drawing/2014/main" id="{3E08675D-0A0F-491E-8F54-1773338BA221}"/>
-              </a:ext>
-            </a:extLst>
-          </p:cNvPr>
-          <p:cNvSpPr txBox="1"/>
-          <p:nvPr/>
-        </p:nvSpPr>
-        <p:spPr>
-          <a:xfrm>
-            <a:off x="680720" y="787091"/>
-            <a:ext cx="3281680" cy="369332"/>
-          </a:xfrm>
-          <a:prstGeom prst="rect">
-            <a:avLst/>
-          </a:prstGeom>
-          <a:noFill/>
-        </p:spPr>
-        <p:txBody>
-          <a:bodyPr wrap="square" rtlCol="0">
-            <a:spAutoFit/>
-          </a:bodyPr>
-          <a:lstStyle/>
-          <a:p>
-            <a:r>
-              <a:rPr lang="en-US" altLang="ko-KR" dirty="0"/>
-              <a:t>&lt;Augmented Dickey-Fuller&gt;</a:t>
-            </a:r>
-            <a:endParaRPr lang="ko-KR" altLang="en-US" dirty="0"/>
-          </a:p>
-        </p:txBody>
-      </p:sp>
-      <p:pic>
-        <p:nvPicPr>
-          <p:cNvPr id="4" name="그림 3">
-            <a:extLst>
-              <a:ext uri="{FF2B5EF4-FFF2-40B4-BE49-F238E27FC236}">
-                <a16:creationId xmlns:a16="http://schemas.microsoft.com/office/drawing/2014/main" id="{B8798EBE-9A12-47C5-BCF8-3D16F467081E}"/>
-              </a:ext>
-            </a:extLst>
-          </p:cNvPr>
-          <p:cNvPicPr>
-            <a:picLocks noChangeAspect="1"/>
-          </p:cNvPicPr>
-          <p:nvPr/>
-        </p:nvPicPr>
-        <p:blipFill>
-          <a:blip r:embed="rId3"/>
-          <a:stretch>
-            <a:fillRect/>
-          </a:stretch>
-        </p:blipFill>
-        <p:spPr>
-          <a:xfrm>
-            <a:off x="3129280" y="3786624"/>
-            <a:ext cx="5133975" cy="3028950"/>
-          </a:xfrm>
-          <a:prstGeom prst="rect">
-            <a:avLst/>
-          </a:prstGeom>
-        </p:spPr>
-      </p:pic>
-      <p:sp>
-        <p:nvSpPr>
-          <p:cNvPr id="5" name="직사각형 4">
-            <a:extLst>
-              <a:ext uri="{FF2B5EF4-FFF2-40B4-BE49-F238E27FC236}">
-                <a16:creationId xmlns:a16="http://schemas.microsoft.com/office/drawing/2014/main" id="{DF802C74-3D3E-47EC-BA0B-5D4DB59F1E95}"/>
-              </a:ext>
-            </a:extLst>
-          </p:cNvPr>
-          <p:cNvSpPr/>
-          <p:nvPr/>
-        </p:nvSpPr>
-        <p:spPr>
-          <a:xfrm>
-            <a:off x="3129280" y="5567461"/>
-            <a:ext cx="3345180" cy="241737"/>
-          </a:xfrm>
-          <a:prstGeom prst="rect">
-            <a:avLst/>
-          </a:prstGeom>
-          <a:noFill/>
-          <a:ln w="38100">
-            <a:solidFill>
-              <a:srgbClr val="FF0000"/>
-            </a:solidFill>
-          </a:ln>
-        </p:spPr>
-        <p:style>
-          <a:lnRef idx="2">
-            <a:schemeClr val="accent1">
-              <a:shade val="50000"/>
-            </a:schemeClr>
-          </a:lnRef>
-          <a:fillRef idx="1">
-            <a:schemeClr val="accent1"/>
-          </a:fillRef>
-          <a:effectRef idx="0">
-            <a:schemeClr val="accent1"/>
-          </a:effectRef>
-          <a:fontRef idx="minor">
-            <a:schemeClr val="lt1"/>
-          </a:fontRef>
-        </p:style>
-        <p:txBody>
-          <a:bodyPr rtlCol="0" anchor="ctr"/>
-          <a:lstStyle/>
-          <a:p>
-            <a:pPr algn="ctr"/>
-            <a:endParaRPr lang="ko-KR" altLang="en-US" dirty="0"/>
-          </a:p>
-        </p:txBody>
-      </p:sp>
-      <p:sp>
-        <p:nvSpPr>
-          <p:cNvPr id="7" name="TextBox 6">
-            <a:extLst>
-              <a:ext uri="{FF2B5EF4-FFF2-40B4-BE49-F238E27FC236}">
-                <a16:creationId xmlns:a16="http://schemas.microsoft.com/office/drawing/2014/main" id="{95EDE113-0E78-4217-B1AC-D1DF95A922C1}"/>
-              </a:ext>
-            </a:extLst>
-          </p:cNvPr>
-          <p:cNvSpPr txBox="1"/>
-          <p:nvPr/>
-        </p:nvSpPr>
-        <p:spPr>
-          <a:xfrm>
-            <a:off x="6474460" y="5503663"/>
-            <a:ext cx="2331720" cy="369332"/>
-          </a:xfrm>
-          <a:prstGeom prst="rect">
-            <a:avLst/>
-          </a:prstGeom>
-          <a:noFill/>
-        </p:spPr>
-        <p:txBody>
-          <a:bodyPr wrap="square" rtlCol="0">
-            <a:spAutoFit/>
-          </a:bodyPr>
-          <a:lstStyle/>
-          <a:p>
-            <a:r>
-              <a:rPr lang="en-US" altLang="ko-KR" dirty="0">
-                <a:solidFill>
-                  <a:srgbClr val="FF0000"/>
-                </a:solidFill>
-              </a:rPr>
-              <a:t>&gt; 0.05 (</a:t>
-            </a:r>
-            <a:r>
-              <a:rPr lang="ko-KR" altLang="en-US" dirty="0">
-                <a:solidFill>
-                  <a:srgbClr val="FF0000"/>
-                </a:solidFill>
-              </a:rPr>
-              <a:t>유의수준 </a:t>
-            </a:r>
-            <a:r>
-              <a:rPr lang="en-US" altLang="ko-KR" dirty="0">
-                <a:solidFill>
-                  <a:srgbClr val="FF0000"/>
-                </a:solidFill>
-              </a:rPr>
-              <a:t>5%)</a:t>
-            </a:r>
-            <a:endParaRPr lang="ko-KR" altLang="en-US" dirty="0">
-              <a:solidFill>
-                <a:srgbClr val="FF0000"/>
-              </a:solidFill>
-            </a:endParaRPr>
-          </a:p>
-        </p:txBody>
-      </p:sp>
-      <p:sp>
-        <p:nvSpPr>
-          <p:cNvPr id="8" name="TextBox 7">
-            <a:extLst>
-              <a:ext uri="{FF2B5EF4-FFF2-40B4-BE49-F238E27FC236}">
-                <a16:creationId xmlns:a16="http://schemas.microsoft.com/office/drawing/2014/main" id="{59CDCEF6-5EAE-4005-9CFE-016CE02A1F58}"/>
-              </a:ext>
-            </a:extLst>
-          </p:cNvPr>
-          <p:cNvSpPr txBox="1"/>
-          <p:nvPr/>
-        </p:nvSpPr>
-        <p:spPr>
-          <a:xfrm>
-            <a:off x="624840" y="1422022"/>
-            <a:ext cx="1478280" cy="369332"/>
-          </a:xfrm>
-          <a:prstGeom prst="rect">
-            <a:avLst/>
-          </a:prstGeom>
-          <a:noFill/>
-        </p:spPr>
-        <p:txBody>
-          <a:bodyPr wrap="square" rtlCol="0">
-            <a:spAutoFit/>
-          </a:bodyPr>
-          <a:lstStyle/>
-          <a:p>
-            <a:r>
-              <a:rPr lang="ko-KR" altLang="en-US" dirty="0"/>
-              <a:t>종가</a:t>
-            </a:r>
-          </a:p>
-        </p:txBody>
-      </p:sp>
     </p:spTree>
     <p:extLst>
       <p:ext uri="{BB962C8B-B14F-4D97-AF65-F5344CB8AC3E}">
-        <p14:creationId xmlns:p14="http://schemas.microsoft.com/office/powerpoint/2010/main" val="550852089"/>
+        <p14:creationId xmlns:p14="http://schemas.microsoft.com/office/powerpoint/2010/main" val="1659589957"/>
       </p:ext>
     </p:extLst>
   </p:cSld>
@@ -5425,184 +5346,10 @@
       </p:grpSpPr>
       <p:pic>
         <p:nvPicPr>
-          <p:cNvPr id="10242" name="Picture 2">
-            <a:extLst>
-              <a:ext uri="{FF2B5EF4-FFF2-40B4-BE49-F238E27FC236}">
-                <a16:creationId xmlns:a16="http://schemas.microsoft.com/office/drawing/2014/main" id="{A095C248-77E0-4172-80F8-AA157FA37321}"/>
-              </a:ext>
-            </a:extLst>
-          </p:cNvPr>
-          <p:cNvPicPr>
-            <a:picLocks noChangeAspect="1" noChangeArrowheads="1"/>
-          </p:cNvPicPr>
-          <p:nvPr/>
-        </p:nvPicPr>
-        <p:blipFill>
-          <a:blip r:embed="rId2">
-            <a:extLst>
-              <a:ext uri="{28A0092B-C50C-407E-A947-70E740481C1C}">
-                <a14:useLocalDpi xmlns:a14="http://schemas.microsoft.com/office/drawing/2010/main" val="0"/>
-              </a:ext>
-            </a:extLst>
-          </a:blip>
-          <a:srcRect/>
-          <a:stretch>
-            <a:fillRect/>
-          </a:stretch>
-        </p:blipFill>
-        <p:spPr bwMode="auto">
-          <a:xfrm>
-            <a:off x="2592388" y="1422022"/>
-            <a:ext cx="7820025" cy="2352675"/>
-          </a:xfrm>
-          <a:prstGeom prst="rect">
-            <a:avLst/>
-          </a:prstGeom>
-          <a:noFill/>
-          <a:extLst>
-            <a:ext uri="{909E8E84-426E-40DD-AFC4-6F175D3DCCD1}">
-              <a14:hiddenFill xmlns:a14="http://schemas.microsoft.com/office/drawing/2010/main">
-                <a:solidFill>
-                  <a:srgbClr val="FFFFFF"/>
-                </a:solidFill>
-              </a14:hiddenFill>
-            </a:ext>
-          </a:extLst>
-        </p:spPr>
-      </p:pic>
-      <p:sp>
-        <p:nvSpPr>
-          <p:cNvPr id="2" name="TextBox 1">
-            <a:extLst>
-              <a:ext uri="{FF2B5EF4-FFF2-40B4-BE49-F238E27FC236}">
-                <a16:creationId xmlns:a16="http://schemas.microsoft.com/office/drawing/2014/main" id="{A08239FC-B989-4F92-B929-B9F09894E962}"/>
-              </a:ext>
-            </a:extLst>
-          </p:cNvPr>
-          <p:cNvSpPr txBox="1"/>
-          <p:nvPr/>
-        </p:nvSpPr>
-        <p:spPr>
-          <a:xfrm>
-            <a:off x="680720" y="426720"/>
-            <a:ext cx="6959600" cy="369332"/>
-          </a:xfrm>
-          <a:prstGeom prst="rect">
-            <a:avLst/>
-          </a:prstGeom>
-          <a:noFill/>
-        </p:spPr>
-        <p:txBody>
-          <a:bodyPr wrap="square" rtlCol="0">
-            <a:spAutoFit/>
-          </a:bodyPr>
-          <a:lstStyle/>
-          <a:p>
-            <a:r>
-              <a:rPr lang="ko-KR" altLang="en-US" dirty="0"/>
-              <a:t>정상성 확인 방법 </a:t>
-            </a:r>
-            <a:r>
-              <a:rPr lang="en-US" altLang="ko-KR" dirty="0"/>
-              <a:t>: </a:t>
-            </a:r>
-            <a:r>
-              <a:rPr lang="en-US" altLang="ko-KR" dirty="0" err="1"/>
-              <a:t>Augmendted</a:t>
-            </a:r>
-            <a:r>
-              <a:rPr lang="en-US" altLang="ko-KR" dirty="0"/>
-              <a:t> Dickey-Fuller, ACF, PACF</a:t>
-            </a:r>
-            <a:endParaRPr lang="ko-KR" altLang="en-US" dirty="0"/>
-          </a:p>
-        </p:txBody>
-      </p:sp>
-      <p:sp>
-        <p:nvSpPr>
-          <p:cNvPr id="4" name="TextBox 3">
-            <a:extLst>
-              <a:ext uri="{FF2B5EF4-FFF2-40B4-BE49-F238E27FC236}">
-                <a16:creationId xmlns:a16="http://schemas.microsoft.com/office/drawing/2014/main" id="{45F580DD-4820-4366-B285-A3120E0BCFA1}"/>
-              </a:ext>
-            </a:extLst>
-          </p:cNvPr>
-          <p:cNvSpPr txBox="1"/>
-          <p:nvPr/>
-        </p:nvSpPr>
-        <p:spPr>
-          <a:xfrm>
-            <a:off x="680720" y="787091"/>
-            <a:ext cx="3281680" cy="369332"/>
-          </a:xfrm>
-          <a:prstGeom prst="rect">
-            <a:avLst/>
-          </a:prstGeom>
-          <a:noFill/>
-        </p:spPr>
-        <p:txBody>
-          <a:bodyPr wrap="square" rtlCol="0">
-            <a:spAutoFit/>
-          </a:bodyPr>
-          <a:lstStyle/>
-          <a:p>
-            <a:r>
-              <a:rPr lang="en-US" altLang="ko-KR" dirty="0"/>
-              <a:t>&lt;Augmented Dickey-Fuller&gt;</a:t>
-            </a:r>
-            <a:endParaRPr lang="ko-KR" altLang="en-US" dirty="0"/>
-          </a:p>
-        </p:txBody>
-      </p:sp>
-      <p:sp>
-        <p:nvSpPr>
-          <p:cNvPr id="6" name="TextBox 5">
-            <a:extLst>
-              <a:ext uri="{FF2B5EF4-FFF2-40B4-BE49-F238E27FC236}">
-                <a16:creationId xmlns:a16="http://schemas.microsoft.com/office/drawing/2014/main" id="{ECA0962B-C8DB-4A7E-9305-C0888589128D}"/>
-              </a:ext>
-            </a:extLst>
-          </p:cNvPr>
-          <p:cNvSpPr txBox="1"/>
-          <p:nvPr/>
-        </p:nvSpPr>
-        <p:spPr>
-          <a:xfrm>
-            <a:off x="624840" y="1422022"/>
-            <a:ext cx="1742440" cy="369332"/>
-          </a:xfrm>
-          <a:prstGeom prst="rect">
-            <a:avLst/>
-          </a:prstGeom>
-          <a:noFill/>
-        </p:spPr>
-        <p:txBody>
-          <a:bodyPr wrap="square" rtlCol="0">
-            <a:spAutoFit/>
-          </a:bodyPr>
-          <a:lstStyle/>
-          <a:p>
-            <a:r>
-              <a:rPr lang="ko-KR" altLang="en-US" dirty="0"/>
-              <a:t>종가</a:t>
-            </a:r>
-            <a:r>
-              <a:rPr lang="en-US" altLang="ko-KR" dirty="0"/>
-              <a:t>_</a:t>
-            </a:r>
-            <a:r>
-              <a:rPr lang="ko-KR" altLang="en-US" dirty="0"/>
-              <a:t>로그</a:t>
-            </a:r>
-          </a:p>
-        </p:txBody>
-      </p:sp>
-      <p:pic>
-        <p:nvPicPr>
-          <p:cNvPr id="8" name="그림 7">
-            <a:extLst>
-              <a:ext uri="{FF2B5EF4-FFF2-40B4-BE49-F238E27FC236}">
-                <a16:creationId xmlns:a16="http://schemas.microsoft.com/office/drawing/2014/main" id="{9417F4D0-092F-4C5B-8809-8D134CE09715}"/>
+          <p:cNvPr id="6" name="그림 5">
+            <a:extLst>
+              <a:ext uri="{FF2B5EF4-FFF2-40B4-BE49-F238E27FC236}">
+                <a16:creationId xmlns:a16="http://schemas.microsoft.com/office/drawing/2014/main" id="{E88540C6-A633-4472-84B9-99D0A18EAA1C}"/>
               </a:ext>
             </a:extLst>
           </p:cNvPr>
@@ -5612,15 +5359,15 @@
           <p:nvPr/>
         </p:nvPicPr>
         <p:blipFill>
-          <a:blip r:embed="rId3"/>
+          <a:blip r:embed="rId2"/>
           <a:stretch>
             <a:fillRect/>
           </a:stretch>
         </p:blipFill>
         <p:spPr>
           <a:xfrm>
-            <a:off x="2843212" y="3857625"/>
-            <a:ext cx="6200775" cy="3000375"/>
+            <a:off x="3829115" y="796052"/>
+            <a:ext cx="6504529" cy="5878223"/>
           </a:xfrm>
           <a:prstGeom prst="rect">
             <a:avLst/>
@@ -5629,10 +5376,94 @@
       </p:pic>
       <p:sp>
         <p:nvSpPr>
-          <p:cNvPr id="9" name="직사각형 8">
-            <a:extLst>
-              <a:ext uri="{FF2B5EF4-FFF2-40B4-BE49-F238E27FC236}">
-                <a16:creationId xmlns:a16="http://schemas.microsoft.com/office/drawing/2014/main" id="{07ACDCF5-D30B-4512-996F-3171F93B5218}"/>
+          <p:cNvPr id="2" name="TextBox 1">
+            <a:extLst>
+              <a:ext uri="{FF2B5EF4-FFF2-40B4-BE49-F238E27FC236}">
+                <a16:creationId xmlns:a16="http://schemas.microsoft.com/office/drawing/2014/main" id="{0DB57B4B-5322-46E8-91FD-B01A1BF7BF07}"/>
+              </a:ext>
+            </a:extLst>
+          </p:cNvPr>
+          <p:cNvSpPr txBox="1"/>
+          <p:nvPr/>
+        </p:nvSpPr>
+        <p:spPr>
+          <a:xfrm>
+            <a:off x="680720" y="426720"/>
+            <a:ext cx="6959600" cy="369332"/>
+          </a:xfrm>
+          <a:prstGeom prst="rect">
+            <a:avLst/>
+          </a:prstGeom>
+          <a:noFill/>
+        </p:spPr>
+        <p:txBody>
+          <a:bodyPr wrap="square" rtlCol="0">
+            <a:spAutoFit/>
+          </a:bodyPr>
+          <a:lstStyle/>
+          <a:p>
+            <a:r>
+              <a:rPr lang="ko-KR" altLang="en-US" dirty="0"/>
+              <a:t>정상성 확인 방법 </a:t>
+            </a:r>
+            <a:r>
+              <a:rPr lang="en-US" altLang="ko-KR" dirty="0"/>
+              <a:t>: </a:t>
+            </a:r>
+            <a:r>
+              <a:rPr lang="en-US" altLang="ko-KR" dirty="0" err="1"/>
+              <a:t>Augmendted</a:t>
+            </a:r>
+            <a:r>
+              <a:rPr lang="en-US" altLang="ko-KR" dirty="0"/>
+              <a:t> Dickey-Fuller, ACF, PACF</a:t>
+            </a:r>
+            <a:endParaRPr lang="ko-KR" altLang="en-US" dirty="0"/>
+          </a:p>
+        </p:txBody>
+      </p:sp>
+      <p:sp>
+        <p:nvSpPr>
+          <p:cNvPr id="3" name="TextBox 2">
+            <a:extLst>
+              <a:ext uri="{FF2B5EF4-FFF2-40B4-BE49-F238E27FC236}">
+                <a16:creationId xmlns:a16="http://schemas.microsoft.com/office/drawing/2014/main" id="{3E08675D-0A0F-491E-8F54-1773338BA221}"/>
+              </a:ext>
+            </a:extLst>
+          </p:cNvPr>
+          <p:cNvSpPr txBox="1"/>
+          <p:nvPr/>
+        </p:nvSpPr>
+        <p:spPr>
+          <a:xfrm>
+            <a:off x="680720" y="787091"/>
+            <a:ext cx="3281680" cy="369332"/>
+          </a:xfrm>
+          <a:prstGeom prst="rect">
+            <a:avLst/>
+          </a:prstGeom>
+          <a:noFill/>
+        </p:spPr>
+        <p:txBody>
+          <a:bodyPr wrap="square" rtlCol="0">
+            <a:spAutoFit/>
+          </a:bodyPr>
+          <a:lstStyle/>
+          <a:p>
+            <a:r>
+              <a:rPr lang="en-US" altLang="ko-KR" dirty="0"/>
+              <a:t>&lt;Augmented Dickey-Fuller&gt;</a:t>
+            </a:r>
+            <a:endParaRPr lang="ko-KR" altLang="en-US" dirty="0"/>
+          </a:p>
+        </p:txBody>
+      </p:sp>
+      <p:sp>
+        <p:nvSpPr>
+          <p:cNvPr id="5" name="직사각형 4">
+            <a:extLst>
+              <a:ext uri="{FF2B5EF4-FFF2-40B4-BE49-F238E27FC236}">
+                <a16:creationId xmlns:a16="http://schemas.microsoft.com/office/drawing/2014/main" id="{DF802C74-3D3E-47EC-BA0B-5D4DB59F1E95}"/>
               </a:ext>
             </a:extLst>
           </p:cNvPr>
@@ -5641,14 +5472,14 @@
         </p:nvSpPr>
         <p:spPr>
           <a:xfrm>
-            <a:off x="3952240" y="5689381"/>
-            <a:ext cx="3345180" cy="241737"/>
+            <a:off x="3882812" y="5872294"/>
+            <a:ext cx="1999622" cy="210436"/>
           </a:xfrm>
           <a:prstGeom prst="rect">
             <a:avLst/>
           </a:prstGeom>
           <a:noFill/>
-          <a:ln w="38100">
+          <a:ln w="19050">
             <a:solidFill>
               <a:srgbClr val="FF0000"/>
             </a:solidFill>
@@ -5681,10 +5512,10 @@
       </p:sp>
       <p:sp>
         <p:nvSpPr>
-          <p:cNvPr id="11" name="TextBox 10">
-            <a:extLst>
-              <a:ext uri="{FF2B5EF4-FFF2-40B4-BE49-F238E27FC236}">
-                <a16:creationId xmlns:a16="http://schemas.microsoft.com/office/drawing/2014/main" id="{FD8F0E91-FFEE-468B-90C6-2804EC319D65}"/>
+          <p:cNvPr id="7" name="TextBox 6">
+            <a:extLst>
+              <a:ext uri="{FF2B5EF4-FFF2-40B4-BE49-F238E27FC236}">
+                <a16:creationId xmlns:a16="http://schemas.microsoft.com/office/drawing/2014/main" id="{95EDE113-0E78-4217-B1AC-D1DF95A922C1}"/>
               </a:ext>
             </a:extLst>
           </p:cNvPr>
@@ -5693,7 +5524,7 @@
         </p:nvSpPr>
         <p:spPr>
           <a:xfrm>
-            <a:off x="7297420" y="5625583"/>
+            <a:off x="5882434" y="5792846"/>
             <a:ext cx="2331720" cy="369332"/>
           </a:xfrm>
           <a:prstGeom prst="rect">
@@ -5739,10 +5570,45 @@
           </a:p>
         </p:txBody>
       </p:sp>
+      <p:sp>
+        <p:nvSpPr>
+          <p:cNvPr id="8" name="TextBox 7">
+            <a:extLst>
+              <a:ext uri="{FF2B5EF4-FFF2-40B4-BE49-F238E27FC236}">
+                <a16:creationId xmlns:a16="http://schemas.microsoft.com/office/drawing/2014/main" id="{59CDCEF6-5EAE-4005-9CFE-016CE02A1F58}"/>
+              </a:ext>
+            </a:extLst>
+          </p:cNvPr>
+          <p:cNvSpPr txBox="1"/>
+          <p:nvPr/>
+        </p:nvSpPr>
+        <p:spPr>
+          <a:xfrm>
+            <a:off x="624840" y="1422022"/>
+            <a:ext cx="1478280" cy="369332"/>
+          </a:xfrm>
+          <a:prstGeom prst="rect">
+            <a:avLst/>
+          </a:prstGeom>
+          <a:noFill/>
+        </p:spPr>
+        <p:txBody>
+          <a:bodyPr wrap="square" rtlCol="0">
+            <a:spAutoFit/>
+          </a:bodyPr>
+          <a:lstStyle/>
+          <a:p>
+            <a:r>
+              <a:rPr lang="ko-KR" altLang="en-US" dirty="0"/>
+              <a:t>종가</a:t>
+            </a:r>
+          </a:p>
+        </p:txBody>
+      </p:sp>
     </p:spTree>
     <p:extLst>
       <p:ext uri="{BB962C8B-B14F-4D97-AF65-F5344CB8AC3E}">
-        <p14:creationId xmlns:p14="http://schemas.microsoft.com/office/powerpoint/2010/main" val="2205592833"/>
+        <p14:creationId xmlns:p14="http://schemas.microsoft.com/office/powerpoint/2010/main" val="550852089"/>
       </p:ext>
     </p:extLst>
   </p:cSld>
@@ -5771,10 +5637,10 @@
       </p:grpSpPr>
       <p:pic>
         <p:nvPicPr>
-          <p:cNvPr id="12" name="그림 11">
-            <a:extLst>
-              <a:ext uri="{FF2B5EF4-FFF2-40B4-BE49-F238E27FC236}">
-                <a16:creationId xmlns:a16="http://schemas.microsoft.com/office/drawing/2014/main" id="{64069D76-9A3F-4A38-BE06-D4D126065289}"/>
+          <p:cNvPr id="4" name="그림 3">
+            <a:extLst>
+              <a:ext uri="{FF2B5EF4-FFF2-40B4-BE49-F238E27FC236}">
+                <a16:creationId xmlns:a16="http://schemas.microsoft.com/office/drawing/2014/main" id="{4B272AA7-DF1E-4DA0-B35E-DCFE866D403D}"/>
               </a:ext>
             </a:extLst>
           </p:cNvPr>
@@ -5791,8 +5657,8 @@
         </p:blipFill>
         <p:spPr>
           <a:xfrm>
-            <a:off x="3395662" y="4065459"/>
-            <a:ext cx="4526915" cy="2608731"/>
+            <a:off x="2807709" y="1332128"/>
+            <a:ext cx="6045345" cy="5432163"/>
           </a:xfrm>
           <a:prstGeom prst="rect">
             <a:avLst/>
@@ -5897,14 +5763,14 @@
         </p:nvSpPr>
         <p:spPr>
           <a:xfrm>
-            <a:off x="3395662" y="5606106"/>
-            <a:ext cx="3345180" cy="241737"/>
+            <a:off x="2807709" y="5886242"/>
+            <a:ext cx="2568025" cy="305535"/>
           </a:xfrm>
           <a:prstGeom prst="rect">
             <a:avLst/>
           </a:prstGeom>
           <a:noFill/>
-          <a:ln w="38100">
+          <a:ln w="19050">
             <a:solidFill>
               <a:srgbClr val="FF0000"/>
             </a:solidFill>
@@ -5949,7 +5815,7 @@
         </p:nvSpPr>
         <p:spPr>
           <a:xfrm>
-            <a:off x="6740842" y="5542308"/>
+            <a:off x="5308600" y="5854343"/>
             <a:ext cx="2331720" cy="369332"/>
           </a:xfrm>
           <a:prstGeom prst="rect">
@@ -6039,53 +5905,6 @@
           </a:p>
         </p:txBody>
       </p:sp>
-      <p:pic>
-        <p:nvPicPr>
-          <p:cNvPr id="11266" name="Picture 2">
-            <a:extLst>
-              <a:ext uri="{FF2B5EF4-FFF2-40B4-BE49-F238E27FC236}">
-                <a16:creationId xmlns:a16="http://schemas.microsoft.com/office/drawing/2014/main" id="{AA46BC12-5963-4881-85E0-DDDED9CA4392}"/>
-              </a:ext>
-            </a:extLst>
-          </p:cNvPr>
-          <p:cNvPicPr>
-            <a:picLocks noChangeAspect="1" noChangeArrowheads="1"/>
-          </p:cNvPicPr>
-          <p:nvPr/>
-        </p:nvPicPr>
-        <p:blipFill>
-          <a:blip r:embed="rId3">
-            <a:extLst>
-              <a:ext uri="{28A0092B-C50C-407E-A947-70E740481C1C}">
-                <a14:useLocalDpi xmlns:a14="http://schemas.microsoft.com/office/drawing/2010/main" val="0"/>
-              </a:ext>
-            </a:extLst>
-          </a:blip>
-          <a:srcRect/>
-          <a:stretch>
-            <a:fillRect/>
-          </a:stretch>
-        </p:blipFill>
-        <p:spPr bwMode="auto">
-          <a:xfrm>
-            <a:off x="2458721" y="1268331"/>
-            <a:ext cx="7620000" cy="2608731"/>
-          </a:xfrm>
-          <a:prstGeom prst="rect">
-            <a:avLst/>
-          </a:prstGeom>
-          <a:noFill/>
-          <a:extLst>
-            <a:ext uri="{909E8E84-426E-40DD-AFC4-6F175D3DCCD1}">
-              <a14:hiddenFill xmlns:a14="http://schemas.microsoft.com/office/drawing/2010/main">
-                <a:solidFill>
-                  <a:srgbClr val="FFFFFF"/>
-                </a:solidFill>
-              </a14:hiddenFill>
-            </a:ext>
-          </a:extLst>
-        </p:spPr>
-      </p:pic>
       <p:sp>
         <p:nvSpPr>
           <p:cNvPr id="15" name="TextBox 14">
@@ -6220,6 +6039,3181 @@
 </file>
 
 <file path=ppt/slides/slide18.xml><?xml version="1.0" encoding="utf-8"?>
+<p:sld xmlns:a="http://schemas.openxmlformats.org/drawingml/2006/main" xmlns:r="http://schemas.openxmlformats.org/officeDocument/2006/relationships" xmlns:p="http://schemas.openxmlformats.org/presentationml/2006/main">
+  <p:cSld>
+    <p:spTree>
+      <p:nvGrpSpPr>
+        <p:cNvPr id="1" name=""/>
+        <p:cNvGrpSpPr/>
+        <p:nvPr/>
+      </p:nvGrpSpPr>
+      <p:grpSpPr>
+        <a:xfrm>
+          <a:off x="0" y="0"/>
+          <a:ext cx="0" cy="0"/>
+          <a:chOff x="0" y="0"/>
+          <a:chExt cx="0" cy="0"/>
+        </a:xfrm>
+      </p:grpSpPr>
+      <p:sp>
+        <p:nvSpPr>
+          <p:cNvPr id="2" name="TextBox 1">
+            <a:extLst>
+              <a:ext uri="{FF2B5EF4-FFF2-40B4-BE49-F238E27FC236}">
+                <a16:creationId xmlns:a16="http://schemas.microsoft.com/office/drawing/2014/main" id="{B34FA82C-8995-4533-928E-B12A9AF451F5}"/>
+              </a:ext>
+            </a:extLst>
+          </p:cNvPr>
+          <p:cNvSpPr txBox="1"/>
+          <p:nvPr/>
+        </p:nvSpPr>
+        <p:spPr>
+          <a:xfrm>
+            <a:off x="1688064" y="1300344"/>
+            <a:ext cx="1276809" cy="369332"/>
+          </a:xfrm>
+          <a:prstGeom prst="rect">
+            <a:avLst/>
+          </a:prstGeom>
+          <a:noFill/>
+        </p:spPr>
+        <p:txBody>
+          <a:bodyPr wrap="square" rtlCol="0">
+            <a:spAutoFit/>
+          </a:bodyPr>
+          <a:lstStyle/>
+          <a:p>
+            <a:r>
+              <a:rPr lang="en-US" altLang="ko-KR" dirty="0"/>
+              <a:t>ACF</a:t>
+            </a:r>
+            <a:endParaRPr lang="ko-KR" altLang="en-US" dirty="0"/>
+          </a:p>
+        </p:txBody>
+      </p:sp>
+      <p:sp>
+        <p:nvSpPr>
+          <p:cNvPr id="3" name="TextBox 2">
+            <a:extLst>
+              <a:ext uri="{FF2B5EF4-FFF2-40B4-BE49-F238E27FC236}">
+                <a16:creationId xmlns:a16="http://schemas.microsoft.com/office/drawing/2014/main" id="{A8B629A5-015B-4DF1-AA47-F77C4B9E80B3}"/>
+              </a:ext>
+            </a:extLst>
+          </p:cNvPr>
+          <p:cNvSpPr txBox="1"/>
+          <p:nvPr/>
+        </p:nvSpPr>
+        <p:spPr>
+          <a:xfrm>
+            <a:off x="1688064" y="3778643"/>
+            <a:ext cx="1379322" cy="369332"/>
+          </a:xfrm>
+          <a:prstGeom prst="rect">
+            <a:avLst/>
+          </a:prstGeom>
+          <a:noFill/>
+        </p:spPr>
+        <p:txBody>
+          <a:bodyPr wrap="square" rtlCol="0">
+            <a:spAutoFit/>
+          </a:bodyPr>
+          <a:lstStyle/>
+          <a:p>
+            <a:r>
+              <a:rPr lang="en-US" altLang="ko-KR" dirty="0"/>
+              <a:t>PACF</a:t>
+            </a:r>
+            <a:endParaRPr lang="ko-KR" altLang="en-US" dirty="0"/>
+          </a:p>
+        </p:txBody>
+      </p:sp>
+      <p:sp>
+        <p:nvSpPr>
+          <p:cNvPr id="4" name="TextBox 3">
+            <a:extLst>
+              <a:ext uri="{FF2B5EF4-FFF2-40B4-BE49-F238E27FC236}">
+                <a16:creationId xmlns:a16="http://schemas.microsoft.com/office/drawing/2014/main" id="{1480502D-CD17-4A06-9A77-70F882024BDA}"/>
+              </a:ext>
+            </a:extLst>
+          </p:cNvPr>
+          <p:cNvSpPr txBox="1"/>
+          <p:nvPr/>
+        </p:nvSpPr>
+        <p:spPr>
+          <a:xfrm>
+            <a:off x="91123" y="288778"/>
+            <a:ext cx="1879600" cy="369332"/>
+          </a:xfrm>
+          <a:prstGeom prst="rect">
+            <a:avLst/>
+          </a:prstGeom>
+          <a:noFill/>
+        </p:spPr>
+        <p:txBody>
+          <a:bodyPr wrap="square" rtlCol="0">
+            <a:spAutoFit/>
+          </a:bodyPr>
+          <a:lstStyle/>
+          <a:p>
+            <a:r>
+              <a:rPr lang="en-US" altLang="ko-KR" dirty="0"/>
+              <a:t>&lt;</a:t>
+            </a:r>
+            <a:r>
+              <a:rPr lang="ko-KR" altLang="en-US" dirty="0"/>
+              <a:t>종가</a:t>
+            </a:r>
+            <a:r>
+              <a:rPr lang="en-US" altLang="ko-KR" dirty="0"/>
+              <a:t>&gt;</a:t>
+            </a:r>
+            <a:endParaRPr lang="ko-KR" altLang="en-US" dirty="0"/>
+          </a:p>
+        </p:txBody>
+      </p:sp>
+      <p:sp>
+        <p:nvSpPr>
+          <p:cNvPr id="9" name="TextBox 8">
+            <a:extLst>
+              <a:ext uri="{FF2B5EF4-FFF2-40B4-BE49-F238E27FC236}">
+                <a16:creationId xmlns:a16="http://schemas.microsoft.com/office/drawing/2014/main" id="{5E3575D7-B2AC-4CE3-98B4-4F98B40F5FA2}"/>
+              </a:ext>
+            </a:extLst>
+          </p:cNvPr>
+          <p:cNvSpPr txBox="1"/>
+          <p:nvPr/>
+        </p:nvSpPr>
+        <p:spPr>
+          <a:xfrm>
+            <a:off x="1856423" y="5630526"/>
+            <a:ext cx="8871769" cy="584775"/>
+          </a:xfrm>
+          <a:prstGeom prst="rect">
+            <a:avLst/>
+          </a:prstGeom>
+          <a:noFill/>
+        </p:spPr>
+        <p:txBody>
+          <a:bodyPr wrap="square" rtlCol="0">
+            <a:spAutoFit/>
+          </a:bodyPr>
+          <a:lstStyle/>
+          <a:p>
+            <a:r>
+              <a:rPr lang="en-US" altLang="ko-KR" sz="1600" dirty="0"/>
+              <a:t>ACF</a:t>
+            </a:r>
+            <a:r>
+              <a:rPr lang="ko-KR" altLang="en-US" sz="1600" dirty="0"/>
+              <a:t>그래프 </a:t>
+            </a:r>
+            <a:r>
+              <a:rPr lang="en-US" altLang="ko-KR" sz="1600" dirty="0"/>
+              <a:t>: </a:t>
+            </a:r>
+            <a:r>
+              <a:rPr lang="ko-KR" altLang="en-US" sz="1600" dirty="0"/>
+              <a:t>점점 감소하는 모양</a:t>
+            </a:r>
+            <a:endParaRPr lang="en-US" altLang="ko-KR" sz="1600" dirty="0"/>
+          </a:p>
+          <a:p>
+            <a:r>
+              <a:rPr lang="en-US" altLang="ko-KR" sz="1600" dirty="0"/>
+              <a:t>PACF</a:t>
+            </a:r>
+            <a:r>
+              <a:rPr lang="ko-KR" altLang="en-US" sz="1600" dirty="0"/>
+              <a:t>그래프 </a:t>
+            </a:r>
+            <a:r>
+              <a:rPr lang="en-US" altLang="ko-KR" sz="1600" dirty="0"/>
+              <a:t>: 1</a:t>
+            </a:r>
+            <a:r>
+              <a:rPr lang="ko-KR" altLang="en-US" sz="1600" dirty="0"/>
+              <a:t>에서 상관성 ↑</a:t>
+            </a:r>
+            <a:r>
+              <a:rPr lang="en-US" altLang="ko-KR" sz="1600" dirty="0"/>
+              <a:t>, lab</a:t>
+            </a:r>
+            <a:r>
+              <a:rPr lang="ko-KR" altLang="en-US" sz="1600" dirty="0"/>
+              <a:t>가 커질 수록</a:t>
+            </a:r>
+            <a:r>
+              <a:rPr lang="en-US" altLang="ko-KR" sz="1600" dirty="0"/>
+              <a:t>, </a:t>
+            </a:r>
+            <a:r>
+              <a:rPr lang="ko-KR" altLang="en-US" sz="1600" dirty="0" err="1"/>
+              <a:t>감쇠모양이아니라</a:t>
+            </a:r>
+            <a:r>
+              <a:rPr lang="en-US" altLang="ko-KR" sz="1600" dirty="0"/>
+              <a:t> </a:t>
+            </a:r>
+            <a:r>
+              <a:rPr lang="ko-KR" altLang="en-US" sz="1600" dirty="0"/>
+              <a:t>불규칙하게 변동 </a:t>
+            </a:r>
+          </a:p>
+        </p:txBody>
+      </p:sp>
+      <p:pic>
+        <p:nvPicPr>
+          <p:cNvPr id="8194" name="Picture 2">
+            <a:extLst>
+              <a:ext uri="{FF2B5EF4-FFF2-40B4-BE49-F238E27FC236}">
+                <a16:creationId xmlns:a16="http://schemas.microsoft.com/office/drawing/2014/main" id="{CBAAC7E9-72D7-492A-B108-75E13208F28A}"/>
+              </a:ext>
+            </a:extLst>
+          </p:cNvPr>
+          <p:cNvPicPr>
+            <a:picLocks noChangeAspect="1" noChangeArrowheads="1"/>
+          </p:cNvPicPr>
+          <p:nvPr/>
+        </p:nvPicPr>
+        <p:blipFill>
+          <a:blip r:embed="rId2">
+            <a:extLst>
+              <a:ext uri="{28A0092B-C50C-407E-A947-70E740481C1C}">
+                <a14:useLocalDpi xmlns:a14="http://schemas.microsoft.com/office/drawing/2010/main" val="0"/>
+              </a:ext>
+            </a:extLst>
+          </a:blip>
+          <a:srcRect/>
+          <a:stretch>
+            <a:fillRect/>
+          </a:stretch>
+        </p:blipFill>
+        <p:spPr bwMode="auto">
+          <a:xfrm>
+            <a:off x="2988941" y="125784"/>
+            <a:ext cx="8153400" cy="5410200"/>
+          </a:xfrm>
+          <a:prstGeom prst="rect">
+            <a:avLst/>
+          </a:prstGeom>
+          <a:noFill/>
+          <a:extLst>
+            <a:ext uri="{909E8E84-426E-40DD-AFC4-6F175D3DCCD1}">
+              <a14:hiddenFill xmlns:a14="http://schemas.microsoft.com/office/drawing/2010/main">
+                <a:solidFill>
+                  <a:srgbClr val="FFFFFF"/>
+                </a:solidFill>
+              </a14:hiddenFill>
+            </a:ext>
+          </a:extLst>
+        </p:spPr>
+      </p:pic>
+      <p:sp>
+        <p:nvSpPr>
+          <p:cNvPr id="14" name="TextBox 13">
+            <a:extLst>
+              <a:ext uri="{FF2B5EF4-FFF2-40B4-BE49-F238E27FC236}">
+                <a16:creationId xmlns:a16="http://schemas.microsoft.com/office/drawing/2014/main" id="{E7991CCE-0B40-4254-B214-7D83FF6614E3}"/>
+              </a:ext>
+            </a:extLst>
+          </p:cNvPr>
+          <p:cNvSpPr txBox="1"/>
+          <p:nvPr/>
+        </p:nvSpPr>
+        <p:spPr>
+          <a:xfrm>
+            <a:off x="4173596" y="6309844"/>
+            <a:ext cx="8871769" cy="400110"/>
+          </a:xfrm>
+          <a:prstGeom prst="rect">
+            <a:avLst/>
+          </a:prstGeom>
+          <a:noFill/>
+        </p:spPr>
+        <p:txBody>
+          <a:bodyPr wrap="square" rtlCol="0">
+            <a:spAutoFit/>
+          </a:bodyPr>
+          <a:lstStyle/>
+          <a:p>
+            <a:endParaRPr lang="en-US" altLang="ko-KR" sz="200" dirty="0"/>
+          </a:p>
+          <a:p>
+            <a:endParaRPr lang="en-US" altLang="ko-KR" sz="200" dirty="0"/>
+          </a:p>
+          <a:p>
+            <a:r>
+              <a:rPr lang="en-US" altLang="ko-KR" sz="1600" dirty="0"/>
+              <a:t>=&gt; Non-Stationary</a:t>
+            </a:r>
+            <a:endParaRPr lang="ko-KR" altLang="en-US" sz="1600" dirty="0"/>
+          </a:p>
+        </p:txBody>
+      </p:sp>
+    </p:spTree>
+    <p:extLst>
+      <p:ext uri="{BB962C8B-B14F-4D97-AF65-F5344CB8AC3E}">
+        <p14:creationId xmlns:p14="http://schemas.microsoft.com/office/powerpoint/2010/main" val="3837666298"/>
+      </p:ext>
+    </p:extLst>
+  </p:cSld>
+  <p:clrMapOvr>
+    <a:masterClrMapping/>
+  </p:clrMapOvr>
+</p:sld>
+</file>
+
+<file path=ppt/slides/slide19.xml><?xml version="1.0" encoding="utf-8"?>
+<p:sld xmlns:a="http://schemas.openxmlformats.org/drawingml/2006/main" xmlns:r="http://schemas.openxmlformats.org/officeDocument/2006/relationships" xmlns:p="http://schemas.openxmlformats.org/presentationml/2006/main">
+  <p:cSld>
+    <p:spTree>
+      <p:nvGrpSpPr>
+        <p:cNvPr id="1" name=""/>
+        <p:cNvGrpSpPr/>
+        <p:nvPr/>
+      </p:nvGrpSpPr>
+      <p:grpSpPr>
+        <a:xfrm>
+          <a:off x="0" y="0"/>
+          <a:ext cx="0" cy="0"/>
+          <a:chOff x="0" y="0"/>
+          <a:chExt cx="0" cy="0"/>
+        </a:xfrm>
+      </p:grpSpPr>
+      <p:sp>
+        <p:nvSpPr>
+          <p:cNvPr id="3" name="TextBox 2">
+            <a:extLst>
+              <a:ext uri="{FF2B5EF4-FFF2-40B4-BE49-F238E27FC236}">
+                <a16:creationId xmlns:a16="http://schemas.microsoft.com/office/drawing/2014/main" id="{2618560C-4FF5-44EE-A12F-0279B0370804}"/>
+              </a:ext>
+            </a:extLst>
+          </p:cNvPr>
+          <p:cNvSpPr txBox="1"/>
+          <p:nvPr/>
+        </p:nvSpPr>
+        <p:spPr>
+          <a:xfrm>
+            <a:off x="265083" y="443868"/>
+            <a:ext cx="1879600" cy="369332"/>
+          </a:xfrm>
+          <a:prstGeom prst="rect">
+            <a:avLst/>
+          </a:prstGeom>
+          <a:noFill/>
+        </p:spPr>
+        <p:txBody>
+          <a:bodyPr wrap="square" rtlCol="0">
+            <a:spAutoFit/>
+          </a:bodyPr>
+          <a:lstStyle/>
+          <a:p>
+            <a:r>
+              <a:rPr lang="en-US" altLang="ko-KR" dirty="0"/>
+              <a:t>&lt;</a:t>
+            </a:r>
+            <a:r>
+              <a:rPr lang="ko-KR" altLang="en-US" dirty="0"/>
+              <a:t>종가</a:t>
+            </a:r>
+            <a:r>
+              <a:rPr lang="en-US" altLang="ko-KR" dirty="0"/>
+              <a:t>_1</a:t>
+            </a:r>
+            <a:r>
+              <a:rPr lang="ko-KR" altLang="en-US" dirty="0" err="1"/>
+              <a:t>차차분</a:t>
+            </a:r>
+            <a:r>
+              <a:rPr lang="en-US" altLang="ko-KR" dirty="0"/>
+              <a:t>&gt;</a:t>
+            </a:r>
+            <a:endParaRPr lang="ko-KR" altLang="en-US" dirty="0"/>
+          </a:p>
+        </p:txBody>
+      </p:sp>
+      <p:sp>
+        <p:nvSpPr>
+          <p:cNvPr id="5" name="TextBox 4">
+            <a:extLst>
+              <a:ext uri="{FF2B5EF4-FFF2-40B4-BE49-F238E27FC236}">
+                <a16:creationId xmlns:a16="http://schemas.microsoft.com/office/drawing/2014/main" id="{12483667-1318-40DC-AD1C-02ECE42CB784}"/>
+              </a:ext>
+            </a:extLst>
+          </p:cNvPr>
+          <p:cNvSpPr txBox="1"/>
+          <p:nvPr/>
+        </p:nvSpPr>
+        <p:spPr>
+          <a:xfrm>
+            <a:off x="2886852" y="1126896"/>
+            <a:ext cx="1138897" cy="369332"/>
+          </a:xfrm>
+          <a:prstGeom prst="rect">
+            <a:avLst/>
+          </a:prstGeom>
+          <a:noFill/>
+        </p:spPr>
+        <p:txBody>
+          <a:bodyPr wrap="square" rtlCol="0">
+            <a:spAutoFit/>
+          </a:bodyPr>
+          <a:lstStyle/>
+          <a:p>
+            <a:r>
+              <a:rPr lang="en-US" altLang="ko-KR" dirty="0"/>
+              <a:t>ACF</a:t>
+            </a:r>
+            <a:endParaRPr lang="ko-KR" altLang="en-US" dirty="0"/>
+          </a:p>
+        </p:txBody>
+      </p:sp>
+      <p:sp>
+        <p:nvSpPr>
+          <p:cNvPr id="7" name="TextBox 6">
+            <a:extLst>
+              <a:ext uri="{FF2B5EF4-FFF2-40B4-BE49-F238E27FC236}">
+                <a16:creationId xmlns:a16="http://schemas.microsoft.com/office/drawing/2014/main" id="{45CC44D4-24F7-4E75-890D-902C72F03C12}"/>
+              </a:ext>
+            </a:extLst>
+          </p:cNvPr>
+          <p:cNvSpPr txBox="1"/>
+          <p:nvPr/>
+        </p:nvSpPr>
+        <p:spPr>
+          <a:xfrm>
+            <a:off x="8732465" y="1126896"/>
+            <a:ext cx="1230337" cy="369332"/>
+          </a:xfrm>
+          <a:prstGeom prst="rect">
+            <a:avLst/>
+          </a:prstGeom>
+          <a:noFill/>
+        </p:spPr>
+        <p:txBody>
+          <a:bodyPr wrap="square" rtlCol="0">
+            <a:spAutoFit/>
+          </a:bodyPr>
+          <a:lstStyle/>
+          <a:p>
+            <a:r>
+              <a:rPr lang="en-US" altLang="ko-KR" dirty="0"/>
+              <a:t>PACF</a:t>
+            </a:r>
+            <a:endParaRPr lang="ko-KR" altLang="en-US" dirty="0"/>
+          </a:p>
+        </p:txBody>
+      </p:sp>
+      <p:sp>
+        <p:nvSpPr>
+          <p:cNvPr id="12" name="TextBox 11">
+            <a:extLst>
+              <a:ext uri="{FF2B5EF4-FFF2-40B4-BE49-F238E27FC236}">
+                <a16:creationId xmlns:a16="http://schemas.microsoft.com/office/drawing/2014/main" id="{CF14C3C8-A85B-4BEB-B15D-91EDC9BE8CFA}"/>
+              </a:ext>
+            </a:extLst>
+          </p:cNvPr>
+          <p:cNvSpPr txBox="1"/>
+          <p:nvPr/>
+        </p:nvSpPr>
+        <p:spPr>
+          <a:xfrm>
+            <a:off x="2886852" y="4355209"/>
+            <a:ext cx="2683706" cy="369332"/>
+          </a:xfrm>
+          <a:prstGeom prst="rect">
+            <a:avLst/>
+          </a:prstGeom>
+          <a:noFill/>
+        </p:spPr>
+        <p:txBody>
+          <a:bodyPr wrap="square" rtlCol="0">
+            <a:spAutoFit/>
+          </a:bodyPr>
+          <a:lstStyle/>
+          <a:p>
+            <a:r>
+              <a:rPr lang="en-US" altLang="ko-KR" dirty="0"/>
+              <a:t>q=0</a:t>
+            </a:r>
+            <a:endParaRPr lang="ko-KR" altLang="en-US" dirty="0"/>
+          </a:p>
+        </p:txBody>
+      </p:sp>
+      <p:sp>
+        <p:nvSpPr>
+          <p:cNvPr id="13" name="TextBox 12">
+            <a:extLst>
+              <a:ext uri="{FF2B5EF4-FFF2-40B4-BE49-F238E27FC236}">
+                <a16:creationId xmlns:a16="http://schemas.microsoft.com/office/drawing/2014/main" id="{BF2BD7BC-23EE-4D75-93C4-BBD5239CBB5E}"/>
+              </a:ext>
+            </a:extLst>
+          </p:cNvPr>
+          <p:cNvSpPr txBox="1"/>
+          <p:nvPr/>
+        </p:nvSpPr>
+        <p:spPr>
+          <a:xfrm>
+            <a:off x="8732465" y="4424220"/>
+            <a:ext cx="2683706" cy="369332"/>
+          </a:xfrm>
+          <a:prstGeom prst="rect">
+            <a:avLst/>
+          </a:prstGeom>
+          <a:noFill/>
+        </p:spPr>
+        <p:txBody>
+          <a:bodyPr wrap="square" rtlCol="0">
+            <a:spAutoFit/>
+          </a:bodyPr>
+          <a:lstStyle/>
+          <a:p>
+            <a:r>
+              <a:rPr lang="en-US" altLang="ko-KR" dirty="0"/>
+              <a:t>p=0</a:t>
+            </a:r>
+            <a:endParaRPr lang="ko-KR" altLang="en-US" dirty="0"/>
+          </a:p>
+        </p:txBody>
+      </p:sp>
+      <p:sp>
+        <p:nvSpPr>
+          <p:cNvPr id="14" name="TextBox 13">
+            <a:extLst>
+              <a:ext uri="{FF2B5EF4-FFF2-40B4-BE49-F238E27FC236}">
+                <a16:creationId xmlns:a16="http://schemas.microsoft.com/office/drawing/2014/main" id="{F124EF0D-75F7-4171-82BE-9A2ED8D41697}"/>
+              </a:ext>
+            </a:extLst>
+          </p:cNvPr>
+          <p:cNvSpPr txBox="1"/>
+          <p:nvPr/>
+        </p:nvSpPr>
+        <p:spPr>
+          <a:xfrm>
+            <a:off x="5110780" y="4388139"/>
+            <a:ext cx="2683706" cy="369332"/>
+          </a:xfrm>
+          <a:prstGeom prst="rect">
+            <a:avLst/>
+          </a:prstGeom>
+          <a:noFill/>
+        </p:spPr>
+        <p:txBody>
+          <a:bodyPr wrap="square" rtlCol="0">
+            <a:spAutoFit/>
+          </a:bodyPr>
+          <a:lstStyle/>
+          <a:p>
+            <a:r>
+              <a:rPr lang="en-US" altLang="ko-KR" dirty="0"/>
+              <a:t>1</a:t>
+            </a:r>
+            <a:r>
+              <a:rPr lang="ko-KR" altLang="en-US" dirty="0" err="1"/>
+              <a:t>차차분</a:t>
+            </a:r>
+            <a:r>
+              <a:rPr lang="ko-KR" altLang="en-US" dirty="0"/>
+              <a:t> </a:t>
+            </a:r>
+            <a:r>
+              <a:rPr lang="en-US" altLang="ko-KR" dirty="0"/>
+              <a:t>-&gt; d=1</a:t>
+            </a:r>
+            <a:endParaRPr lang="ko-KR" altLang="en-US" dirty="0"/>
+          </a:p>
+        </p:txBody>
+      </p:sp>
+      <p:sp>
+        <p:nvSpPr>
+          <p:cNvPr id="15" name="TextBox 14">
+            <a:extLst>
+              <a:ext uri="{FF2B5EF4-FFF2-40B4-BE49-F238E27FC236}">
+                <a16:creationId xmlns:a16="http://schemas.microsoft.com/office/drawing/2014/main" id="{589A5D9F-496A-4957-BB34-630AFDD09A4D}"/>
+              </a:ext>
+            </a:extLst>
+          </p:cNvPr>
+          <p:cNvSpPr txBox="1"/>
+          <p:nvPr/>
+        </p:nvSpPr>
+        <p:spPr>
+          <a:xfrm>
+            <a:off x="7110844" y="6088660"/>
+            <a:ext cx="2529840" cy="461665"/>
+          </a:xfrm>
+          <a:prstGeom prst="rect">
+            <a:avLst/>
+          </a:prstGeom>
+          <a:noFill/>
+        </p:spPr>
+        <p:txBody>
+          <a:bodyPr wrap="square" rtlCol="0">
+            <a:spAutoFit/>
+          </a:bodyPr>
+          <a:lstStyle/>
+          <a:p>
+            <a:r>
+              <a:rPr lang="en-US" altLang="ko-KR" sz="2400" b="1" dirty="0">
+                <a:solidFill>
+                  <a:srgbClr val="FF0000"/>
+                </a:solidFill>
+              </a:rPr>
+              <a:t>ARIMA(0,1,0)</a:t>
+            </a:r>
+            <a:endParaRPr lang="ko-KR" altLang="en-US" sz="2400" b="1" dirty="0">
+              <a:solidFill>
+                <a:srgbClr val="FF0000"/>
+              </a:solidFill>
+            </a:endParaRPr>
+          </a:p>
+        </p:txBody>
+      </p:sp>
+      <p:pic>
+        <p:nvPicPr>
+          <p:cNvPr id="4098" name="Picture 2">
+            <a:extLst>
+              <a:ext uri="{FF2B5EF4-FFF2-40B4-BE49-F238E27FC236}">
+                <a16:creationId xmlns:a16="http://schemas.microsoft.com/office/drawing/2014/main" id="{94E4220B-1F09-46A2-9993-079DAA2C5D85}"/>
+              </a:ext>
+            </a:extLst>
+          </p:cNvPr>
+          <p:cNvPicPr>
+            <a:picLocks noChangeAspect="1" noChangeArrowheads="1"/>
+          </p:cNvPicPr>
+          <p:nvPr/>
+        </p:nvPicPr>
+        <p:blipFill>
+          <a:blip r:embed="rId2">
+            <a:extLst>
+              <a:ext uri="{28A0092B-C50C-407E-A947-70E740481C1C}">
+                <a14:useLocalDpi xmlns:a14="http://schemas.microsoft.com/office/drawing/2010/main" val="0"/>
+              </a:ext>
+            </a:extLst>
+          </a:blip>
+          <a:srcRect/>
+          <a:stretch>
+            <a:fillRect/>
+          </a:stretch>
+        </p:blipFill>
+        <p:spPr bwMode="auto">
+          <a:xfrm>
+            <a:off x="2144683" y="628534"/>
+            <a:ext cx="8153400" cy="5410200"/>
+          </a:xfrm>
+          <a:prstGeom prst="rect">
+            <a:avLst/>
+          </a:prstGeom>
+          <a:noFill/>
+          <a:extLst>
+            <a:ext uri="{909E8E84-426E-40DD-AFC4-6F175D3DCCD1}">
+              <a14:hiddenFill xmlns:a14="http://schemas.microsoft.com/office/drawing/2010/main">
+                <a:solidFill>
+                  <a:srgbClr val="FFFFFF"/>
+                </a:solidFill>
+              </a14:hiddenFill>
+            </a:ext>
+          </a:extLst>
+        </p:spPr>
+      </p:pic>
+      <p:sp>
+        <p:nvSpPr>
+          <p:cNvPr id="2" name="TextBox 1">
+            <a:extLst>
+              <a:ext uri="{FF2B5EF4-FFF2-40B4-BE49-F238E27FC236}">
+                <a16:creationId xmlns:a16="http://schemas.microsoft.com/office/drawing/2014/main" id="{56E68412-BEEC-4AA9-AA06-0676F6C403A4}"/>
+              </a:ext>
+            </a:extLst>
+          </p:cNvPr>
+          <p:cNvSpPr txBox="1"/>
+          <p:nvPr/>
+        </p:nvSpPr>
+        <p:spPr>
+          <a:xfrm>
+            <a:off x="831273" y="1943100"/>
+            <a:ext cx="935182" cy="369332"/>
+          </a:xfrm>
+          <a:prstGeom prst="rect">
+            <a:avLst/>
+          </a:prstGeom>
+          <a:noFill/>
+        </p:spPr>
+        <p:txBody>
+          <a:bodyPr wrap="square" rtlCol="0">
+            <a:spAutoFit/>
+          </a:bodyPr>
+          <a:lstStyle/>
+          <a:p>
+            <a:r>
+              <a:rPr lang="en-US" altLang="ko-KR" dirty="0"/>
+              <a:t>ACF :</a:t>
+            </a:r>
+            <a:endParaRPr lang="ko-KR" altLang="en-US" dirty="0"/>
+          </a:p>
+        </p:txBody>
+      </p:sp>
+      <p:sp>
+        <p:nvSpPr>
+          <p:cNvPr id="16" name="TextBox 15">
+            <a:extLst>
+              <a:ext uri="{FF2B5EF4-FFF2-40B4-BE49-F238E27FC236}">
+                <a16:creationId xmlns:a16="http://schemas.microsoft.com/office/drawing/2014/main" id="{3E444532-C002-464C-865E-661F33391572}"/>
+              </a:ext>
+            </a:extLst>
+          </p:cNvPr>
+          <p:cNvSpPr txBox="1"/>
+          <p:nvPr/>
+        </p:nvSpPr>
+        <p:spPr>
+          <a:xfrm>
+            <a:off x="831273" y="4355209"/>
+            <a:ext cx="935182" cy="369332"/>
+          </a:xfrm>
+          <a:prstGeom prst="rect">
+            <a:avLst/>
+          </a:prstGeom>
+          <a:noFill/>
+        </p:spPr>
+        <p:txBody>
+          <a:bodyPr wrap="square" rtlCol="0">
+            <a:spAutoFit/>
+          </a:bodyPr>
+          <a:lstStyle/>
+          <a:p>
+            <a:r>
+              <a:rPr lang="en-US" altLang="ko-KR" dirty="0"/>
+              <a:t>PACF :</a:t>
+            </a:r>
+            <a:endParaRPr lang="ko-KR" altLang="en-US" dirty="0"/>
+          </a:p>
+        </p:txBody>
+      </p:sp>
+      <p:sp>
+        <p:nvSpPr>
+          <p:cNvPr id="17" name="TextBox 16">
+            <a:extLst>
+              <a:ext uri="{FF2B5EF4-FFF2-40B4-BE49-F238E27FC236}">
+                <a16:creationId xmlns:a16="http://schemas.microsoft.com/office/drawing/2014/main" id="{3890DF81-58FA-44A0-B98A-DC28A81D6B3F}"/>
+              </a:ext>
+            </a:extLst>
+          </p:cNvPr>
+          <p:cNvSpPr txBox="1"/>
+          <p:nvPr/>
+        </p:nvSpPr>
+        <p:spPr>
+          <a:xfrm>
+            <a:off x="2760829" y="6088660"/>
+            <a:ext cx="2529840" cy="461665"/>
+          </a:xfrm>
+          <a:prstGeom prst="rect">
+            <a:avLst/>
+          </a:prstGeom>
+          <a:noFill/>
+        </p:spPr>
+        <p:txBody>
+          <a:bodyPr wrap="square" rtlCol="0">
+            <a:spAutoFit/>
+          </a:bodyPr>
+          <a:lstStyle/>
+          <a:p>
+            <a:r>
+              <a:rPr lang="en-US" altLang="ko-KR" sz="2400" b="1" dirty="0">
+                <a:solidFill>
+                  <a:srgbClr val="FF0000"/>
+                </a:solidFill>
+              </a:rPr>
+              <a:t>=&gt; Stationary</a:t>
+            </a:r>
+            <a:endParaRPr lang="ko-KR" altLang="en-US" sz="2400" b="1" dirty="0">
+              <a:solidFill>
+                <a:srgbClr val="FF0000"/>
+              </a:solidFill>
+            </a:endParaRPr>
+          </a:p>
+        </p:txBody>
+      </p:sp>
+    </p:spTree>
+    <p:extLst>
+      <p:ext uri="{BB962C8B-B14F-4D97-AF65-F5344CB8AC3E}">
+        <p14:creationId xmlns:p14="http://schemas.microsoft.com/office/powerpoint/2010/main" val="4027791676"/>
+      </p:ext>
+    </p:extLst>
+  </p:cSld>
+  <p:clrMapOvr>
+    <a:masterClrMapping/>
+  </p:clrMapOvr>
+</p:sld>
+</file>
+
+<file path=ppt/slides/slide2.xml><?xml version="1.0" encoding="utf-8"?>
+<p:sld xmlns:a="http://schemas.openxmlformats.org/drawingml/2006/main" xmlns:r="http://schemas.openxmlformats.org/officeDocument/2006/relationships" xmlns:p="http://schemas.openxmlformats.org/presentationml/2006/main">
+  <p:cSld>
+    <p:spTree>
+      <p:nvGrpSpPr>
+        <p:cNvPr id="1" name=""/>
+        <p:cNvGrpSpPr/>
+        <p:nvPr/>
+      </p:nvGrpSpPr>
+      <p:grpSpPr>
+        <a:xfrm>
+          <a:off x="0" y="0"/>
+          <a:ext cx="0" cy="0"/>
+          <a:chOff x="0" y="0"/>
+          <a:chExt cx="0" cy="0"/>
+        </a:xfrm>
+      </p:grpSpPr>
+      <p:sp>
+        <p:nvSpPr>
+          <p:cNvPr id="2" name="TextBox 1">
+            <a:extLst>
+              <a:ext uri="{FF2B5EF4-FFF2-40B4-BE49-F238E27FC236}">
+                <a16:creationId xmlns:a16="http://schemas.microsoft.com/office/drawing/2014/main" id="{BD3CE153-24AD-4C84-A0EB-BA07D26825E3}"/>
+              </a:ext>
+            </a:extLst>
+          </p:cNvPr>
+          <p:cNvSpPr txBox="1"/>
+          <p:nvPr/>
+        </p:nvSpPr>
+        <p:spPr>
+          <a:xfrm>
+            <a:off x="703385" y="677008"/>
+            <a:ext cx="4835769" cy="369332"/>
+          </a:xfrm>
+          <a:prstGeom prst="rect">
+            <a:avLst/>
+          </a:prstGeom>
+          <a:noFill/>
+        </p:spPr>
+        <p:txBody>
+          <a:bodyPr wrap="square" rtlCol="0">
+            <a:spAutoFit/>
+          </a:bodyPr>
+          <a:lstStyle/>
+          <a:p>
+            <a:r>
+              <a:rPr lang="en-US" altLang="ko-KR" dirty="0"/>
+              <a:t>1) AR(Auto Regressive)</a:t>
+            </a:r>
+            <a:r>
+              <a:rPr lang="ko-KR" altLang="en-US" dirty="0"/>
+              <a:t>모형</a:t>
+            </a:r>
+            <a:r>
+              <a:rPr lang="en-US" altLang="ko-KR" dirty="0"/>
+              <a:t>?</a:t>
+            </a:r>
+            <a:endParaRPr lang="ko-KR" altLang="en-US" dirty="0"/>
+          </a:p>
+        </p:txBody>
+      </p:sp>
+      <p:pic>
+        <p:nvPicPr>
+          <p:cNvPr id="1026" name="Picture 2" descr="19. AR(1) 모형 (Autoregressive Model) : 네이버 블로그">
+            <a:extLst>
+              <a:ext uri="{FF2B5EF4-FFF2-40B4-BE49-F238E27FC236}">
+                <a16:creationId xmlns:a16="http://schemas.microsoft.com/office/drawing/2014/main" id="{3427D855-5EB9-451B-A837-70644574AC05}"/>
+              </a:ext>
+            </a:extLst>
+          </p:cNvPr>
+          <p:cNvPicPr>
+            <a:picLocks noChangeAspect="1" noChangeArrowheads="1"/>
+          </p:cNvPicPr>
+          <p:nvPr/>
+        </p:nvPicPr>
+        <p:blipFill>
+          <a:blip r:embed="rId2">
+            <a:extLst>
+              <a:ext uri="{28A0092B-C50C-407E-A947-70E740481C1C}">
+                <a14:useLocalDpi xmlns:a14="http://schemas.microsoft.com/office/drawing/2010/main" val="0"/>
+              </a:ext>
+            </a:extLst>
+          </a:blip>
+          <a:srcRect/>
+          <a:stretch>
+            <a:fillRect/>
+          </a:stretch>
+        </p:blipFill>
+        <p:spPr bwMode="auto">
+          <a:xfrm>
+            <a:off x="1729154" y="5319922"/>
+            <a:ext cx="6688824" cy="1423988"/>
+          </a:xfrm>
+          <a:prstGeom prst="rect">
+            <a:avLst/>
+          </a:prstGeom>
+          <a:noFill/>
+          <a:extLst>
+            <a:ext uri="{909E8E84-426E-40DD-AFC4-6F175D3DCCD1}">
+              <a14:hiddenFill xmlns:a14="http://schemas.microsoft.com/office/drawing/2010/main">
+                <a:solidFill>
+                  <a:srgbClr val="FFFFFF"/>
+                </a:solidFill>
+              </a14:hiddenFill>
+            </a:ext>
+          </a:extLst>
+        </p:spPr>
+      </p:pic>
+      <p:pic>
+        <p:nvPicPr>
+          <p:cNvPr id="1028" name="Picture 4" descr="ADP 대비] 4장_4절 통계분석_시계열 분석 part3_시계열모형">
+            <a:extLst>
+              <a:ext uri="{FF2B5EF4-FFF2-40B4-BE49-F238E27FC236}">
+                <a16:creationId xmlns:a16="http://schemas.microsoft.com/office/drawing/2014/main" id="{0BFF58B8-F791-4FE3-B159-E08AF4D6D788}"/>
+              </a:ext>
+            </a:extLst>
+          </p:cNvPr>
+          <p:cNvPicPr>
+            <a:picLocks noChangeAspect="1" noChangeArrowheads="1"/>
+          </p:cNvPicPr>
+          <p:nvPr/>
+        </p:nvPicPr>
+        <p:blipFill>
+          <a:blip r:embed="rId3">
+            <a:extLst>
+              <a:ext uri="{28A0092B-C50C-407E-A947-70E740481C1C}">
+                <a14:useLocalDpi xmlns:a14="http://schemas.microsoft.com/office/drawing/2010/main" val="0"/>
+              </a:ext>
+            </a:extLst>
+          </a:blip>
+          <a:srcRect/>
+          <a:stretch>
+            <a:fillRect/>
+          </a:stretch>
+        </p:blipFill>
+        <p:spPr bwMode="auto">
+          <a:xfrm>
+            <a:off x="1729154" y="2114550"/>
+            <a:ext cx="7620000" cy="2457450"/>
+          </a:xfrm>
+          <a:prstGeom prst="rect">
+            <a:avLst/>
+          </a:prstGeom>
+          <a:noFill/>
+          <a:extLst>
+            <a:ext uri="{909E8E84-426E-40DD-AFC4-6F175D3DCCD1}">
+              <a14:hiddenFill xmlns:a14="http://schemas.microsoft.com/office/drawing/2010/main">
+                <a:solidFill>
+                  <a:srgbClr val="FFFFFF"/>
+                </a:solidFill>
+              </a14:hiddenFill>
+            </a:ext>
+          </a:extLst>
+        </p:spPr>
+      </p:pic>
+      <p:sp>
+        <p:nvSpPr>
+          <p:cNvPr id="6" name="TextBox 5">
+            <a:extLst>
+              <a:ext uri="{FF2B5EF4-FFF2-40B4-BE49-F238E27FC236}">
+                <a16:creationId xmlns:a16="http://schemas.microsoft.com/office/drawing/2014/main" id="{B90F2E93-7E5F-4E8B-B745-C460DD5061FE}"/>
+              </a:ext>
+            </a:extLst>
+          </p:cNvPr>
+          <p:cNvSpPr txBox="1"/>
+          <p:nvPr/>
+        </p:nvSpPr>
+        <p:spPr>
+          <a:xfrm>
+            <a:off x="841130" y="1275408"/>
+            <a:ext cx="6096000" cy="369332"/>
+          </a:xfrm>
+          <a:prstGeom prst="rect">
+            <a:avLst/>
+          </a:prstGeom>
+          <a:noFill/>
+        </p:spPr>
+        <p:txBody>
+          <a:bodyPr wrap="square">
+            <a:spAutoFit/>
+          </a:bodyPr>
+          <a:lstStyle/>
+          <a:p>
+            <a:r>
+              <a:rPr lang="ko-KR" altLang="en-US" dirty="0"/>
+              <a:t>전제 : 과거의 값은 현재의 값에 영향을 미친다</a:t>
+            </a:r>
+          </a:p>
+        </p:txBody>
+      </p:sp>
+      <p:sp>
+        <p:nvSpPr>
+          <p:cNvPr id="4" name="TextBox 3">
+            <a:extLst>
+              <a:ext uri="{FF2B5EF4-FFF2-40B4-BE49-F238E27FC236}">
+                <a16:creationId xmlns:a16="http://schemas.microsoft.com/office/drawing/2014/main" id="{2EF10B08-483A-4ABB-88BC-09632DC7AA22}"/>
+              </a:ext>
+            </a:extLst>
+          </p:cNvPr>
+          <p:cNvSpPr txBox="1"/>
+          <p:nvPr/>
+        </p:nvSpPr>
+        <p:spPr>
+          <a:xfrm>
+            <a:off x="9588744" y="2839649"/>
+            <a:ext cx="1748204" cy="369332"/>
+          </a:xfrm>
+          <a:prstGeom prst="rect">
+            <a:avLst/>
+          </a:prstGeom>
+          <a:noFill/>
+        </p:spPr>
+        <p:txBody>
+          <a:bodyPr wrap="square" rtlCol="0">
+            <a:spAutoFit/>
+          </a:bodyPr>
+          <a:lstStyle/>
+          <a:p>
+            <a:r>
+              <a:rPr lang="en-US" altLang="ko-KR" dirty="0"/>
+              <a:t>P(</a:t>
+            </a:r>
+            <a:r>
+              <a:rPr lang="ko-KR" altLang="en-US" dirty="0"/>
+              <a:t>시점</a:t>
+            </a:r>
+            <a:r>
+              <a:rPr lang="en-US" altLang="ko-KR" dirty="0"/>
+              <a:t>)?</a:t>
+            </a:r>
+            <a:endParaRPr lang="ko-KR" altLang="en-US" dirty="0"/>
+          </a:p>
+        </p:txBody>
+      </p:sp>
+      <p:pic>
+        <p:nvPicPr>
+          <p:cNvPr id="1030" name="Picture 6" descr="Image for post">
+            <a:extLst>
+              <a:ext uri="{FF2B5EF4-FFF2-40B4-BE49-F238E27FC236}">
+                <a16:creationId xmlns:a16="http://schemas.microsoft.com/office/drawing/2014/main" id="{E37CA68B-4470-4EC5-A367-3508A6D4D2B8}"/>
+              </a:ext>
+            </a:extLst>
+          </p:cNvPr>
+          <p:cNvPicPr>
+            <a:picLocks noChangeAspect="1" noChangeArrowheads="1"/>
+          </p:cNvPicPr>
+          <p:nvPr/>
+        </p:nvPicPr>
+        <p:blipFill>
+          <a:blip r:embed="rId4">
+            <a:extLst>
+              <a:ext uri="{28A0092B-C50C-407E-A947-70E740481C1C}">
+                <a14:useLocalDpi xmlns:a14="http://schemas.microsoft.com/office/drawing/2010/main" val="0"/>
+              </a:ext>
+            </a:extLst>
+          </a:blip>
+          <a:srcRect/>
+          <a:stretch>
+            <a:fillRect/>
+          </a:stretch>
+        </p:blipFill>
+        <p:spPr bwMode="auto">
+          <a:xfrm>
+            <a:off x="1902726" y="1674990"/>
+            <a:ext cx="3676650" cy="371475"/>
+          </a:xfrm>
+          <a:prstGeom prst="rect">
+            <a:avLst/>
+          </a:prstGeom>
+          <a:noFill/>
+          <a:extLst>
+            <a:ext uri="{909E8E84-426E-40DD-AFC4-6F175D3DCCD1}">
+              <a14:hiddenFill xmlns:a14="http://schemas.microsoft.com/office/drawing/2010/main">
+                <a:solidFill>
+                  <a:srgbClr val="FFFFFF"/>
+                </a:solidFill>
+              </a14:hiddenFill>
+            </a:ext>
+          </a:extLst>
+        </p:spPr>
+      </p:pic>
+      <p:sp>
+        <p:nvSpPr>
+          <p:cNvPr id="9" name="TextBox 8">
+            <a:extLst>
+              <a:ext uri="{FF2B5EF4-FFF2-40B4-BE49-F238E27FC236}">
+                <a16:creationId xmlns:a16="http://schemas.microsoft.com/office/drawing/2014/main" id="{86371A78-EF32-44A8-96FA-13D4F1E6846A}"/>
+              </a:ext>
+            </a:extLst>
+          </p:cNvPr>
+          <p:cNvSpPr txBox="1"/>
+          <p:nvPr/>
+        </p:nvSpPr>
+        <p:spPr>
+          <a:xfrm>
+            <a:off x="8708780" y="4110335"/>
+            <a:ext cx="3508131" cy="923330"/>
+          </a:xfrm>
+          <a:prstGeom prst="rect">
+            <a:avLst/>
+          </a:prstGeom>
+          <a:noFill/>
+        </p:spPr>
+        <p:txBody>
+          <a:bodyPr wrap="square" rtlCol="0">
+            <a:spAutoFit/>
+          </a:bodyPr>
+          <a:lstStyle/>
+          <a:p>
+            <a:r>
+              <a:rPr lang="en-US" altLang="ko-KR" dirty="0"/>
+              <a:t>-</a:t>
+            </a:r>
+            <a:r>
+              <a:rPr lang="ko-KR" altLang="en-US" dirty="0"/>
+              <a:t>특정 시점에서의 시계열 값</a:t>
+            </a:r>
+            <a:endParaRPr lang="en-US" altLang="ko-KR" dirty="0"/>
+          </a:p>
+          <a:p>
+            <a:r>
+              <a:rPr lang="en-US" altLang="ko-KR" dirty="0"/>
+              <a:t>-</a:t>
+            </a:r>
+            <a:r>
+              <a:rPr lang="ko-KR" altLang="en-US" dirty="0" err="1"/>
+              <a:t>상수항</a:t>
+            </a:r>
+            <a:endParaRPr lang="en-US" altLang="ko-KR" dirty="0"/>
+          </a:p>
+          <a:p>
+            <a:r>
+              <a:rPr lang="en-US" altLang="ko-KR" dirty="0"/>
+              <a:t>-</a:t>
+            </a:r>
+            <a:r>
+              <a:rPr lang="ko-KR" altLang="en-US" dirty="0" err="1"/>
+              <a:t>오차항</a:t>
+            </a:r>
+            <a:r>
+              <a:rPr lang="en-US" altLang="ko-KR" dirty="0"/>
+              <a:t>(</a:t>
+            </a:r>
+            <a:r>
+              <a:rPr lang="ko-KR" altLang="en-US" dirty="0" err="1"/>
+              <a:t>잔차</a:t>
+            </a:r>
+            <a:r>
+              <a:rPr lang="en-US" altLang="ko-KR" dirty="0"/>
+              <a:t>)</a:t>
+            </a:r>
+            <a:endParaRPr lang="ko-KR" altLang="en-US" dirty="0"/>
+          </a:p>
+        </p:txBody>
+      </p:sp>
+      <p:pic>
+        <p:nvPicPr>
+          <p:cNvPr id="1032" name="Picture 8">
+            <a:extLst>
+              <a:ext uri="{FF2B5EF4-FFF2-40B4-BE49-F238E27FC236}">
+                <a16:creationId xmlns:a16="http://schemas.microsoft.com/office/drawing/2014/main" id="{1C5796D5-FF76-45CC-986D-D9B717209624}"/>
+              </a:ext>
+            </a:extLst>
+          </p:cNvPr>
+          <p:cNvPicPr>
+            <a:picLocks noChangeAspect="1" noChangeArrowheads="1"/>
+          </p:cNvPicPr>
+          <p:nvPr/>
+        </p:nvPicPr>
+        <p:blipFill>
+          <a:blip r:embed="rId5">
+            <a:extLst>
+              <a:ext uri="{28A0092B-C50C-407E-A947-70E740481C1C}">
+                <a14:useLocalDpi xmlns:a14="http://schemas.microsoft.com/office/drawing/2010/main" val="0"/>
+              </a:ext>
+            </a:extLst>
+          </a:blip>
+          <a:srcRect/>
+          <a:stretch>
+            <a:fillRect/>
+          </a:stretch>
+        </p:blipFill>
+        <p:spPr bwMode="auto">
+          <a:xfrm>
+            <a:off x="5951293" y="1669440"/>
+            <a:ext cx="2295525" cy="485775"/>
+          </a:xfrm>
+          <a:prstGeom prst="rect">
+            <a:avLst/>
+          </a:prstGeom>
+          <a:noFill/>
+          <a:extLst>
+            <a:ext uri="{909E8E84-426E-40DD-AFC4-6F175D3DCCD1}">
+              <a14:hiddenFill xmlns:a14="http://schemas.microsoft.com/office/drawing/2010/main">
+                <a:solidFill>
+                  <a:srgbClr val="FFFFFF"/>
+                </a:solidFill>
+              </a14:hiddenFill>
+            </a:ext>
+          </a:extLst>
+        </p:spPr>
+      </p:pic>
+    </p:spTree>
+    <p:extLst>
+      <p:ext uri="{BB962C8B-B14F-4D97-AF65-F5344CB8AC3E}">
+        <p14:creationId xmlns:p14="http://schemas.microsoft.com/office/powerpoint/2010/main" val="137979709"/>
+      </p:ext>
+    </p:extLst>
+  </p:cSld>
+  <p:clrMapOvr>
+    <a:masterClrMapping/>
+  </p:clrMapOvr>
+</p:sld>
+</file>
+
+<file path=ppt/slides/slide20.xml><?xml version="1.0" encoding="utf-8"?>
+<p:sld xmlns:a="http://schemas.openxmlformats.org/drawingml/2006/main" xmlns:r="http://schemas.openxmlformats.org/officeDocument/2006/relationships" xmlns:p="http://schemas.openxmlformats.org/presentationml/2006/main">
+  <p:cSld>
+    <p:spTree>
+      <p:nvGrpSpPr>
+        <p:cNvPr id="1" name=""/>
+        <p:cNvGrpSpPr/>
+        <p:nvPr/>
+      </p:nvGrpSpPr>
+      <p:grpSpPr>
+        <a:xfrm>
+          <a:off x="0" y="0"/>
+          <a:ext cx="0" cy="0"/>
+          <a:chOff x="0" y="0"/>
+          <a:chExt cx="0" cy="0"/>
+        </a:xfrm>
+      </p:grpSpPr>
+      <p:sp>
+        <p:nvSpPr>
+          <p:cNvPr id="2" name="TextBox 1">
+            <a:extLst>
+              <a:ext uri="{FF2B5EF4-FFF2-40B4-BE49-F238E27FC236}">
+                <a16:creationId xmlns:a16="http://schemas.microsoft.com/office/drawing/2014/main" id="{955879B6-141B-4344-8C98-A4F2AD4CC58D}"/>
+              </a:ext>
+            </a:extLst>
+          </p:cNvPr>
+          <p:cNvSpPr txBox="1"/>
+          <p:nvPr/>
+        </p:nvSpPr>
+        <p:spPr>
+          <a:xfrm>
+            <a:off x="581891" y="426027"/>
+            <a:ext cx="2899064" cy="369332"/>
+          </a:xfrm>
+          <a:prstGeom prst="rect">
+            <a:avLst/>
+          </a:prstGeom>
+          <a:noFill/>
+        </p:spPr>
+        <p:txBody>
+          <a:bodyPr wrap="square" rtlCol="0">
+            <a:spAutoFit/>
+          </a:bodyPr>
+          <a:lstStyle/>
+          <a:p>
+            <a:r>
+              <a:rPr lang="en-US" altLang="ko-KR" dirty="0"/>
+              <a:t>ARIMA</a:t>
+            </a:r>
+            <a:r>
+              <a:rPr lang="ko-KR" altLang="en-US" dirty="0"/>
+              <a:t>모델 </a:t>
+            </a:r>
+          </a:p>
+        </p:txBody>
+      </p:sp>
+      <p:sp>
+        <p:nvSpPr>
+          <p:cNvPr id="4" name="TextBox 3">
+            <a:extLst>
+              <a:ext uri="{FF2B5EF4-FFF2-40B4-BE49-F238E27FC236}">
+                <a16:creationId xmlns:a16="http://schemas.microsoft.com/office/drawing/2014/main" id="{AC77D7C4-C1D2-4869-BB75-DC92E4C99193}"/>
+              </a:ext>
+            </a:extLst>
+          </p:cNvPr>
+          <p:cNvSpPr txBox="1"/>
+          <p:nvPr/>
+        </p:nvSpPr>
+        <p:spPr>
+          <a:xfrm>
+            <a:off x="823480" y="801009"/>
+            <a:ext cx="2899064" cy="369332"/>
+          </a:xfrm>
+          <a:prstGeom prst="rect">
+            <a:avLst/>
+          </a:prstGeom>
+          <a:noFill/>
+        </p:spPr>
+        <p:txBody>
+          <a:bodyPr wrap="square" rtlCol="0">
+            <a:spAutoFit/>
+          </a:bodyPr>
+          <a:lstStyle/>
+          <a:p>
+            <a:r>
+              <a:rPr lang="en-US" altLang="ko-KR" dirty="0"/>
+              <a:t>- SARIMA(</a:t>
+            </a:r>
+            <a:r>
+              <a:rPr lang="en-US" altLang="ko-KR" dirty="0">
+                <a:solidFill>
+                  <a:srgbClr val="FF0000"/>
+                </a:solidFill>
+              </a:rPr>
+              <a:t>(P,D,Q)</a:t>
+            </a:r>
+            <a:r>
+              <a:rPr lang="en-US" altLang="ko-KR" dirty="0"/>
+              <a:t>, </a:t>
+            </a:r>
+            <a:r>
+              <a:rPr lang="en-US" altLang="ko-KR" dirty="0">
+                <a:solidFill>
+                  <a:srgbClr val="0070C0"/>
+                </a:solidFill>
+              </a:rPr>
+              <a:t>(P,D,Q)</a:t>
+            </a:r>
+            <a:r>
+              <a:rPr lang="en-US" altLang="ko-KR" sz="1200" dirty="0">
+                <a:solidFill>
+                  <a:srgbClr val="0070C0"/>
+                </a:solidFill>
+              </a:rPr>
+              <a:t>m</a:t>
+            </a:r>
+            <a:r>
+              <a:rPr lang="en-US" altLang="ko-KR" dirty="0"/>
+              <a:t>)</a:t>
+            </a:r>
+            <a:endParaRPr lang="ko-KR" altLang="en-US" dirty="0"/>
+          </a:p>
+        </p:txBody>
+      </p:sp>
+      <p:sp>
+        <p:nvSpPr>
+          <p:cNvPr id="6" name="TextBox 5">
+            <a:extLst>
+              <a:ext uri="{FF2B5EF4-FFF2-40B4-BE49-F238E27FC236}">
+                <a16:creationId xmlns:a16="http://schemas.microsoft.com/office/drawing/2014/main" id="{8450B56F-B9EA-425A-AC9F-E7E5C4C3F3E6}"/>
+              </a:ext>
+            </a:extLst>
+          </p:cNvPr>
+          <p:cNvSpPr txBox="1"/>
+          <p:nvPr/>
+        </p:nvSpPr>
+        <p:spPr>
+          <a:xfrm>
+            <a:off x="1516207" y="1395527"/>
+            <a:ext cx="4579793" cy="369332"/>
+          </a:xfrm>
+          <a:prstGeom prst="rect">
+            <a:avLst/>
+          </a:prstGeom>
+          <a:noFill/>
+        </p:spPr>
+        <p:txBody>
+          <a:bodyPr wrap="square">
+            <a:spAutoFit/>
+          </a:bodyPr>
+          <a:lstStyle/>
+          <a:p>
+            <a:r>
+              <a:rPr lang="en-US" altLang="ko-KR" dirty="0">
+                <a:solidFill>
+                  <a:srgbClr val="FF0000"/>
+                </a:solidFill>
+              </a:rPr>
+              <a:t>(P,D,Q)</a:t>
+            </a:r>
+            <a:r>
+              <a:rPr lang="en-US" altLang="ko-KR" dirty="0"/>
+              <a:t> : Non Seasonal part of the Model</a:t>
+            </a:r>
+            <a:endParaRPr lang="ko-KR" altLang="en-US" dirty="0"/>
+          </a:p>
+        </p:txBody>
+      </p:sp>
+      <p:sp>
+        <p:nvSpPr>
+          <p:cNvPr id="8" name="TextBox 7">
+            <a:extLst>
+              <a:ext uri="{FF2B5EF4-FFF2-40B4-BE49-F238E27FC236}">
+                <a16:creationId xmlns:a16="http://schemas.microsoft.com/office/drawing/2014/main" id="{0F67F023-8E14-437C-935B-E100C9C5C386}"/>
+              </a:ext>
+            </a:extLst>
+          </p:cNvPr>
+          <p:cNvSpPr txBox="1"/>
+          <p:nvPr/>
+        </p:nvSpPr>
+        <p:spPr>
+          <a:xfrm>
+            <a:off x="1517939" y="1911310"/>
+            <a:ext cx="4579793" cy="369332"/>
+          </a:xfrm>
+          <a:prstGeom prst="rect">
+            <a:avLst/>
+          </a:prstGeom>
+          <a:noFill/>
+        </p:spPr>
+        <p:txBody>
+          <a:bodyPr wrap="square">
+            <a:spAutoFit/>
+          </a:bodyPr>
+          <a:lstStyle/>
+          <a:p>
+            <a:r>
+              <a:rPr lang="en-US" altLang="ko-KR" dirty="0">
+                <a:solidFill>
+                  <a:srgbClr val="0070C0"/>
+                </a:solidFill>
+              </a:rPr>
+              <a:t>(P,D,Q)</a:t>
+            </a:r>
+            <a:r>
+              <a:rPr lang="en-US" altLang="ko-KR" sz="1400" dirty="0">
+                <a:solidFill>
+                  <a:srgbClr val="0070C0"/>
+                </a:solidFill>
+              </a:rPr>
+              <a:t>m</a:t>
+            </a:r>
+            <a:r>
+              <a:rPr lang="en-US" altLang="ko-KR" dirty="0"/>
+              <a:t> : Seasonal part of the Model</a:t>
+            </a:r>
+            <a:endParaRPr lang="ko-KR" altLang="en-US" dirty="0"/>
+          </a:p>
+        </p:txBody>
+      </p:sp>
+      <p:sp>
+        <p:nvSpPr>
+          <p:cNvPr id="9" name="TextBox 8">
+            <a:extLst>
+              <a:ext uri="{FF2B5EF4-FFF2-40B4-BE49-F238E27FC236}">
+                <a16:creationId xmlns:a16="http://schemas.microsoft.com/office/drawing/2014/main" id="{D8702336-BCA6-4EB7-B5DE-39D42C46CDA7}"/>
+              </a:ext>
+            </a:extLst>
+          </p:cNvPr>
+          <p:cNvSpPr txBox="1"/>
+          <p:nvPr/>
+        </p:nvSpPr>
+        <p:spPr>
+          <a:xfrm>
+            <a:off x="6097732" y="1911310"/>
+            <a:ext cx="6094268" cy="369332"/>
+          </a:xfrm>
+          <a:prstGeom prst="rect">
+            <a:avLst/>
+          </a:prstGeom>
+          <a:noFill/>
+        </p:spPr>
+        <p:txBody>
+          <a:bodyPr wrap="square">
+            <a:spAutoFit/>
+          </a:bodyPr>
+          <a:lstStyle/>
+          <a:p>
+            <a:r>
+              <a:rPr lang="en-US" altLang="ko-KR" b="0" i="0" dirty="0">
+                <a:solidFill>
+                  <a:srgbClr val="333333"/>
+                </a:solidFill>
+                <a:effectLst/>
+                <a:latin typeface="Merriweather"/>
+              </a:rPr>
+              <a:t>m= number of observations per year.</a:t>
+            </a:r>
+            <a:endParaRPr lang="ko-KR" altLang="en-US" dirty="0"/>
+          </a:p>
+        </p:txBody>
+      </p:sp>
+      <p:sp>
+        <p:nvSpPr>
+          <p:cNvPr id="11" name="TextBox 10">
+            <a:extLst>
+              <a:ext uri="{FF2B5EF4-FFF2-40B4-BE49-F238E27FC236}">
+                <a16:creationId xmlns:a16="http://schemas.microsoft.com/office/drawing/2014/main" id="{54CBC51B-3A8B-4D6B-A2EA-943588DD857E}"/>
+              </a:ext>
+            </a:extLst>
+          </p:cNvPr>
+          <p:cNvSpPr txBox="1"/>
+          <p:nvPr/>
+        </p:nvSpPr>
+        <p:spPr>
+          <a:xfrm>
+            <a:off x="2643621" y="2696374"/>
+            <a:ext cx="6094268" cy="923330"/>
+          </a:xfrm>
+          <a:prstGeom prst="rect">
+            <a:avLst/>
+          </a:prstGeom>
+          <a:noFill/>
+        </p:spPr>
+        <p:txBody>
+          <a:bodyPr wrap="square">
+            <a:spAutoFit/>
+          </a:bodyPr>
+          <a:lstStyle/>
+          <a:p>
+            <a:r>
+              <a:rPr lang="en-US" altLang="ko-KR" b="0" i="0" dirty="0">
+                <a:solidFill>
+                  <a:srgbClr val="333333"/>
+                </a:solidFill>
+                <a:effectLst/>
+                <a:latin typeface="Merriweather"/>
+              </a:rPr>
+              <a:t>The seasonal part of the model consists of terms that are similar to the non-seasonal components of the model, but involve backshifts of the seasonal period</a:t>
+            </a:r>
+            <a:endParaRPr lang="ko-KR" altLang="en-US" dirty="0"/>
+          </a:p>
+        </p:txBody>
+      </p:sp>
+      <p:sp>
+        <p:nvSpPr>
+          <p:cNvPr id="13" name="TextBox 12">
+            <a:extLst>
+              <a:ext uri="{FF2B5EF4-FFF2-40B4-BE49-F238E27FC236}">
+                <a16:creationId xmlns:a16="http://schemas.microsoft.com/office/drawing/2014/main" id="{28504282-B5BC-42C7-8972-025668CA128F}"/>
+              </a:ext>
+            </a:extLst>
+          </p:cNvPr>
+          <p:cNvSpPr txBox="1"/>
+          <p:nvPr/>
+        </p:nvSpPr>
+        <p:spPr>
+          <a:xfrm>
+            <a:off x="1797194" y="3674392"/>
+            <a:ext cx="8601076" cy="369332"/>
+          </a:xfrm>
+          <a:prstGeom prst="rect">
+            <a:avLst/>
+          </a:prstGeom>
+          <a:noFill/>
+        </p:spPr>
+        <p:txBody>
+          <a:bodyPr wrap="square">
+            <a:spAutoFit/>
+          </a:bodyPr>
+          <a:lstStyle/>
+          <a:p>
+            <a:r>
+              <a:rPr lang="en-US" altLang="ko-KR" dirty="0">
+                <a:solidFill>
+                  <a:srgbClr val="333333"/>
+                </a:solidFill>
+                <a:latin typeface="Merriweather"/>
+              </a:rPr>
+              <a:t>Ex) </a:t>
+            </a:r>
+            <a:r>
+              <a:rPr lang="en-US" altLang="ko-KR" b="0" i="0" dirty="0">
+                <a:solidFill>
+                  <a:srgbClr val="333333"/>
+                </a:solidFill>
+                <a:effectLst/>
+                <a:latin typeface="Merriweather"/>
+              </a:rPr>
+              <a:t>ARIMA(1,1,1)(1,1,1)</a:t>
+            </a:r>
+            <a:r>
+              <a:rPr lang="en-US" altLang="ko-KR" sz="1400" b="0" i="0" dirty="0">
+                <a:solidFill>
+                  <a:srgbClr val="333333"/>
+                </a:solidFill>
+                <a:effectLst/>
+                <a:latin typeface="MJXc-TeX-main-R"/>
+              </a:rPr>
+              <a:t>4</a:t>
+            </a:r>
+            <a:r>
+              <a:rPr lang="en-US" altLang="ko-KR" b="0" i="0" dirty="0">
+                <a:solidFill>
+                  <a:srgbClr val="333333"/>
+                </a:solidFill>
+                <a:effectLst/>
+                <a:latin typeface="Merriweather"/>
+              </a:rPr>
+              <a:t> : quarterly data (</a:t>
+            </a:r>
+            <a:r>
+              <a:rPr lang="en-US" altLang="ko-KR" b="0" i="0" dirty="0">
+                <a:solidFill>
+                  <a:srgbClr val="333333"/>
+                </a:solidFill>
+                <a:effectLst/>
+                <a:latin typeface="MJXc-TeX-math-I"/>
+              </a:rPr>
+              <a:t>m</a:t>
+            </a:r>
+            <a:r>
+              <a:rPr lang="en-US" altLang="ko-KR" b="0" i="0" dirty="0">
+                <a:solidFill>
+                  <a:srgbClr val="333333"/>
+                </a:solidFill>
+                <a:effectLst/>
+                <a:latin typeface="MJXc-TeX-main-R"/>
+              </a:rPr>
+              <a:t>=4</a:t>
+            </a:r>
+            <a:r>
+              <a:rPr lang="en-US" altLang="ko-KR" b="0" i="0" dirty="0">
+                <a:solidFill>
+                  <a:srgbClr val="333333"/>
+                </a:solidFill>
+                <a:effectLst/>
+                <a:latin typeface="Merriweather"/>
+              </a:rPr>
+              <a:t>)</a:t>
+            </a:r>
+            <a:endParaRPr lang="ko-KR" altLang="en-US" dirty="0"/>
+          </a:p>
+        </p:txBody>
+      </p:sp>
+      <p:sp>
+        <p:nvSpPr>
+          <p:cNvPr id="10" name="TextBox 9">
+            <a:extLst>
+              <a:ext uri="{FF2B5EF4-FFF2-40B4-BE49-F238E27FC236}">
+                <a16:creationId xmlns:a16="http://schemas.microsoft.com/office/drawing/2014/main" id="{95372F29-767F-4FDA-B4A1-B8C023AC831D}"/>
+              </a:ext>
+            </a:extLst>
+          </p:cNvPr>
+          <p:cNvSpPr txBox="1"/>
+          <p:nvPr/>
+        </p:nvSpPr>
+        <p:spPr>
+          <a:xfrm>
+            <a:off x="581891" y="4310127"/>
+            <a:ext cx="11533910" cy="984885"/>
+          </a:xfrm>
+          <a:prstGeom prst="rect">
+            <a:avLst/>
+          </a:prstGeom>
+          <a:noFill/>
+        </p:spPr>
+        <p:txBody>
+          <a:bodyPr wrap="square">
+            <a:spAutoFit/>
+          </a:bodyPr>
+          <a:lstStyle/>
+          <a:p>
+            <a:r>
+              <a:rPr lang="en-US" altLang="ko-KR" dirty="0">
+                <a:solidFill>
+                  <a:srgbClr val="FF0000"/>
+                </a:solidFill>
+              </a:rPr>
+              <a:t>(P,D,Q)</a:t>
+            </a:r>
+            <a:r>
+              <a:rPr lang="ko-KR" altLang="en-US" dirty="0">
+                <a:solidFill>
+                  <a:srgbClr val="FF0000"/>
+                </a:solidFill>
+              </a:rPr>
+              <a:t>의 </a:t>
+            </a:r>
+            <a:r>
+              <a:rPr lang="en-US" altLang="ko-KR" sz="2000" b="1" dirty="0">
+                <a:solidFill>
+                  <a:srgbClr val="FF0000"/>
+                </a:solidFill>
+              </a:rPr>
+              <a:t>P,Q</a:t>
+            </a:r>
+            <a:r>
+              <a:rPr lang="ko-KR" altLang="en-US" dirty="0">
+                <a:solidFill>
+                  <a:srgbClr val="FF0000"/>
+                </a:solidFill>
+              </a:rPr>
+              <a:t>와 </a:t>
+            </a:r>
+            <a:r>
+              <a:rPr lang="en-US" altLang="ko-KR" dirty="0">
+                <a:solidFill>
+                  <a:srgbClr val="0070C0"/>
+                </a:solidFill>
+              </a:rPr>
+              <a:t>(P,D,Q)m </a:t>
+            </a:r>
+            <a:r>
+              <a:rPr lang="ko-KR" altLang="en-US" dirty="0">
+                <a:solidFill>
+                  <a:srgbClr val="0070C0"/>
+                </a:solidFill>
+              </a:rPr>
+              <a:t>의 </a:t>
+            </a:r>
+            <a:r>
+              <a:rPr lang="en-US" altLang="ko-KR" sz="2000" b="1" dirty="0">
+                <a:solidFill>
+                  <a:srgbClr val="0070C0"/>
+                </a:solidFill>
+              </a:rPr>
+              <a:t>P,Q</a:t>
+            </a:r>
+            <a:r>
+              <a:rPr lang="en-US" altLang="ko-KR" dirty="0">
+                <a:solidFill>
+                  <a:srgbClr val="0070C0"/>
+                </a:solidFill>
+              </a:rPr>
+              <a:t> : </a:t>
+            </a:r>
+            <a:r>
+              <a:rPr lang="en-US" altLang="ko-KR" dirty="0" err="1"/>
+              <a:t>Auto_arima</a:t>
+            </a:r>
+            <a:r>
+              <a:rPr lang="en-US" altLang="ko-KR" dirty="0"/>
+              <a:t> </a:t>
+            </a:r>
+            <a:r>
+              <a:rPr lang="ko-KR" altLang="en-US" dirty="0"/>
+              <a:t>반복을 통해 </a:t>
+            </a:r>
+            <a:r>
+              <a:rPr lang="en-US" altLang="ko-KR" dirty="0"/>
+              <a:t>AIC,BIC</a:t>
+            </a:r>
+            <a:r>
+              <a:rPr lang="ko-KR" altLang="en-US" dirty="0"/>
+              <a:t>값이 가장 적게 나온 </a:t>
+            </a:r>
+            <a:r>
+              <a:rPr lang="en-US" altLang="ko-KR" dirty="0"/>
+              <a:t>parameter</a:t>
+            </a:r>
+            <a:r>
+              <a:rPr lang="ko-KR" altLang="en-US" dirty="0"/>
+              <a:t>로</a:t>
+            </a:r>
+            <a:r>
+              <a:rPr lang="en-US" altLang="ko-KR" dirty="0"/>
+              <a:t> </a:t>
+            </a:r>
+            <a:r>
+              <a:rPr lang="ko-KR" altLang="en-US" dirty="0"/>
+              <a:t>결정</a:t>
+            </a:r>
+            <a:endParaRPr lang="en-US" altLang="ko-KR" dirty="0"/>
+          </a:p>
+          <a:p>
+            <a:endParaRPr lang="ko-KR" altLang="en-US" dirty="0">
+              <a:solidFill>
+                <a:srgbClr val="0070C0"/>
+              </a:solidFill>
+            </a:endParaRPr>
+          </a:p>
+          <a:p>
+            <a:r>
+              <a:rPr lang="ko-KR" altLang="en-US" dirty="0">
+                <a:solidFill>
+                  <a:srgbClr val="FF0000"/>
+                </a:solidFill>
+              </a:rPr>
+              <a:t> </a:t>
+            </a:r>
+            <a:r>
+              <a:rPr lang="en-US" altLang="ko-KR" dirty="0">
+                <a:solidFill>
+                  <a:srgbClr val="FF0000"/>
+                </a:solidFill>
+              </a:rPr>
+              <a:t>(P,D,Q)</a:t>
+            </a:r>
+            <a:r>
+              <a:rPr lang="ko-KR" altLang="en-US" dirty="0">
+                <a:solidFill>
+                  <a:srgbClr val="FF0000"/>
+                </a:solidFill>
+              </a:rPr>
+              <a:t>의 </a:t>
+            </a:r>
+            <a:r>
+              <a:rPr lang="en-US" altLang="ko-KR" sz="2000" b="1" dirty="0">
+                <a:solidFill>
+                  <a:srgbClr val="FF0000"/>
+                </a:solidFill>
+              </a:rPr>
+              <a:t>D</a:t>
+            </a:r>
+            <a:r>
+              <a:rPr lang="ko-KR" altLang="en-US" dirty="0">
+                <a:solidFill>
+                  <a:srgbClr val="FF0000"/>
+                </a:solidFill>
+              </a:rPr>
+              <a:t>와 </a:t>
+            </a:r>
+            <a:r>
+              <a:rPr lang="en-US" altLang="ko-KR" dirty="0">
+                <a:solidFill>
+                  <a:srgbClr val="0070C0"/>
+                </a:solidFill>
+              </a:rPr>
+              <a:t>(P,D,Q)m </a:t>
+            </a:r>
+            <a:r>
+              <a:rPr lang="ko-KR" altLang="en-US" dirty="0">
+                <a:solidFill>
+                  <a:srgbClr val="0070C0"/>
+                </a:solidFill>
+              </a:rPr>
+              <a:t>의 </a:t>
+            </a:r>
+            <a:r>
+              <a:rPr lang="en-US" altLang="ko-KR" sz="2000" b="1" dirty="0">
+                <a:solidFill>
+                  <a:srgbClr val="0070C0"/>
+                </a:solidFill>
+              </a:rPr>
+              <a:t>D</a:t>
+            </a:r>
+            <a:r>
+              <a:rPr lang="en-US" altLang="ko-KR" dirty="0">
+                <a:solidFill>
+                  <a:srgbClr val="0070C0"/>
+                </a:solidFill>
+              </a:rPr>
+              <a:t> : </a:t>
+            </a:r>
+            <a:r>
+              <a:rPr lang="ko-KR" altLang="en-US" dirty="0" err="1"/>
+              <a:t>차분값의</a:t>
+            </a:r>
+            <a:r>
+              <a:rPr lang="ko-KR" altLang="en-US" dirty="0"/>
+              <a:t> </a:t>
+            </a:r>
+            <a:r>
+              <a:rPr lang="en-US" altLang="ko-KR" dirty="0"/>
+              <a:t>Dickey-</a:t>
+            </a:r>
+            <a:r>
+              <a:rPr lang="en-US" altLang="ko-KR" dirty="0" err="1"/>
+              <a:t>fullertest</a:t>
+            </a:r>
+            <a:r>
+              <a:rPr lang="ko-KR" altLang="en-US" dirty="0"/>
+              <a:t>를 통해 </a:t>
+            </a:r>
+            <a:r>
+              <a:rPr lang="ko-KR" altLang="en-US" dirty="0" err="1"/>
+              <a:t>유의값</a:t>
+            </a:r>
+            <a:r>
+              <a:rPr lang="en-US" altLang="ko-KR" dirty="0"/>
+              <a:t>(0.05)</a:t>
+            </a:r>
+            <a:r>
+              <a:rPr lang="ko-KR" altLang="en-US" dirty="0"/>
+              <a:t>이하 </a:t>
+            </a:r>
+            <a:r>
+              <a:rPr lang="ko-KR" altLang="en-US" dirty="0" err="1"/>
+              <a:t>였을때의</a:t>
+            </a:r>
+            <a:r>
+              <a:rPr lang="en-US" altLang="ko-KR" dirty="0"/>
+              <a:t> parameter</a:t>
+            </a:r>
+            <a:r>
+              <a:rPr lang="ko-KR" altLang="en-US" dirty="0"/>
+              <a:t>로</a:t>
+            </a:r>
+            <a:r>
+              <a:rPr lang="en-US" altLang="ko-KR" dirty="0"/>
+              <a:t> </a:t>
+            </a:r>
+            <a:r>
+              <a:rPr lang="ko-KR" altLang="en-US" dirty="0"/>
+              <a:t>결정</a:t>
+            </a:r>
+          </a:p>
+        </p:txBody>
+      </p:sp>
+      <p:sp>
+        <p:nvSpPr>
+          <p:cNvPr id="14" name="TextBox 13">
+            <a:extLst>
+              <a:ext uri="{FF2B5EF4-FFF2-40B4-BE49-F238E27FC236}">
+                <a16:creationId xmlns:a16="http://schemas.microsoft.com/office/drawing/2014/main" id="{98DAB17C-DE03-45B5-8B1B-FC202FF8AFC1}"/>
+              </a:ext>
+            </a:extLst>
+          </p:cNvPr>
+          <p:cNvSpPr txBox="1"/>
+          <p:nvPr/>
+        </p:nvSpPr>
+        <p:spPr>
+          <a:xfrm>
+            <a:off x="1921885" y="5462473"/>
+            <a:ext cx="8601076" cy="369332"/>
+          </a:xfrm>
+          <a:prstGeom prst="rect">
+            <a:avLst/>
+          </a:prstGeom>
+          <a:noFill/>
+        </p:spPr>
+        <p:txBody>
+          <a:bodyPr wrap="square">
+            <a:spAutoFit/>
+          </a:bodyPr>
+          <a:lstStyle/>
+          <a:p>
+            <a:r>
+              <a:rPr lang="en-US" altLang="ko-KR" dirty="0">
+                <a:solidFill>
+                  <a:srgbClr val="0070C0"/>
+                </a:solidFill>
+              </a:rPr>
+              <a:t>(P,D,Q)m</a:t>
+            </a:r>
+            <a:r>
+              <a:rPr lang="ko-KR" altLang="en-US" dirty="0">
+                <a:solidFill>
+                  <a:srgbClr val="0070C0"/>
+                </a:solidFill>
+              </a:rPr>
+              <a:t>의 </a:t>
+            </a:r>
+            <a:r>
+              <a:rPr lang="en-US" altLang="ko-KR" dirty="0">
+                <a:solidFill>
+                  <a:srgbClr val="0070C0"/>
+                </a:solidFill>
+              </a:rPr>
+              <a:t>m : </a:t>
+            </a:r>
+            <a:r>
+              <a:rPr lang="ko-KR" altLang="en-US" dirty="0"/>
+              <a:t>분기별 변동성 고려 </a:t>
+            </a:r>
+            <a:r>
+              <a:rPr lang="en-US" altLang="ko-KR" dirty="0"/>
+              <a:t>(</a:t>
+            </a:r>
+            <a:r>
+              <a:rPr lang="ko-KR" altLang="en-US" dirty="0"/>
+              <a:t>주가특성</a:t>
+            </a:r>
+            <a:r>
+              <a:rPr lang="en-US" altLang="ko-KR" dirty="0"/>
+              <a:t>) -&gt; 60(5*4*3)</a:t>
+            </a:r>
+            <a:r>
+              <a:rPr lang="ko-KR" altLang="en-US" dirty="0"/>
+              <a:t>으로 결정</a:t>
+            </a:r>
+          </a:p>
+        </p:txBody>
+      </p:sp>
+    </p:spTree>
+    <p:extLst>
+      <p:ext uri="{BB962C8B-B14F-4D97-AF65-F5344CB8AC3E}">
+        <p14:creationId xmlns:p14="http://schemas.microsoft.com/office/powerpoint/2010/main" val="233781035"/>
+      </p:ext>
+    </p:extLst>
+  </p:cSld>
+  <p:clrMapOvr>
+    <a:masterClrMapping/>
+  </p:clrMapOvr>
+</p:sld>
+</file>
+
+<file path=ppt/slides/slide21.xml><?xml version="1.0" encoding="utf-8"?>
+<p:sld xmlns:a="http://schemas.openxmlformats.org/drawingml/2006/main" xmlns:r="http://schemas.openxmlformats.org/officeDocument/2006/relationships" xmlns:p="http://schemas.openxmlformats.org/presentationml/2006/main">
+  <p:cSld>
+    <p:spTree>
+      <p:nvGrpSpPr>
+        <p:cNvPr id="1" name=""/>
+        <p:cNvGrpSpPr/>
+        <p:nvPr/>
+      </p:nvGrpSpPr>
+      <p:grpSpPr>
+        <a:xfrm>
+          <a:off x="0" y="0"/>
+          <a:ext cx="0" cy="0"/>
+          <a:chOff x="0" y="0"/>
+          <a:chExt cx="0" cy="0"/>
+        </a:xfrm>
+      </p:grpSpPr>
+    </p:spTree>
+    <p:extLst>
+      <p:ext uri="{BB962C8B-B14F-4D97-AF65-F5344CB8AC3E}">
+        <p14:creationId xmlns:p14="http://schemas.microsoft.com/office/powerpoint/2010/main" val="3909921397"/>
+      </p:ext>
+    </p:extLst>
+  </p:cSld>
+  <p:clrMapOvr>
+    <a:masterClrMapping/>
+  </p:clrMapOvr>
+</p:sld>
+</file>
+
+<file path=ppt/slides/slide22.xml><?xml version="1.0" encoding="utf-8"?>
+<p:sld xmlns:a="http://schemas.openxmlformats.org/drawingml/2006/main" xmlns:r="http://schemas.openxmlformats.org/officeDocument/2006/relationships" xmlns:p="http://schemas.openxmlformats.org/presentationml/2006/main">
+  <p:cSld>
+    <p:spTree>
+      <p:nvGrpSpPr>
+        <p:cNvPr id="1" name=""/>
+        <p:cNvGrpSpPr/>
+        <p:nvPr/>
+      </p:nvGrpSpPr>
+      <p:grpSpPr>
+        <a:xfrm>
+          <a:off x="0" y="0"/>
+          <a:ext cx="0" cy="0"/>
+          <a:chOff x="0" y="0"/>
+          <a:chExt cx="0" cy="0"/>
+        </a:xfrm>
+      </p:grpSpPr>
+      <p:sp>
+        <p:nvSpPr>
+          <p:cNvPr id="3" name="TextBox 2">
+            <a:extLst>
+              <a:ext uri="{FF2B5EF4-FFF2-40B4-BE49-F238E27FC236}">
+                <a16:creationId xmlns:a16="http://schemas.microsoft.com/office/drawing/2014/main" id="{FE9DB623-F399-4B88-8657-DBB192FB9F85}"/>
+              </a:ext>
+            </a:extLst>
+          </p:cNvPr>
+          <p:cNvSpPr txBox="1"/>
+          <p:nvPr/>
+        </p:nvSpPr>
+        <p:spPr>
+          <a:xfrm>
+            <a:off x="4343401" y="3044280"/>
+            <a:ext cx="3505199" cy="769441"/>
+          </a:xfrm>
+          <a:prstGeom prst="rect">
+            <a:avLst/>
+          </a:prstGeom>
+          <a:noFill/>
+        </p:spPr>
+        <p:txBody>
+          <a:bodyPr wrap="square" rtlCol="0">
+            <a:spAutoFit/>
+          </a:bodyPr>
+          <a:lstStyle/>
+          <a:p>
+            <a:r>
+              <a:rPr lang="ko-KR" altLang="en-US" sz="4400" b="1" dirty="0"/>
+              <a:t>예측 및 </a:t>
+            </a:r>
+            <a:r>
+              <a:rPr lang="en-US" altLang="ko-KR" sz="4400" b="1" dirty="0"/>
+              <a:t>MSE</a:t>
+            </a:r>
+            <a:endParaRPr lang="ko-KR" altLang="en-US" sz="4400" b="1" dirty="0"/>
+          </a:p>
+        </p:txBody>
+      </p:sp>
+    </p:spTree>
+    <p:extLst>
+      <p:ext uri="{BB962C8B-B14F-4D97-AF65-F5344CB8AC3E}">
+        <p14:creationId xmlns:p14="http://schemas.microsoft.com/office/powerpoint/2010/main" val="1344665559"/>
+      </p:ext>
+    </p:extLst>
+  </p:cSld>
+  <p:clrMapOvr>
+    <a:masterClrMapping/>
+  </p:clrMapOvr>
+</p:sld>
+</file>
+
+<file path=ppt/slides/slide23.xml><?xml version="1.0" encoding="utf-8"?>
+<p:sld xmlns:a="http://schemas.openxmlformats.org/drawingml/2006/main" xmlns:r="http://schemas.openxmlformats.org/officeDocument/2006/relationships" xmlns:p="http://schemas.openxmlformats.org/presentationml/2006/main">
+  <p:cSld>
+    <p:spTree>
+      <p:nvGrpSpPr>
+        <p:cNvPr id="1" name=""/>
+        <p:cNvGrpSpPr/>
+        <p:nvPr/>
+      </p:nvGrpSpPr>
+      <p:grpSpPr>
+        <a:xfrm>
+          <a:off x="0" y="0"/>
+          <a:ext cx="0" cy="0"/>
+          <a:chOff x="0" y="0"/>
+          <a:chExt cx="0" cy="0"/>
+        </a:xfrm>
+      </p:grpSpPr>
+      <p:sp>
+        <p:nvSpPr>
+          <p:cNvPr id="3" name="TextBox 2">
+            <a:extLst>
+              <a:ext uri="{FF2B5EF4-FFF2-40B4-BE49-F238E27FC236}">
+                <a16:creationId xmlns:a16="http://schemas.microsoft.com/office/drawing/2014/main" id="{46532422-1A7E-4799-B4C3-E438E3BF590D}"/>
+              </a:ext>
+            </a:extLst>
+          </p:cNvPr>
+          <p:cNvSpPr txBox="1"/>
+          <p:nvPr/>
+        </p:nvSpPr>
+        <p:spPr>
+          <a:xfrm>
+            <a:off x="581891" y="426027"/>
+            <a:ext cx="2899064" cy="369332"/>
+          </a:xfrm>
+          <a:prstGeom prst="rect">
+            <a:avLst/>
+          </a:prstGeom>
+          <a:noFill/>
+        </p:spPr>
+        <p:txBody>
+          <a:bodyPr wrap="square" rtlCol="0">
+            <a:spAutoFit/>
+          </a:bodyPr>
+          <a:lstStyle/>
+          <a:p>
+            <a:r>
+              <a:rPr lang="en-US" altLang="ko-KR" dirty="0"/>
+              <a:t>Auto-Arima</a:t>
+            </a:r>
+            <a:endParaRPr lang="ko-KR" altLang="en-US" dirty="0"/>
+          </a:p>
+        </p:txBody>
+      </p:sp>
+      <p:sp>
+        <p:nvSpPr>
+          <p:cNvPr id="7" name="TextBox 6">
+            <a:extLst>
+              <a:ext uri="{FF2B5EF4-FFF2-40B4-BE49-F238E27FC236}">
+                <a16:creationId xmlns:a16="http://schemas.microsoft.com/office/drawing/2014/main" id="{9DCE18FC-72B9-45F9-8ED7-3D7F1A95B461}"/>
+              </a:ext>
+            </a:extLst>
+          </p:cNvPr>
+          <p:cNvSpPr txBox="1"/>
+          <p:nvPr/>
+        </p:nvSpPr>
+        <p:spPr>
+          <a:xfrm>
+            <a:off x="200025" y="4332098"/>
+            <a:ext cx="6094268" cy="1477328"/>
+          </a:xfrm>
+          <a:prstGeom prst="rect">
+            <a:avLst/>
+          </a:prstGeom>
+          <a:noFill/>
+        </p:spPr>
+        <p:txBody>
+          <a:bodyPr wrap="square">
+            <a:spAutoFit/>
+          </a:bodyPr>
+          <a:lstStyle/>
+          <a:p>
+            <a:r>
+              <a:rPr lang="en-US" altLang="ko-KR" b="0" i="0" dirty="0">
+                <a:solidFill>
+                  <a:srgbClr val="292929"/>
+                </a:solidFill>
+                <a:effectLst/>
+                <a:latin typeface="medium-content-serif-font"/>
+              </a:rPr>
+              <a:t>The AIC value will allow us to compare how well a model fits the data and takes into account the complexity of a model, so models that have a better fit while using fewer features will receive a better (lower) AIC score than similar models that utilize more features.</a:t>
+            </a:r>
+            <a:endParaRPr lang="ko-KR" altLang="en-US" dirty="0"/>
+          </a:p>
+        </p:txBody>
+      </p:sp>
+      <p:sp>
+        <p:nvSpPr>
+          <p:cNvPr id="8" name="TextBox 7">
+            <a:extLst>
+              <a:ext uri="{FF2B5EF4-FFF2-40B4-BE49-F238E27FC236}">
+                <a16:creationId xmlns:a16="http://schemas.microsoft.com/office/drawing/2014/main" id="{07D45416-93BB-485F-864E-BFFF4C8AE7CE}"/>
+              </a:ext>
+            </a:extLst>
+          </p:cNvPr>
+          <p:cNvSpPr txBox="1"/>
+          <p:nvPr/>
+        </p:nvSpPr>
+        <p:spPr>
+          <a:xfrm>
+            <a:off x="124691" y="3771900"/>
+            <a:ext cx="1901536" cy="369332"/>
+          </a:xfrm>
+          <a:prstGeom prst="rect">
+            <a:avLst/>
+          </a:prstGeom>
+          <a:noFill/>
+        </p:spPr>
+        <p:txBody>
+          <a:bodyPr wrap="square" rtlCol="0">
+            <a:spAutoFit/>
+          </a:bodyPr>
+          <a:lstStyle/>
+          <a:p>
+            <a:r>
+              <a:rPr lang="en-US" altLang="ko-KR" dirty="0"/>
+              <a:t>AIC</a:t>
+            </a:r>
+            <a:r>
+              <a:rPr lang="ko-KR" altLang="en-US" dirty="0"/>
+              <a:t>설명 </a:t>
+            </a:r>
+            <a:r>
+              <a:rPr lang="en-US" altLang="ko-KR" dirty="0"/>
+              <a:t>: </a:t>
+            </a:r>
+            <a:endParaRPr lang="ko-KR" altLang="en-US" dirty="0"/>
+          </a:p>
+        </p:txBody>
+      </p:sp>
+      <p:pic>
+        <p:nvPicPr>
+          <p:cNvPr id="10" name="그림 9">
+            <a:extLst>
+              <a:ext uri="{FF2B5EF4-FFF2-40B4-BE49-F238E27FC236}">
+                <a16:creationId xmlns:a16="http://schemas.microsoft.com/office/drawing/2014/main" id="{4C38C604-5E9F-48C8-A0D5-6974EEB67D6A}"/>
+              </a:ext>
+            </a:extLst>
+          </p:cNvPr>
+          <p:cNvPicPr>
+            <a:picLocks noChangeAspect="1"/>
+          </p:cNvPicPr>
+          <p:nvPr/>
+        </p:nvPicPr>
+        <p:blipFill>
+          <a:blip r:embed="rId2"/>
+          <a:stretch>
+            <a:fillRect/>
+          </a:stretch>
+        </p:blipFill>
+        <p:spPr>
+          <a:xfrm>
+            <a:off x="6034522" y="795359"/>
+            <a:ext cx="5353050" cy="5314950"/>
+          </a:xfrm>
+          <a:prstGeom prst="rect">
+            <a:avLst/>
+          </a:prstGeom>
+        </p:spPr>
+      </p:pic>
+      <p:pic>
+        <p:nvPicPr>
+          <p:cNvPr id="11" name="그림 10">
+            <a:extLst>
+              <a:ext uri="{FF2B5EF4-FFF2-40B4-BE49-F238E27FC236}">
+                <a16:creationId xmlns:a16="http://schemas.microsoft.com/office/drawing/2014/main" id="{2E10E213-46A6-431D-92BA-48974CFD02B9}"/>
+              </a:ext>
+            </a:extLst>
+          </p:cNvPr>
+          <p:cNvPicPr>
+            <a:picLocks noChangeAspect="1"/>
+          </p:cNvPicPr>
+          <p:nvPr/>
+        </p:nvPicPr>
+        <p:blipFill>
+          <a:blip r:embed="rId3"/>
+          <a:stretch>
+            <a:fillRect/>
+          </a:stretch>
+        </p:blipFill>
+        <p:spPr>
+          <a:xfrm>
+            <a:off x="453736" y="1250373"/>
+            <a:ext cx="4800600" cy="1676400"/>
+          </a:xfrm>
+          <a:prstGeom prst="rect">
+            <a:avLst/>
+          </a:prstGeom>
+        </p:spPr>
+      </p:pic>
+      <p:sp>
+        <p:nvSpPr>
+          <p:cNvPr id="13" name="직사각형 12">
+            <a:extLst>
+              <a:ext uri="{FF2B5EF4-FFF2-40B4-BE49-F238E27FC236}">
+                <a16:creationId xmlns:a16="http://schemas.microsoft.com/office/drawing/2014/main" id="{B3FF76E5-57F3-4EE6-B412-F539624CB981}"/>
+              </a:ext>
+            </a:extLst>
+          </p:cNvPr>
+          <p:cNvSpPr/>
+          <p:nvPr/>
+        </p:nvSpPr>
+        <p:spPr>
+          <a:xfrm>
+            <a:off x="5961784" y="5584683"/>
+            <a:ext cx="3358861" cy="602192"/>
+          </a:xfrm>
+          <a:prstGeom prst="rect">
+            <a:avLst/>
+          </a:prstGeom>
+          <a:noFill/>
+          <a:ln w="38100">
+            <a:solidFill>
+              <a:srgbClr val="FF0000"/>
+            </a:solidFill>
+          </a:ln>
+        </p:spPr>
+        <p:style>
+          <a:lnRef idx="2">
+            <a:schemeClr val="accent1">
+              <a:shade val="50000"/>
+            </a:schemeClr>
+          </a:lnRef>
+          <a:fillRef idx="1">
+            <a:schemeClr val="accent1"/>
+          </a:fillRef>
+          <a:effectRef idx="0">
+            <a:schemeClr val="accent1"/>
+          </a:effectRef>
+          <a:fontRef idx="minor">
+            <a:schemeClr val="lt1"/>
+          </a:fontRef>
+        </p:style>
+        <p:txBody>
+          <a:bodyPr rtlCol="0" anchor="ctr"/>
+          <a:lstStyle/>
+          <a:p>
+            <a:pPr algn="ctr"/>
+            <a:endParaRPr lang="ko-KR" altLang="en-US"/>
+          </a:p>
+        </p:txBody>
+      </p:sp>
+    </p:spTree>
+    <p:extLst>
+      <p:ext uri="{BB962C8B-B14F-4D97-AF65-F5344CB8AC3E}">
+        <p14:creationId xmlns:p14="http://schemas.microsoft.com/office/powerpoint/2010/main" val="3482894496"/>
+      </p:ext>
+    </p:extLst>
+  </p:cSld>
+  <p:clrMapOvr>
+    <a:masterClrMapping/>
+  </p:clrMapOvr>
+</p:sld>
+</file>
+
+<file path=ppt/slides/slide24.xml><?xml version="1.0" encoding="utf-8"?>
+<p:sld xmlns:a="http://schemas.openxmlformats.org/drawingml/2006/main" xmlns:r="http://schemas.openxmlformats.org/officeDocument/2006/relationships" xmlns:p="http://schemas.openxmlformats.org/presentationml/2006/main">
+  <p:cSld>
+    <p:spTree>
+      <p:nvGrpSpPr>
+        <p:cNvPr id="1" name=""/>
+        <p:cNvGrpSpPr/>
+        <p:nvPr/>
+      </p:nvGrpSpPr>
+      <p:grpSpPr>
+        <a:xfrm>
+          <a:off x="0" y="0"/>
+          <a:ext cx="0" cy="0"/>
+          <a:chOff x="0" y="0"/>
+          <a:chExt cx="0" cy="0"/>
+        </a:xfrm>
+      </p:grpSpPr>
+      <p:pic>
+        <p:nvPicPr>
+          <p:cNvPr id="4" name="그림 3">
+            <a:extLst>
+              <a:ext uri="{FF2B5EF4-FFF2-40B4-BE49-F238E27FC236}">
+                <a16:creationId xmlns:a16="http://schemas.microsoft.com/office/drawing/2014/main" id="{2E2EF8EF-D68B-4BC0-8D20-2079AFAFFC77}"/>
+              </a:ext>
+            </a:extLst>
+          </p:cNvPr>
+          <p:cNvPicPr>
+            <a:picLocks noChangeAspect="1"/>
+          </p:cNvPicPr>
+          <p:nvPr/>
+        </p:nvPicPr>
+        <p:blipFill>
+          <a:blip r:embed="rId2"/>
+          <a:stretch>
+            <a:fillRect/>
+          </a:stretch>
+        </p:blipFill>
+        <p:spPr>
+          <a:xfrm>
+            <a:off x="74836" y="820115"/>
+            <a:ext cx="5808150" cy="4830611"/>
+          </a:xfrm>
+          <a:prstGeom prst="rect">
+            <a:avLst/>
+          </a:prstGeom>
+        </p:spPr>
+      </p:pic>
+      <p:pic>
+        <p:nvPicPr>
+          <p:cNvPr id="1026" name="Picture 2">
+            <a:extLst>
+              <a:ext uri="{FF2B5EF4-FFF2-40B4-BE49-F238E27FC236}">
+                <a16:creationId xmlns:a16="http://schemas.microsoft.com/office/drawing/2014/main" id="{3E7EE4D3-22A6-4C0F-BE0B-B82EEB3AD8A9}"/>
+              </a:ext>
+            </a:extLst>
+          </p:cNvPr>
+          <p:cNvPicPr>
+            <a:picLocks noChangeAspect="1" noChangeArrowheads="1"/>
+          </p:cNvPicPr>
+          <p:nvPr/>
+        </p:nvPicPr>
+        <p:blipFill>
+          <a:blip r:embed="rId3">
+            <a:extLst>
+              <a:ext uri="{28A0092B-C50C-407E-A947-70E740481C1C}">
+                <a14:useLocalDpi xmlns:a14="http://schemas.microsoft.com/office/drawing/2010/main" val="0"/>
+              </a:ext>
+            </a:extLst>
+          </a:blip>
+          <a:srcRect/>
+          <a:stretch>
+            <a:fillRect/>
+          </a:stretch>
+        </p:blipFill>
+        <p:spPr bwMode="auto">
+          <a:xfrm>
+            <a:off x="5724094" y="681035"/>
+            <a:ext cx="6060819" cy="5108769"/>
+          </a:xfrm>
+          <a:prstGeom prst="rect">
+            <a:avLst/>
+          </a:prstGeom>
+          <a:noFill/>
+          <a:extLst>
+            <a:ext uri="{909E8E84-426E-40DD-AFC4-6F175D3DCCD1}">
+              <a14:hiddenFill xmlns:a14="http://schemas.microsoft.com/office/drawing/2010/main">
+                <a:solidFill>
+                  <a:srgbClr val="FFFFFF"/>
+                </a:solidFill>
+              </a14:hiddenFill>
+            </a:ext>
+          </a:extLst>
+        </p:spPr>
+      </p:pic>
+      <p:sp>
+        <p:nvSpPr>
+          <p:cNvPr id="5" name="TextBox 4">
+            <a:extLst>
+              <a:ext uri="{FF2B5EF4-FFF2-40B4-BE49-F238E27FC236}">
+                <a16:creationId xmlns:a16="http://schemas.microsoft.com/office/drawing/2014/main" id="{4EEC5972-7033-4BDF-9B5F-87636683A61B}"/>
+              </a:ext>
+            </a:extLst>
+          </p:cNvPr>
+          <p:cNvSpPr txBox="1"/>
+          <p:nvPr/>
+        </p:nvSpPr>
+        <p:spPr>
+          <a:xfrm>
+            <a:off x="2036619" y="311703"/>
+            <a:ext cx="2150918" cy="369332"/>
+          </a:xfrm>
+          <a:prstGeom prst="rect">
+            <a:avLst/>
+          </a:prstGeom>
+          <a:noFill/>
+        </p:spPr>
+        <p:txBody>
+          <a:bodyPr wrap="square" rtlCol="0">
+            <a:spAutoFit/>
+          </a:bodyPr>
+          <a:lstStyle/>
+          <a:p>
+            <a:r>
+              <a:rPr lang="en-US" altLang="ko-KR" dirty="0" err="1"/>
+              <a:t>Data_Fitting</a:t>
+            </a:r>
+            <a:endParaRPr lang="ko-KR" altLang="en-US" dirty="0"/>
+          </a:p>
+        </p:txBody>
+      </p:sp>
+      <p:sp>
+        <p:nvSpPr>
+          <p:cNvPr id="7" name="TextBox 6">
+            <a:extLst>
+              <a:ext uri="{FF2B5EF4-FFF2-40B4-BE49-F238E27FC236}">
+                <a16:creationId xmlns:a16="http://schemas.microsoft.com/office/drawing/2014/main" id="{809E7BE9-3E88-4654-99DB-28564D0AD20F}"/>
+              </a:ext>
+            </a:extLst>
+          </p:cNvPr>
+          <p:cNvSpPr txBox="1"/>
+          <p:nvPr/>
+        </p:nvSpPr>
+        <p:spPr>
+          <a:xfrm>
+            <a:off x="7883303" y="311703"/>
+            <a:ext cx="2150918" cy="369332"/>
+          </a:xfrm>
+          <a:prstGeom prst="rect">
+            <a:avLst/>
+          </a:prstGeom>
+          <a:noFill/>
+        </p:spPr>
+        <p:txBody>
+          <a:bodyPr wrap="square" rtlCol="0">
+            <a:spAutoFit/>
+          </a:bodyPr>
+          <a:lstStyle/>
+          <a:p>
+            <a:r>
+              <a:rPr lang="en-US" altLang="ko-KR" dirty="0" err="1"/>
+              <a:t>Residual_EDA</a:t>
+            </a:r>
+            <a:endParaRPr lang="ko-KR" altLang="en-US" dirty="0"/>
+          </a:p>
+        </p:txBody>
+      </p:sp>
+      <p:pic>
+        <p:nvPicPr>
+          <p:cNvPr id="6" name="그림 5">
+            <a:extLst>
+              <a:ext uri="{FF2B5EF4-FFF2-40B4-BE49-F238E27FC236}">
+                <a16:creationId xmlns:a16="http://schemas.microsoft.com/office/drawing/2014/main" id="{0A8AA99A-A17C-4F92-9630-3072CFAC65FB}"/>
+              </a:ext>
+            </a:extLst>
+          </p:cNvPr>
+          <p:cNvPicPr>
+            <a:picLocks noChangeAspect="1"/>
+          </p:cNvPicPr>
+          <p:nvPr/>
+        </p:nvPicPr>
+        <p:blipFill>
+          <a:blip r:embed="rId4"/>
+          <a:stretch>
+            <a:fillRect/>
+          </a:stretch>
+        </p:blipFill>
+        <p:spPr>
+          <a:xfrm>
+            <a:off x="5497224" y="5928884"/>
+            <a:ext cx="6143625" cy="809625"/>
+          </a:xfrm>
+          <a:prstGeom prst="rect">
+            <a:avLst/>
+          </a:prstGeom>
+        </p:spPr>
+      </p:pic>
+      <p:sp>
+        <p:nvSpPr>
+          <p:cNvPr id="8" name="직사각형 7">
+            <a:extLst>
+              <a:ext uri="{FF2B5EF4-FFF2-40B4-BE49-F238E27FC236}">
+                <a16:creationId xmlns:a16="http://schemas.microsoft.com/office/drawing/2014/main" id="{2ED72670-F5D1-4C31-9062-014C138B7C89}"/>
+              </a:ext>
+            </a:extLst>
+          </p:cNvPr>
+          <p:cNvSpPr/>
+          <p:nvPr/>
+        </p:nvSpPr>
+        <p:spPr>
+          <a:xfrm>
+            <a:off x="2737139" y="4129956"/>
+            <a:ext cx="598343" cy="602192"/>
+          </a:xfrm>
+          <a:prstGeom prst="rect">
+            <a:avLst/>
+          </a:prstGeom>
+          <a:noFill/>
+          <a:ln w="38100">
+            <a:solidFill>
+              <a:srgbClr val="FF0000"/>
+            </a:solidFill>
+          </a:ln>
+        </p:spPr>
+        <p:style>
+          <a:lnRef idx="2">
+            <a:schemeClr val="accent1">
+              <a:shade val="50000"/>
+            </a:schemeClr>
+          </a:lnRef>
+          <a:fillRef idx="1">
+            <a:schemeClr val="accent1"/>
+          </a:fillRef>
+          <a:effectRef idx="0">
+            <a:schemeClr val="accent1"/>
+          </a:effectRef>
+          <a:fontRef idx="minor">
+            <a:schemeClr val="lt1"/>
+          </a:fontRef>
+        </p:style>
+        <p:txBody>
+          <a:bodyPr rtlCol="0" anchor="ctr"/>
+          <a:lstStyle/>
+          <a:p>
+            <a:pPr algn="ctr"/>
+            <a:endParaRPr lang="ko-KR" altLang="en-US"/>
+          </a:p>
+        </p:txBody>
+      </p:sp>
+    </p:spTree>
+    <p:extLst>
+      <p:ext uri="{BB962C8B-B14F-4D97-AF65-F5344CB8AC3E}">
+        <p14:creationId xmlns:p14="http://schemas.microsoft.com/office/powerpoint/2010/main" val="3533346957"/>
+      </p:ext>
+    </p:extLst>
+  </p:cSld>
+  <p:clrMapOvr>
+    <a:masterClrMapping/>
+  </p:clrMapOvr>
+</p:sld>
+</file>
+
+<file path=ppt/slides/slide25.xml><?xml version="1.0" encoding="utf-8"?>
+<p:sld xmlns:a="http://schemas.openxmlformats.org/drawingml/2006/main" xmlns:r="http://schemas.openxmlformats.org/officeDocument/2006/relationships" xmlns:p="http://schemas.openxmlformats.org/presentationml/2006/main">
+  <p:cSld>
+    <p:spTree>
+      <p:nvGrpSpPr>
+        <p:cNvPr id="1" name=""/>
+        <p:cNvGrpSpPr/>
+        <p:nvPr/>
+      </p:nvGrpSpPr>
+      <p:grpSpPr>
+        <a:xfrm>
+          <a:off x="0" y="0"/>
+          <a:ext cx="0" cy="0"/>
+          <a:chOff x="0" y="0"/>
+          <a:chExt cx="0" cy="0"/>
+        </a:xfrm>
+      </p:grpSpPr>
+      <p:sp>
+        <p:nvSpPr>
+          <p:cNvPr id="3" name="TextBox 2">
+            <a:extLst>
+              <a:ext uri="{FF2B5EF4-FFF2-40B4-BE49-F238E27FC236}">
+                <a16:creationId xmlns:a16="http://schemas.microsoft.com/office/drawing/2014/main" id="{CFC4EAE5-CB55-4DBD-8E0B-E37486E02DA7}"/>
+              </a:ext>
+            </a:extLst>
+          </p:cNvPr>
+          <p:cNvSpPr txBox="1"/>
+          <p:nvPr/>
+        </p:nvSpPr>
+        <p:spPr>
+          <a:xfrm>
+            <a:off x="581891" y="374074"/>
+            <a:ext cx="2899064" cy="369332"/>
+          </a:xfrm>
+          <a:prstGeom prst="rect">
+            <a:avLst/>
+          </a:prstGeom>
+          <a:noFill/>
+        </p:spPr>
+        <p:txBody>
+          <a:bodyPr wrap="square" rtlCol="0">
+            <a:spAutoFit/>
+          </a:bodyPr>
+          <a:lstStyle/>
+          <a:p>
+            <a:r>
+              <a:rPr lang="en-US" altLang="ko-KR" dirty="0"/>
+              <a:t>Forecast</a:t>
+            </a:r>
+            <a:endParaRPr lang="ko-KR" altLang="en-US" dirty="0"/>
+          </a:p>
+        </p:txBody>
+      </p:sp>
+      <p:pic>
+        <p:nvPicPr>
+          <p:cNvPr id="2" name="그림 1">
+            <a:extLst>
+              <a:ext uri="{FF2B5EF4-FFF2-40B4-BE49-F238E27FC236}">
+                <a16:creationId xmlns:a16="http://schemas.microsoft.com/office/drawing/2014/main" id="{1B0BE83A-F7D3-432A-B5AB-06F6DF2C1AA3}"/>
+              </a:ext>
+            </a:extLst>
+          </p:cNvPr>
+          <p:cNvPicPr>
+            <a:picLocks noChangeAspect="1"/>
+          </p:cNvPicPr>
+          <p:nvPr/>
+        </p:nvPicPr>
+        <p:blipFill>
+          <a:blip r:embed="rId2"/>
+          <a:stretch>
+            <a:fillRect/>
+          </a:stretch>
+        </p:blipFill>
+        <p:spPr>
+          <a:xfrm>
+            <a:off x="288677" y="2050972"/>
+            <a:ext cx="3719161" cy="2756056"/>
+          </a:xfrm>
+          <a:prstGeom prst="rect">
+            <a:avLst/>
+          </a:prstGeom>
+        </p:spPr>
+      </p:pic>
+      <p:sp>
+        <p:nvSpPr>
+          <p:cNvPr id="5" name="TextBox 4">
+            <a:extLst>
+              <a:ext uri="{FF2B5EF4-FFF2-40B4-BE49-F238E27FC236}">
+                <a16:creationId xmlns:a16="http://schemas.microsoft.com/office/drawing/2014/main" id="{15671410-9D41-48D4-BC75-470A84FADA0A}"/>
+              </a:ext>
+            </a:extLst>
+          </p:cNvPr>
+          <p:cNvSpPr txBox="1"/>
+          <p:nvPr/>
+        </p:nvSpPr>
+        <p:spPr>
+          <a:xfrm>
+            <a:off x="779318" y="742994"/>
+            <a:ext cx="2036618" cy="338554"/>
+          </a:xfrm>
+          <a:prstGeom prst="rect">
+            <a:avLst/>
+          </a:prstGeom>
+          <a:noFill/>
+        </p:spPr>
+        <p:txBody>
+          <a:bodyPr wrap="square" rtlCol="0">
+            <a:spAutoFit/>
+          </a:bodyPr>
+          <a:lstStyle/>
+          <a:p>
+            <a:r>
+              <a:rPr lang="en-US" altLang="ko-KR" sz="1600" dirty="0"/>
+              <a:t>1</a:t>
+            </a:r>
+            <a:r>
+              <a:rPr lang="ko-KR" altLang="en-US" sz="1600" dirty="0"/>
+              <a:t> </a:t>
+            </a:r>
+            <a:r>
+              <a:rPr lang="en-US" altLang="ko-KR" sz="1600" dirty="0"/>
+              <a:t>month</a:t>
+            </a:r>
+            <a:r>
+              <a:rPr lang="ko-KR" altLang="en-US" sz="1600" dirty="0"/>
+              <a:t> 예측</a:t>
+            </a:r>
+          </a:p>
+        </p:txBody>
+      </p:sp>
+      <p:pic>
+        <p:nvPicPr>
+          <p:cNvPr id="6" name="Picture 2">
+            <a:extLst>
+              <a:ext uri="{FF2B5EF4-FFF2-40B4-BE49-F238E27FC236}">
+                <a16:creationId xmlns:a16="http://schemas.microsoft.com/office/drawing/2014/main" id="{551C98F0-F293-49D4-AB39-8793814B0474}"/>
+              </a:ext>
+            </a:extLst>
+          </p:cNvPr>
+          <p:cNvPicPr>
+            <a:picLocks noChangeAspect="1" noChangeArrowheads="1"/>
+          </p:cNvPicPr>
+          <p:nvPr/>
+        </p:nvPicPr>
+        <p:blipFill>
+          <a:blip r:embed="rId3">
+            <a:extLst>
+              <a:ext uri="{28A0092B-C50C-407E-A947-70E740481C1C}">
+                <a14:useLocalDpi xmlns:a14="http://schemas.microsoft.com/office/drawing/2010/main" val="0"/>
+              </a:ext>
+            </a:extLst>
+          </a:blip>
+          <a:srcRect/>
+          <a:stretch>
+            <a:fillRect/>
+          </a:stretch>
+        </p:blipFill>
+        <p:spPr bwMode="auto">
+          <a:xfrm>
+            <a:off x="4308332" y="1081548"/>
+            <a:ext cx="7184014" cy="5178244"/>
+          </a:xfrm>
+          <a:prstGeom prst="rect">
+            <a:avLst/>
+          </a:prstGeom>
+          <a:noFill/>
+          <a:extLst>
+            <a:ext uri="{909E8E84-426E-40DD-AFC4-6F175D3DCCD1}">
+              <a14:hiddenFill xmlns:a14="http://schemas.microsoft.com/office/drawing/2010/main">
+                <a:solidFill>
+                  <a:srgbClr val="FFFFFF"/>
+                </a:solidFill>
+              </a14:hiddenFill>
+            </a:ext>
+          </a:extLst>
+        </p:spPr>
+      </p:pic>
+    </p:spTree>
+    <p:extLst>
+      <p:ext uri="{BB962C8B-B14F-4D97-AF65-F5344CB8AC3E}">
+        <p14:creationId xmlns:p14="http://schemas.microsoft.com/office/powerpoint/2010/main" val="885036106"/>
+      </p:ext>
+    </p:extLst>
+  </p:cSld>
+  <p:clrMapOvr>
+    <a:masterClrMapping/>
+  </p:clrMapOvr>
+</p:sld>
+</file>
+
+<file path=ppt/slides/slide26.xml><?xml version="1.0" encoding="utf-8"?>
+<p:sld xmlns:a="http://schemas.openxmlformats.org/drawingml/2006/main" xmlns:r="http://schemas.openxmlformats.org/officeDocument/2006/relationships" xmlns:p="http://schemas.openxmlformats.org/presentationml/2006/main">
+  <p:cSld>
+    <p:spTree>
+      <p:nvGrpSpPr>
+        <p:cNvPr id="1" name=""/>
+        <p:cNvGrpSpPr/>
+        <p:nvPr/>
+      </p:nvGrpSpPr>
+      <p:grpSpPr>
+        <a:xfrm>
+          <a:off x="0" y="0"/>
+          <a:ext cx="0" cy="0"/>
+          <a:chOff x="0" y="0"/>
+          <a:chExt cx="0" cy="0"/>
+        </a:xfrm>
+      </p:grpSpPr>
+      <p:pic>
+        <p:nvPicPr>
+          <p:cNvPr id="4" name="Picture 2">
+            <a:extLst>
+              <a:ext uri="{FF2B5EF4-FFF2-40B4-BE49-F238E27FC236}">
+                <a16:creationId xmlns:a16="http://schemas.microsoft.com/office/drawing/2014/main" id="{BA732ECE-5981-4358-BF0C-B3741FBEC121}"/>
+              </a:ext>
+            </a:extLst>
+          </p:cNvPr>
+          <p:cNvPicPr>
+            <a:picLocks noChangeAspect="1" noChangeArrowheads="1"/>
+          </p:cNvPicPr>
+          <p:nvPr/>
+        </p:nvPicPr>
+        <p:blipFill>
+          <a:blip r:embed="rId3">
+            <a:extLst>
+              <a:ext uri="{28A0092B-C50C-407E-A947-70E740481C1C}">
+                <a14:useLocalDpi xmlns:a14="http://schemas.microsoft.com/office/drawing/2010/main" val="0"/>
+              </a:ext>
+            </a:extLst>
+          </a:blip>
+          <a:srcRect/>
+          <a:stretch>
+            <a:fillRect/>
+          </a:stretch>
+        </p:blipFill>
+        <p:spPr bwMode="auto">
+          <a:xfrm>
+            <a:off x="1107931" y="485365"/>
+            <a:ext cx="9449233" cy="3563170"/>
+          </a:xfrm>
+          <a:prstGeom prst="rect">
+            <a:avLst/>
+          </a:prstGeom>
+          <a:noFill/>
+          <a:extLst>
+            <a:ext uri="{909E8E84-426E-40DD-AFC4-6F175D3DCCD1}">
+              <a14:hiddenFill xmlns:a14="http://schemas.microsoft.com/office/drawing/2010/main">
+                <a:solidFill>
+                  <a:srgbClr val="FFFFFF"/>
+                </a:solidFill>
+              </a14:hiddenFill>
+            </a:ext>
+          </a:extLst>
+        </p:spPr>
+      </p:pic>
+      <p:grpSp>
+        <p:nvGrpSpPr>
+          <p:cNvPr id="11" name="그룹 10">
+            <a:extLst>
+              <a:ext uri="{FF2B5EF4-FFF2-40B4-BE49-F238E27FC236}">
+                <a16:creationId xmlns:a16="http://schemas.microsoft.com/office/drawing/2014/main" id="{2EA9A907-CD1C-4ACC-BD21-C63E6BBD51AC}"/>
+              </a:ext>
+            </a:extLst>
+          </p:cNvPr>
+          <p:cNvGrpSpPr/>
+          <p:nvPr/>
+        </p:nvGrpSpPr>
+        <p:grpSpPr>
+          <a:xfrm>
+            <a:off x="4645169" y="4632371"/>
+            <a:ext cx="6438900" cy="1371600"/>
+            <a:chOff x="4480214" y="4518071"/>
+            <a:chExt cx="6438900" cy="1371600"/>
+          </a:xfrm>
+        </p:grpSpPr>
+        <p:pic>
+          <p:nvPicPr>
+            <p:cNvPr id="10" name="그림 9">
+              <a:extLst>
+                <a:ext uri="{FF2B5EF4-FFF2-40B4-BE49-F238E27FC236}">
+                  <a16:creationId xmlns:a16="http://schemas.microsoft.com/office/drawing/2014/main" id="{25ADCBAE-37DA-411D-AF8A-BB460CDF096F}"/>
+                </a:ext>
+              </a:extLst>
+            </p:cNvPr>
+            <p:cNvPicPr>
+              <a:picLocks noChangeAspect="1"/>
+            </p:cNvPicPr>
+            <p:nvPr/>
+          </p:nvPicPr>
+          <p:blipFill>
+            <a:blip r:embed="rId4"/>
+            <a:stretch>
+              <a:fillRect/>
+            </a:stretch>
+          </p:blipFill>
+          <p:spPr>
+            <a:xfrm>
+              <a:off x="4480214" y="4518071"/>
+              <a:ext cx="6438900" cy="1371600"/>
+            </a:xfrm>
+            <a:prstGeom prst="rect">
+              <a:avLst/>
+            </a:prstGeom>
+          </p:spPr>
+        </p:pic>
+        <p:sp>
+          <p:nvSpPr>
+            <p:cNvPr id="8" name="직사각형 7">
+              <a:extLst>
+                <a:ext uri="{FF2B5EF4-FFF2-40B4-BE49-F238E27FC236}">
+                  <a16:creationId xmlns:a16="http://schemas.microsoft.com/office/drawing/2014/main" id="{514B739B-D028-44CC-978F-F8D6DD77588A}"/>
+                </a:ext>
+              </a:extLst>
+            </p:cNvPr>
+            <p:cNvSpPr/>
+            <p:nvPr/>
+          </p:nvSpPr>
+          <p:spPr>
+            <a:xfrm>
+              <a:off x="4527838" y="5567580"/>
+              <a:ext cx="3099089" cy="301309"/>
+            </a:xfrm>
+            <a:prstGeom prst="rect">
+              <a:avLst/>
+            </a:prstGeom>
+            <a:noFill/>
+            <a:ln w="38100">
+              <a:solidFill>
+                <a:srgbClr val="FF0000"/>
+              </a:solidFill>
+            </a:ln>
+          </p:spPr>
+          <p:style>
+            <a:lnRef idx="2">
+              <a:schemeClr val="accent1">
+                <a:shade val="50000"/>
+              </a:schemeClr>
+            </a:lnRef>
+            <a:fillRef idx="1">
+              <a:schemeClr val="accent1"/>
+            </a:fillRef>
+            <a:effectRef idx="0">
+              <a:schemeClr val="accent1"/>
+            </a:effectRef>
+            <a:fontRef idx="minor">
+              <a:schemeClr val="lt1"/>
+            </a:fontRef>
+          </p:style>
+          <p:txBody>
+            <a:bodyPr rtlCol="0" anchor="ctr"/>
+            <a:lstStyle/>
+            <a:p>
+              <a:pPr algn="ctr"/>
+              <a:endParaRPr lang="ko-KR" altLang="en-US"/>
+            </a:p>
+          </p:txBody>
+        </p:sp>
+      </p:grpSp>
+      <p:pic>
+        <p:nvPicPr>
+          <p:cNvPr id="3076" name="Picture 4" descr="모델 신뢰성 검증 - 평균절대비오차(MAPE : Mean Absolute Percentage Error) : 네이버 블로그">
+            <a:extLst>
+              <a:ext uri="{FF2B5EF4-FFF2-40B4-BE49-F238E27FC236}">
+                <a16:creationId xmlns:a16="http://schemas.microsoft.com/office/drawing/2014/main" id="{110EEB86-EBE7-4E0F-8832-26BBC5569838}"/>
+              </a:ext>
+            </a:extLst>
+          </p:cNvPr>
+          <p:cNvPicPr>
+            <a:picLocks noChangeAspect="1" noChangeArrowheads="1"/>
+          </p:cNvPicPr>
+          <p:nvPr/>
+        </p:nvPicPr>
+        <p:blipFill>
+          <a:blip r:embed="rId5">
+            <a:extLst>
+              <a:ext uri="{28A0092B-C50C-407E-A947-70E740481C1C}">
+                <a14:useLocalDpi xmlns:a14="http://schemas.microsoft.com/office/drawing/2010/main" val="0"/>
+              </a:ext>
+            </a:extLst>
+          </a:blip>
+          <a:srcRect/>
+          <a:stretch>
+            <a:fillRect/>
+          </a:stretch>
+        </p:blipFill>
+        <p:spPr bwMode="auto">
+          <a:xfrm>
+            <a:off x="1107931" y="3894184"/>
+            <a:ext cx="2781300" cy="1476375"/>
+          </a:xfrm>
+          <a:prstGeom prst="rect">
+            <a:avLst/>
+          </a:prstGeom>
+          <a:noFill/>
+          <a:extLst>
+            <a:ext uri="{909E8E84-426E-40DD-AFC4-6F175D3DCCD1}">
+              <a14:hiddenFill xmlns:a14="http://schemas.microsoft.com/office/drawing/2010/main">
+                <a:solidFill>
+                  <a:srgbClr val="FFFFFF"/>
+                </a:solidFill>
+              </a14:hiddenFill>
+            </a:ext>
+          </a:extLst>
+        </p:spPr>
+      </p:pic>
+      <p:pic>
+        <p:nvPicPr>
+          <p:cNvPr id="3078" name="Picture 6" descr="Interpretation of typical MAPE values | Download Table">
+            <a:extLst>
+              <a:ext uri="{FF2B5EF4-FFF2-40B4-BE49-F238E27FC236}">
+                <a16:creationId xmlns:a16="http://schemas.microsoft.com/office/drawing/2014/main" id="{397C9355-E48B-4199-B051-31EB6BD7E871}"/>
+              </a:ext>
+            </a:extLst>
+          </p:cNvPr>
+          <p:cNvPicPr>
+            <a:picLocks noChangeAspect="1" noChangeArrowheads="1"/>
+          </p:cNvPicPr>
+          <p:nvPr/>
+        </p:nvPicPr>
+        <p:blipFill>
+          <a:blip r:embed="rId6">
+            <a:extLst>
+              <a:ext uri="{28A0092B-C50C-407E-A947-70E740481C1C}">
+                <a14:useLocalDpi xmlns:a14="http://schemas.microsoft.com/office/drawing/2010/main" val="0"/>
+              </a:ext>
+            </a:extLst>
+          </a:blip>
+          <a:srcRect/>
+          <a:stretch>
+            <a:fillRect/>
+          </a:stretch>
+        </p:blipFill>
+        <p:spPr bwMode="auto">
+          <a:xfrm>
+            <a:off x="1107931" y="5074052"/>
+            <a:ext cx="2602489" cy="1298583"/>
+          </a:xfrm>
+          <a:prstGeom prst="rect">
+            <a:avLst/>
+          </a:prstGeom>
+          <a:noFill/>
+          <a:extLst>
+            <a:ext uri="{909E8E84-426E-40DD-AFC4-6F175D3DCCD1}">
+              <a14:hiddenFill xmlns:a14="http://schemas.microsoft.com/office/drawing/2010/main">
+                <a:solidFill>
+                  <a:srgbClr val="FFFFFF"/>
+                </a:solidFill>
+              </a14:hiddenFill>
+            </a:ext>
+          </a:extLst>
+        </p:spPr>
+      </p:pic>
+    </p:spTree>
+    <p:extLst>
+      <p:ext uri="{BB962C8B-B14F-4D97-AF65-F5344CB8AC3E}">
+        <p14:creationId xmlns:p14="http://schemas.microsoft.com/office/powerpoint/2010/main" val="1210118113"/>
+      </p:ext>
+    </p:extLst>
+  </p:cSld>
+  <p:clrMapOvr>
+    <a:masterClrMapping/>
+  </p:clrMapOvr>
+</p:sld>
+</file>
+
+<file path=ppt/slides/slide27.xml><?xml version="1.0" encoding="utf-8"?>
+<p:sld xmlns:a="http://schemas.openxmlformats.org/drawingml/2006/main" xmlns:r="http://schemas.openxmlformats.org/officeDocument/2006/relationships" xmlns:p="http://schemas.openxmlformats.org/presentationml/2006/main">
+  <p:cSld>
+    <p:spTree>
+      <p:nvGrpSpPr>
+        <p:cNvPr id="1" name=""/>
+        <p:cNvGrpSpPr/>
+        <p:nvPr/>
+      </p:nvGrpSpPr>
+      <p:grpSpPr>
+        <a:xfrm>
+          <a:off x="0" y="0"/>
+          <a:ext cx="0" cy="0"/>
+          <a:chOff x="0" y="0"/>
+          <a:chExt cx="0" cy="0"/>
+        </a:xfrm>
+      </p:grpSpPr>
+      <p:sp>
+        <p:nvSpPr>
+          <p:cNvPr id="2" name="TextBox 1">
+            <a:extLst>
+              <a:ext uri="{FF2B5EF4-FFF2-40B4-BE49-F238E27FC236}">
+                <a16:creationId xmlns:a16="http://schemas.microsoft.com/office/drawing/2014/main" id="{5F6938C5-F18F-49F7-A8A9-CBB3C1655925}"/>
+              </a:ext>
+            </a:extLst>
+          </p:cNvPr>
+          <p:cNvSpPr txBox="1"/>
+          <p:nvPr/>
+        </p:nvSpPr>
+        <p:spPr>
+          <a:xfrm>
+            <a:off x="136680" y="374100"/>
+            <a:ext cx="3516923" cy="369332"/>
+          </a:xfrm>
+          <a:prstGeom prst="rect">
+            <a:avLst/>
+          </a:prstGeom>
+          <a:noFill/>
+        </p:spPr>
+        <p:txBody>
+          <a:bodyPr wrap="square" rtlCol="0">
+            <a:spAutoFit/>
+          </a:bodyPr>
+          <a:lstStyle/>
+          <a:p>
+            <a:r>
+              <a:rPr lang="en-US" altLang="ko-KR" dirty="0"/>
+              <a:t>Facebook – Prophet</a:t>
+            </a:r>
+            <a:r>
+              <a:rPr lang="ko-KR" altLang="en-US" dirty="0"/>
+              <a:t>모델</a:t>
+            </a:r>
+          </a:p>
+        </p:txBody>
+      </p:sp>
+      <p:sp>
+        <p:nvSpPr>
+          <p:cNvPr id="5" name="TextBox 4">
+            <a:extLst>
+              <a:ext uri="{FF2B5EF4-FFF2-40B4-BE49-F238E27FC236}">
+                <a16:creationId xmlns:a16="http://schemas.microsoft.com/office/drawing/2014/main" id="{8F2E7424-FDF2-4F09-913A-63DF5C709D4B}"/>
+              </a:ext>
+            </a:extLst>
+          </p:cNvPr>
+          <p:cNvSpPr txBox="1"/>
+          <p:nvPr/>
+        </p:nvSpPr>
+        <p:spPr>
+          <a:xfrm>
+            <a:off x="1758661" y="2465016"/>
+            <a:ext cx="6094268" cy="369332"/>
+          </a:xfrm>
+          <a:prstGeom prst="rect">
+            <a:avLst/>
+          </a:prstGeom>
+          <a:noFill/>
+        </p:spPr>
+        <p:txBody>
+          <a:bodyPr wrap="square">
+            <a:spAutoFit/>
+          </a:bodyPr>
+          <a:lstStyle/>
+          <a:p>
+            <a:r>
+              <a:rPr lang="en-US" altLang="ko-KR" dirty="0">
+                <a:hlinkClick r:id="rId2"/>
+              </a:rPr>
+              <a:t>https://zzsza.github.io/data/2019/02/06/prophet/</a:t>
+            </a:r>
+            <a:endParaRPr lang="ko-KR" altLang="en-US" dirty="0"/>
+          </a:p>
+        </p:txBody>
+      </p:sp>
+    </p:spTree>
+    <p:extLst>
+      <p:ext uri="{BB962C8B-B14F-4D97-AF65-F5344CB8AC3E}">
+        <p14:creationId xmlns:p14="http://schemas.microsoft.com/office/powerpoint/2010/main" val="1442523317"/>
+      </p:ext>
+    </p:extLst>
+  </p:cSld>
+  <p:clrMapOvr>
+    <a:masterClrMapping/>
+  </p:clrMapOvr>
+</p:sld>
+</file>
+
+<file path=ppt/slides/slide28.xml><?xml version="1.0" encoding="utf-8"?>
 <p:sld xmlns:a="http://schemas.openxmlformats.org/drawingml/2006/main" xmlns:r="http://schemas.openxmlformats.org/officeDocument/2006/relationships" xmlns:p="http://schemas.openxmlformats.org/presentationml/2006/main">
   <p:cSld>
     <p:spTree>
@@ -6617,7 +9611,7 @@
 </p:sld>
 </file>
 
-<file path=ppt/slides/slide19.xml><?xml version="1.0" encoding="utf-8"?>
+<file path=ppt/slides/slide29.xml><?xml version="1.0" encoding="utf-8"?>
 <p:sld xmlns:a="http://schemas.openxmlformats.org/drawingml/2006/main" xmlns:r="http://schemas.openxmlformats.org/officeDocument/2006/relationships" xmlns:p="http://schemas.openxmlformats.org/presentationml/2006/main">
   <p:cSld>
     <p:spTree>
@@ -6634,170 +9628,186 @@
           <a:chExt cx="0" cy="0"/>
         </a:xfrm>
       </p:grpSpPr>
-      <p:sp>
-        <p:nvSpPr>
-          <p:cNvPr id="2" name="TextBox 1">
-            <a:extLst>
-              <a:ext uri="{FF2B5EF4-FFF2-40B4-BE49-F238E27FC236}">
-                <a16:creationId xmlns:a16="http://schemas.microsoft.com/office/drawing/2014/main" id="{0DB57B4B-5322-46E8-91FD-B01A1BF7BF07}"/>
-              </a:ext>
-            </a:extLst>
-          </p:cNvPr>
-          <p:cNvSpPr txBox="1"/>
-          <p:nvPr/>
-        </p:nvSpPr>
-        <p:spPr>
-          <a:xfrm>
-            <a:off x="680720" y="426720"/>
-            <a:ext cx="6959600" cy="369332"/>
-          </a:xfrm>
-          <a:prstGeom prst="rect">
-            <a:avLst/>
-          </a:prstGeom>
-          <a:noFill/>
-        </p:spPr>
-        <p:txBody>
-          <a:bodyPr wrap="square" rtlCol="0">
-            <a:spAutoFit/>
-          </a:bodyPr>
-          <a:lstStyle/>
-          <a:p>
-            <a:r>
-              <a:rPr lang="ko-KR" altLang="en-US" dirty="0"/>
-              <a:t>정상성 확인 방법 </a:t>
-            </a:r>
-            <a:r>
-              <a:rPr lang="en-US" altLang="ko-KR" dirty="0"/>
-              <a:t>: </a:t>
-            </a:r>
-            <a:r>
-              <a:rPr lang="en-US" altLang="ko-KR" dirty="0" err="1"/>
-              <a:t>Augmendted</a:t>
-            </a:r>
-            <a:r>
-              <a:rPr lang="en-US" altLang="ko-KR" dirty="0"/>
-              <a:t> Dickey-Fuller, ACF, PACF</a:t>
-            </a:r>
-            <a:endParaRPr lang="ko-KR" altLang="en-US" dirty="0"/>
-          </a:p>
-        </p:txBody>
-      </p:sp>
-      <p:sp>
-        <p:nvSpPr>
-          <p:cNvPr id="3" name="TextBox 2">
-            <a:extLst>
-              <a:ext uri="{FF2B5EF4-FFF2-40B4-BE49-F238E27FC236}">
-                <a16:creationId xmlns:a16="http://schemas.microsoft.com/office/drawing/2014/main" id="{3E08675D-0A0F-491E-8F54-1773338BA221}"/>
-              </a:ext>
-            </a:extLst>
-          </p:cNvPr>
-          <p:cNvSpPr txBox="1"/>
-          <p:nvPr/>
-        </p:nvSpPr>
-        <p:spPr>
-          <a:xfrm>
-            <a:off x="680720" y="787091"/>
-            <a:ext cx="3281680" cy="369332"/>
-          </a:xfrm>
-          <a:prstGeom prst="rect">
-            <a:avLst/>
-          </a:prstGeom>
-          <a:noFill/>
-        </p:spPr>
-        <p:txBody>
-          <a:bodyPr wrap="square" rtlCol="0">
-            <a:spAutoFit/>
-          </a:bodyPr>
-          <a:lstStyle/>
-          <a:p>
-            <a:r>
-              <a:rPr lang="en-US" altLang="ko-KR" dirty="0"/>
-              <a:t>&lt;Cube-root Test&gt;</a:t>
-            </a:r>
-            <a:endParaRPr lang="ko-KR" altLang="en-US" dirty="0"/>
-          </a:p>
-        </p:txBody>
-      </p:sp>
-      <p:sp>
-        <p:nvSpPr>
-          <p:cNvPr id="8" name="TextBox 7">
-            <a:extLst>
-              <a:ext uri="{FF2B5EF4-FFF2-40B4-BE49-F238E27FC236}">
-                <a16:creationId xmlns:a16="http://schemas.microsoft.com/office/drawing/2014/main" id="{59CDCEF6-5EAE-4005-9CFE-016CE02A1F58}"/>
-              </a:ext>
-            </a:extLst>
-          </p:cNvPr>
-          <p:cNvSpPr txBox="1"/>
-          <p:nvPr/>
-        </p:nvSpPr>
-        <p:spPr>
-          <a:xfrm>
-            <a:off x="909320" y="1332128"/>
-            <a:ext cx="1742440" cy="369332"/>
-          </a:xfrm>
-          <a:prstGeom prst="rect">
-            <a:avLst/>
-          </a:prstGeom>
-          <a:noFill/>
-        </p:spPr>
-        <p:txBody>
-          <a:bodyPr wrap="square" rtlCol="0">
-            <a:spAutoFit/>
-          </a:bodyPr>
-          <a:lstStyle/>
-          <a:p>
-            <a:r>
-              <a:rPr lang="ko-KR" altLang="en-US" dirty="0"/>
-              <a:t>종가</a:t>
-            </a:r>
-            <a:r>
-              <a:rPr lang="en-US" altLang="ko-KR" dirty="0"/>
-              <a:t>_1</a:t>
-            </a:r>
-            <a:r>
-              <a:rPr lang="ko-KR" altLang="en-US" dirty="0" err="1"/>
-              <a:t>차차분</a:t>
-            </a:r>
-            <a:endParaRPr lang="ko-KR" altLang="en-US" dirty="0"/>
-          </a:p>
-        </p:txBody>
-      </p:sp>
       <p:pic>
         <p:nvPicPr>
-          <p:cNvPr id="4" name="그림 3">
-            <a:extLst>
-              <a:ext uri="{FF2B5EF4-FFF2-40B4-BE49-F238E27FC236}">
-                <a16:creationId xmlns:a16="http://schemas.microsoft.com/office/drawing/2014/main" id="{A3005189-98FB-4E1E-B68D-65D65C127F05}"/>
+          <p:cNvPr id="10242" name="Picture 2">
+            <a:extLst>
+              <a:ext uri="{FF2B5EF4-FFF2-40B4-BE49-F238E27FC236}">
+                <a16:creationId xmlns:a16="http://schemas.microsoft.com/office/drawing/2014/main" id="{A095C248-77E0-4172-80F8-AA157FA37321}"/>
               </a:ext>
             </a:extLst>
           </p:cNvPr>
           <p:cNvPicPr>
-            <a:picLocks noChangeAspect="1"/>
+            <a:picLocks noChangeAspect="1" noChangeArrowheads="1"/>
           </p:cNvPicPr>
           <p:nvPr/>
         </p:nvPicPr>
         <p:blipFill>
-          <a:blip r:embed="rId2"/>
+          <a:blip r:embed="rId2">
+            <a:extLst>
+              <a:ext uri="{28A0092B-C50C-407E-A947-70E740481C1C}">
+                <a14:useLocalDpi xmlns:a14="http://schemas.microsoft.com/office/drawing/2010/main" val="0"/>
+              </a:ext>
+            </a:extLst>
+          </a:blip>
+          <a:srcRect/>
           <a:stretch>
             <a:fillRect/>
           </a:stretch>
         </p:blipFill>
-        <p:spPr>
-          <a:xfrm>
-            <a:off x="680720" y="1959029"/>
-            <a:ext cx="4314459" cy="2939941"/>
-          </a:xfrm>
-          <a:prstGeom prst="rect">
-            <a:avLst/>
-          </a:prstGeom>
+        <p:spPr bwMode="auto">
+          <a:xfrm>
+            <a:off x="2592388" y="1422022"/>
+            <a:ext cx="7820025" cy="2352675"/>
+          </a:xfrm>
+          <a:prstGeom prst="rect">
+            <a:avLst/>
+          </a:prstGeom>
+          <a:noFill/>
+          <a:extLst>
+            <a:ext uri="{909E8E84-426E-40DD-AFC4-6F175D3DCCD1}">
+              <a14:hiddenFill xmlns:a14="http://schemas.microsoft.com/office/drawing/2010/main">
+                <a:solidFill>
+                  <a:srgbClr val="FFFFFF"/>
+                </a:solidFill>
+              </a14:hiddenFill>
+            </a:ext>
+          </a:extLst>
         </p:spPr>
       </p:pic>
+      <p:sp>
+        <p:nvSpPr>
+          <p:cNvPr id="2" name="TextBox 1">
+            <a:extLst>
+              <a:ext uri="{FF2B5EF4-FFF2-40B4-BE49-F238E27FC236}">
+                <a16:creationId xmlns:a16="http://schemas.microsoft.com/office/drawing/2014/main" id="{A08239FC-B989-4F92-B929-B9F09894E962}"/>
+              </a:ext>
+            </a:extLst>
+          </p:cNvPr>
+          <p:cNvSpPr txBox="1"/>
+          <p:nvPr/>
+        </p:nvSpPr>
+        <p:spPr>
+          <a:xfrm>
+            <a:off x="680720" y="426720"/>
+            <a:ext cx="6959600" cy="369332"/>
+          </a:xfrm>
+          <a:prstGeom prst="rect">
+            <a:avLst/>
+          </a:prstGeom>
+          <a:noFill/>
+        </p:spPr>
+        <p:txBody>
+          <a:bodyPr wrap="square" rtlCol="0">
+            <a:spAutoFit/>
+          </a:bodyPr>
+          <a:lstStyle/>
+          <a:p>
+            <a:r>
+              <a:rPr lang="ko-KR" altLang="en-US" dirty="0"/>
+              <a:t>정상성 확인 방법 </a:t>
+            </a:r>
+            <a:r>
+              <a:rPr lang="en-US" altLang="ko-KR" dirty="0"/>
+              <a:t>: </a:t>
+            </a:r>
+            <a:r>
+              <a:rPr lang="en-US" altLang="ko-KR" dirty="0" err="1"/>
+              <a:t>Augmendted</a:t>
+            </a:r>
+            <a:r>
+              <a:rPr lang="en-US" altLang="ko-KR" dirty="0"/>
+              <a:t> Dickey-Fuller, ACF, PACF</a:t>
+            </a:r>
+            <a:endParaRPr lang="ko-KR" altLang="en-US" dirty="0"/>
+          </a:p>
+        </p:txBody>
+      </p:sp>
+      <p:sp>
+        <p:nvSpPr>
+          <p:cNvPr id="4" name="TextBox 3">
+            <a:extLst>
+              <a:ext uri="{FF2B5EF4-FFF2-40B4-BE49-F238E27FC236}">
+                <a16:creationId xmlns:a16="http://schemas.microsoft.com/office/drawing/2014/main" id="{45F580DD-4820-4366-B285-A3120E0BCFA1}"/>
+              </a:ext>
+            </a:extLst>
+          </p:cNvPr>
+          <p:cNvSpPr txBox="1"/>
+          <p:nvPr/>
+        </p:nvSpPr>
+        <p:spPr>
+          <a:xfrm>
+            <a:off x="680720" y="787091"/>
+            <a:ext cx="3281680" cy="369332"/>
+          </a:xfrm>
+          <a:prstGeom prst="rect">
+            <a:avLst/>
+          </a:prstGeom>
+          <a:noFill/>
+        </p:spPr>
+        <p:txBody>
+          <a:bodyPr wrap="square" rtlCol="0">
+            <a:spAutoFit/>
+          </a:bodyPr>
+          <a:lstStyle/>
+          <a:p>
+            <a:r>
+              <a:rPr lang="en-US" altLang="ko-KR" dirty="0"/>
+              <a:t>&lt;Augmented Dickey-Fuller&gt;</a:t>
+            </a:r>
+            <a:endParaRPr lang="ko-KR" altLang="en-US" dirty="0"/>
+          </a:p>
+        </p:txBody>
+      </p:sp>
+      <p:sp>
+        <p:nvSpPr>
+          <p:cNvPr id="6" name="TextBox 5">
+            <a:extLst>
+              <a:ext uri="{FF2B5EF4-FFF2-40B4-BE49-F238E27FC236}">
+                <a16:creationId xmlns:a16="http://schemas.microsoft.com/office/drawing/2014/main" id="{ECA0962B-C8DB-4A7E-9305-C0888589128D}"/>
+              </a:ext>
+            </a:extLst>
+          </p:cNvPr>
+          <p:cNvSpPr txBox="1"/>
+          <p:nvPr/>
+        </p:nvSpPr>
+        <p:spPr>
+          <a:xfrm>
+            <a:off x="624840" y="1422022"/>
+            <a:ext cx="1742440" cy="369332"/>
+          </a:xfrm>
+          <a:prstGeom prst="rect">
+            <a:avLst/>
+          </a:prstGeom>
+          <a:noFill/>
+        </p:spPr>
+        <p:txBody>
+          <a:bodyPr wrap="square" rtlCol="0">
+            <a:spAutoFit/>
+          </a:bodyPr>
+          <a:lstStyle/>
+          <a:p>
+            <a:r>
+              <a:rPr lang="ko-KR" altLang="en-US" dirty="0"/>
+              <a:t>종가</a:t>
+            </a:r>
+            <a:r>
+              <a:rPr lang="en-US" altLang="ko-KR" dirty="0"/>
+              <a:t>_</a:t>
+            </a:r>
+            <a:r>
+              <a:rPr lang="ko-KR" altLang="en-US" dirty="0"/>
+              <a:t>로그</a:t>
+            </a:r>
+          </a:p>
+        </p:txBody>
+      </p:sp>
       <p:pic>
         <p:nvPicPr>
-          <p:cNvPr id="5" name="그림 4">
-            <a:extLst>
-              <a:ext uri="{FF2B5EF4-FFF2-40B4-BE49-F238E27FC236}">
-                <a16:creationId xmlns:a16="http://schemas.microsoft.com/office/drawing/2014/main" id="{937B739E-716E-4023-8373-27F7BE5BB5B2}"/>
+          <p:cNvPr id="8" name="그림 7">
+            <a:extLst>
+              <a:ext uri="{FF2B5EF4-FFF2-40B4-BE49-F238E27FC236}">
+                <a16:creationId xmlns:a16="http://schemas.microsoft.com/office/drawing/2014/main" id="{9417F4D0-092F-4C5B-8809-8D134CE09715}"/>
               </a:ext>
             </a:extLst>
           </p:cNvPr>
@@ -6814,8 +9824,8 @@
         </p:blipFill>
         <p:spPr>
           <a:xfrm>
-            <a:off x="5474277" y="1959029"/>
-            <a:ext cx="4838700" cy="2905125"/>
+            <a:off x="2843212" y="3857625"/>
+            <a:ext cx="6200775" cy="3000375"/>
           </a:xfrm>
           <a:prstGeom prst="rect">
             <a:avLst/>
@@ -6824,10 +9834,10 @@
       </p:pic>
       <p:sp>
         <p:nvSpPr>
-          <p:cNvPr id="6" name="직사각형 5">
-            <a:extLst>
-              <a:ext uri="{FF2B5EF4-FFF2-40B4-BE49-F238E27FC236}">
-                <a16:creationId xmlns:a16="http://schemas.microsoft.com/office/drawing/2014/main" id="{59DFFFF2-1F5E-4476-B1F4-3E2ECED524A5}"/>
+          <p:cNvPr id="9" name="직사각형 8">
+            <a:extLst>
+              <a:ext uri="{FF2B5EF4-FFF2-40B4-BE49-F238E27FC236}">
+                <a16:creationId xmlns:a16="http://schemas.microsoft.com/office/drawing/2014/main" id="{07ACDCF5-D30B-4512-996F-3171F93B5218}"/>
               </a:ext>
             </a:extLst>
           </p:cNvPr>
@@ -6836,8 +9846,8 @@
         </p:nvSpPr>
         <p:spPr>
           <a:xfrm>
-            <a:off x="5474277" y="3709555"/>
-            <a:ext cx="1342159" cy="226360"/>
+            <a:off x="3952240" y="5689381"/>
+            <a:ext cx="3345180" cy="241737"/>
           </a:xfrm>
           <a:prstGeom prst="rect">
             <a:avLst/>
@@ -6876,10 +9886,10 @@
       </p:sp>
       <p:sp>
         <p:nvSpPr>
-          <p:cNvPr id="7" name="TextBox 6">
-            <a:extLst>
-              <a:ext uri="{FF2B5EF4-FFF2-40B4-BE49-F238E27FC236}">
-                <a16:creationId xmlns:a16="http://schemas.microsoft.com/office/drawing/2014/main" id="{9D9891FF-39EE-49FB-92F3-16C7FCE6757E}"/>
+          <p:cNvPr id="11" name="TextBox 10">
+            <a:extLst>
+              <a:ext uri="{FF2B5EF4-FFF2-40B4-BE49-F238E27FC236}">
+                <a16:creationId xmlns:a16="http://schemas.microsoft.com/office/drawing/2014/main" id="{FD8F0E91-FFEE-468B-90C6-2804EC319D65}"/>
               </a:ext>
             </a:extLst>
           </p:cNvPr>
@@ -6888,7 +9898,7 @@
         </p:nvSpPr>
         <p:spPr>
           <a:xfrm>
-            <a:off x="6816436" y="3638069"/>
+            <a:off x="7297420" y="5625583"/>
             <a:ext cx="2331720" cy="369332"/>
           </a:xfrm>
           <a:prstGeom prst="rect">
@@ -6908,7 +9918,7 @@
                   <a:srgbClr val="FF0000"/>
                 </a:solidFill>
               </a:rPr>
-              <a:t>&lt; 0.05 (</a:t>
+              <a:t>&gt; 0.05 (</a:t>
             </a:r>
             <a:r>
               <a:rPr lang="ko-KR" altLang="en-US" dirty="0">
@@ -6937,1754 +9947,7 @@
     </p:spTree>
     <p:extLst>
       <p:ext uri="{BB962C8B-B14F-4D97-AF65-F5344CB8AC3E}">
-        <p14:creationId xmlns:p14="http://schemas.microsoft.com/office/powerpoint/2010/main" val="4263018868"/>
-      </p:ext>
-    </p:extLst>
-  </p:cSld>
-  <p:clrMapOvr>
-    <a:masterClrMapping/>
-  </p:clrMapOvr>
-</p:sld>
-</file>
-
-<file path=ppt/slides/slide2.xml><?xml version="1.0" encoding="utf-8"?>
-<p:sld xmlns:a="http://schemas.openxmlformats.org/drawingml/2006/main" xmlns:r="http://schemas.openxmlformats.org/officeDocument/2006/relationships" xmlns:p="http://schemas.openxmlformats.org/presentationml/2006/main">
-  <p:cSld>
-    <p:spTree>
-      <p:nvGrpSpPr>
-        <p:cNvPr id="1" name=""/>
-        <p:cNvGrpSpPr/>
-        <p:nvPr/>
-      </p:nvGrpSpPr>
-      <p:grpSpPr>
-        <a:xfrm>
-          <a:off x="0" y="0"/>
-          <a:ext cx="0" cy="0"/>
-          <a:chOff x="0" y="0"/>
-          <a:chExt cx="0" cy="0"/>
-        </a:xfrm>
-      </p:grpSpPr>
-      <p:sp>
-        <p:nvSpPr>
-          <p:cNvPr id="2" name="TextBox 1">
-            <a:extLst>
-              <a:ext uri="{FF2B5EF4-FFF2-40B4-BE49-F238E27FC236}">
-                <a16:creationId xmlns:a16="http://schemas.microsoft.com/office/drawing/2014/main" id="{BD3CE153-24AD-4C84-A0EB-BA07D26825E3}"/>
-              </a:ext>
-            </a:extLst>
-          </p:cNvPr>
-          <p:cNvSpPr txBox="1"/>
-          <p:nvPr/>
-        </p:nvSpPr>
-        <p:spPr>
-          <a:xfrm>
-            <a:off x="703385" y="677008"/>
-            <a:ext cx="4835769" cy="369332"/>
-          </a:xfrm>
-          <a:prstGeom prst="rect">
-            <a:avLst/>
-          </a:prstGeom>
-          <a:noFill/>
-        </p:spPr>
-        <p:txBody>
-          <a:bodyPr wrap="square" rtlCol="0">
-            <a:spAutoFit/>
-          </a:bodyPr>
-          <a:lstStyle/>
-          <a:p>
-            <a:r>
-              <a:rPr lang="en-US" altLang="ko-KR" dirty="0"/>
-              <a:t>1) AR(Auto Regressive)</a:t>
-            </a:r>
-            <a:r>
-              <a:rPr lang="ko-KR" altLang="en-US" dirty="0"/>
-              <a:t>모형</a:t>
-            </a:r>
-            <a:r>
-              <a:rPr lang="en-US" altLang="ko-KR" dirty="0"/>
-              <a:t>?</a:t>
-            </a:r>
-            <a:endParaRPr lang="ko-KR" altLang="en-US" dirty="0"/>
-          </a:p>
-        </p:txBody>
-      </p:sp>
-      <p:pic>
-        <p:nvPicPr>
-          <p:cNvPr id="1026" name="Picture 2" descr="19. AR(1) 모형 (Autoregressive Model) : 네이버 블로그">
-            <a:extLst>
-              <a:ext uri="{FF2B5EF4-FFF2-40B4-BE49-F238E27FC236}">
-                <a16:creationId xmlns:a16="http://schemas.microsoft.com/office/drawing/2014/main" id="{3427D855-5EB9-451B-A837-70644574AC05}"/>
-              </a:ext>
-            </a:extLst>
-          </p:cNvPr>
-          <p:cNvPicPr>
-            <a:picLocks noChangeAspect="1" noChangeArrowheads="1"/>
-          </p:cNvPicPr>
-          <p:nvPr/>
-        </p:nvPicPr>
-        <p:blipFill>
-          <a:blip r:embed="rId2">
-            <a:extLst>
-              <a:ext uri="{28A0092B-C50C-407E-A947-70E740481C1C}">
-                <a14:useLocalDpi xmlns:a14="http://schemas.microsoft.com/office/drawing/2010/main" val="0"/>
-              </a:ext>
-            </a:extLst>
-          </a:blip>
-          <a:srcRect/>
-          <a:stretch>
-            <a:fillRect/>
-          </a:stretch>
-        </p:blipFill>
-        <p:spPr bwMode="auto">
-          <a:xfrm>
-            <a:off x="1729154" y="5319922"/>
-            <a:ext cx="6688824" cy="1423988"/>
-          </a:xfrm>
-          <a:prstGeom prst="rect">
-            <a:avLst/>
-          </a:prstGeom>
-          <a:noFill/>
-          <a:extLst>
-            <a:ext uri="{909E8E84-426E-40DD-AFC4-6F175D3DCCD1}">
-              <a14:hiddenFill xmlns:a14="http://schemas.microsoft.com/office/drawing/2010/main">
-                <a:solidFill>
-                  <a:srgbClr val="FFFFFF"/>
-                </a:solidFill>
-              </a14:hiddenFill>
-            </a:ext>
-          </a:extLst>
-        </p:spPr>
-      </p:pic>
-      <p:pic>
-        <p:nvPicPr>
-          <p:cNvPr id="1028" name="Picture 4" descr="ADP 대비] 4장_4절 통계분석_시계열 분석 part3_시계열모형">
-            <a:extLst>
-              <a:ext uri="{FF2B5EF4-FFF2-40B4-BE49-F238E27FC236}">
-                <a16:creationId xmlns:a16="http://schemas.microsoft.com/office/drawing/2014/main" id="{0BFF58B8-F791-4FE3-B159-E08AF4D6D788}"/>
-              </a:ext>
-            </a:extLst>
-          </p:cNvPr>
-          <p:cNvPicPr>
-            <a:picLocks noChangeAspect="1" noChangeArrowheads="1"/>
-          </p:cNvPicPr>
-          <p:nvPr/>
-        </p:nvPicPr>
-        <p:blipFill>
-          <a:blip r:embed="rId3">
-            <a:extLst>
-              <a:ext uri="{28A0092B-C50C-407E-A947-70E740481C1C}">
-                <a14:useLocalDpi xmlns:a14="http://schemas.microsoft.com/office/drawing/2010/main" val="0"/>
-              </a:ext>
-            </a:extLst>
-          </a:blip>
-          <a:srcRect/>
-          <a:stretch>
-            <a:fillRect/>
-          </a:stretch>
-        </p:blipFill>
-        <p:spPr bwMode="auto">
-          <a:xfrm>
-            <a:off x="1729154" y="2114550"/>
-            <a:ext cx="7620000" cy="2457450"/>
-          </a:xfrm>
-          <a:prstGeom prst="rect">
-            <a:avLst/>
-          </a:prstGeom>
-          <a:noFill/>
-          <a:extLst>
-            <a:ext uri="{909E8E84-426E-40DD-AFC4-6F175D3DCCD1}">
-              <a14:hiddenFill xmlns:a14="http://schemas.microsoft.com/office/drawing/2010/main">
-                <a:solidFill>
-                  <a:srgbClr val="FFFFFF"/>
-                </a:solidFill>
-              </a14:hiddenFill>
-            </a:ext>
-          </a:extLst>
-        </p:spPr>
-      </p:pic>
-      <p:sp>
-        <p:nvSpPr>
-          <p:cNvPr id="6" name="TextBox 5">
-            <a:extLst>
-              <a:ext uri="{FF2B5EF4-FFF2-40B4-BE49-F238E27FC236}">
-                <a16:creationId xmlns:a16="http://schemas.microsoft.com/office/drawing/2014/main" id="{B90F2E93-7E5F-4E8B-B745-C460DD5061FE}"/>
-              </a:ext>
-            </a:extLst>
-          </p:cNvPr>
-          <p:cNvSpPr txBox="1"/>
-          <p:nvPr/>
-        </p:nvSpPr>
-        <p:spPr>
-          <a:xfrm>
-            <a:off x="841130" y="1275408"/>
-            <a:ext cx="6096000" cy="369332"/>
-          </a:xfrm>
-          <a:prstGeom prst="rect">
-            <a:avLst/>
-          </a:prstGeom>
-          <a:noFill/>
-        </p:spPr>
-        <p:txBody>
-          <a:bodyPr wrap="square">
-            <a:spAutoFit/>
-          </a:bodyPr>
-          <a:lstStyle/>
-          <a:p>
-            <a:r>
-              <a:rPr lang="ko-KR" altLang="en-US" dirty="0"/>
-              <a:t>전제 : 과거의 값은 현재의 값에 영향을 미친다</a:t>
-            </a:r>
-          </a:p>
-        </p:txBody>
-      </p:sp>
-      <p:sp>
-        <p:nvSpPr>
-          <p:cNvPr id="4" name="TextBox 3">
-            <a:extLst>
-              <a:ext uri="{FF2B5EF4-FFF2-40B4-BE49-F238E27FC236}">
-                <a16:creationId xmlns:a16="http://schemas.microsoft.com/office/drawing/2014/main" id="{2EF10B08-483A-4ABB-88BC-09632DC7AA22}"/>
-              </a:ext>
-            </a:extLst>
-          </p:cNvPr>
-          <p:cNvSpPr txBox="1"/>
-          <p:nvPr/>
-        </p:nvSpPr>
-        <p:spPr>
-          <a:xfrm>
-            <a:off x="9588744" y="2839649"/>
-            <a:ext cx="1748204" cy="369332"/>
-          </a:xfrm>
-          <a:prstGeom prst="rect">
-            <a:avLst/>
-          </a:prstGeom>
-          <a:noFill/>
-        </p:spPr>
-        <p:txBody>
-          <a:bodyPr wrap="square" rtlCol="0">
-            <a:spAutoFit/>
-          </a:bodyPr>
-          <a:lstStyle/>
-          <a:p>
-            <a:r>
-              <a:rPr lang="en-US" altLang="ko-KR" dirty="0"/>
-              <a:t>P(</a:t>
-            </a:r>
-            <a:r>
-              <a:rPr lang="ko-KR" altLang="en-US" dirty="0"/>
-              <a:t>시점</a:t>
-            </a:r>
-            <a:r>
-              <a:rPr lang="en-US" altLang="ko-KR" dirty="0"/>
-              <a:t>)?</a:t>
-            </a:r>
-            <a:endParaRPr lang="ko-KR" altLang="en-US" dirty="0"/>
-          </a:p>
-        </p:txBody>
-      </p:sp>
-      <p:pic>
-        <p:nvPicPr>
-          <p:cNvPr id="1030" name="Picture 6" descr="Image for post">
-            <a:extLst>
-              <a:ext uri="{FF2B5EF4-FFF2-40B4-BE49-F238E27FC236}">
-                <a16:creationId xmlns:a16="http://schemas.microsoft.com/office/drawing/2014/main" id="{E37CA68B-4470-4EC5-A367-3508A6D4D2B8}"/>
-              </a:ext>
-            </a:extLst>
-          </p:cNvPr>
-          <p:cNvPicPr>
-            <a:picLocks noChangeAspect="1" noChangeArrowheads="1"/>
-          </p:cNvPicPr>
-          <p:nvPr/>
-        </p:nvPicPr>
-        <p:blipFill>
-          <a:blip r:embed="rId4">
-            <a:extLst>
-              <a:ext uri="{28A0092B-C50C-407E-A947-70E740481C1C}">
-                <a14:useLocalDpi xmlns:a14="http://schemas.microsoft.com/office/drawing/2010/main" val="0"/>
-              </a:ext>
-            </a:extLst>
-          </a:blip>
-          <a:srcRect/>
-          <a:stretch>
-            <a:fillRect/>
-          </a:stretch>
-        </p:blipFill>
-        <p:spPr bwMode="auto">
-          <a:xfrm>
-            <a:off x="1902726" y="1674990"/>
-            <a:ext cx="3676650" cy="371475"/>
-          </a:xfrm>
-          <a:prstGeom prst="rect">
-            <a:avLst/>
-          </a:prstGeom>
-          <a:noFill/>
-          <a:extLst>
-            <a:ext uri="{909E8E84-426E-40DD-AFC4-6F175D3DCCD1}">
-              <a14:hiddenFill xmlns:a14="http://schemas.microsoft.com/office/drawing/2010/main">
-                <a:solidFill>
-                  <a:srgbClr val="FFFFFF"/>
-                </a:solidFill>
-              </a14:hiddenFill>
-            </a:ext>
-          </a:extLst>
-        </p:spPr>
-      </p:pic>
-      <p:sp>
-        <p:nvSpPr>
-          <p:cNvPr id="9" name="TextBox 8">
-            <a:extLst>
-              <a:ext uri="{FF2B5EF4-FFF2-40B4-BE49-F238E27FC236}">
-                <a16:creationId xmlns:a16="http://schemas.microsoft.com/office/drawing/2014/main" id="{86371A78-EF32-44A8-96FA-13D4F1E6846A}"/>
-              </a:ext>
-            </a:extLst>
-          </p:cNvPr>
-          <p:cNvSpPr txBox="1"/>
-          <p:nvPr/>
-        </p:nvSpPr>
-        <p:spPr>
-          <a:xfrm>
-            <a:off x="8708780" y="4110335"/>
-            <a:ext cx="3508131" cy="923330"/>
-          </a:xfrm>
-          <a:prstGeom prst="rect">
-            <a:avLst/>
-          </a:prstGeom>
-          <a:noFill/>
-        </p:spPr>
-        <p:txBody>
-          <a:bodyPr wrap="square" rtlCol="0">
-            <a:spAutoFit/>
-          </a:bodyPr>
-          <a:lstStyle/>
-          <a:p>
-            <a:r>
-              <a:rPr lang="en-US" altLang="ko-KR" dirty="0"/>
-              <a:t>-</a:t>
-            </a:r>
-            <a:r>
-              <a:rPr lang="ko-KR" altLang="en-US" dirty="0"/>
-              <a:t>특정 시점에서의 시계열 값</a:t>
-            </a:r>
-            <a:endParaRPr lang="en-US" altLang="ko-KR" dirty="0"/>
-          </a:p>
-          <a:p>
-            <a:r>
-              <a:rPr lang="en-US" altLang="ko-KR" dirty="0"/>
-              <a:t>-</a:t>
-            </a:r>
-            <a:r>
-              <a:rPr lang="ko-KR" altLang="en-US" dirty="0" err="1"/>
-              <a:t>상수항</a:t>
-            </a:r>
-            <a:endParaRPr lang="en-US" altLang="ko-KR" dirty="0"/>
-          </a:p>
-          <a:p>
-            <a:r>
-              <a:rPr lang="en-US" altLang="ko-KR" dirty="0"/>
-              <a:t>-</a:t>
-            </a:r>
-            <a:r>
-              <a:rPr lang="ko-KR" altLang="en-US" dirty="0" err="1"/>
-              <a:t>오차항</a:t>
-            </a:r>
-            <a:r>
-              <a:rPr lang="en-US" altLang="ko-KR" dirty="0"/>
-              <a:t>(</a:t>
-            </a:r>
-            <a:r>
-              <a:rPr lang="ko-KR" altLang="en-US" dirty="0" err="1"/>
-              <a:t>잔차</a:t>
-            </a:r>
-            <a:r>
-              <a:rPr lang="en-US" altLang="ko-KR" dirty="0"/>
-              <a:t>)</a:t>
-            </a:r>
-            <a:endParaRPr lang="ko-KR" altLang="en-US" dirty="0"/>
-          </a:p>
-        </p:txBody>
-      </p:sp>
-      <p:pic>
-        <p:nvPicPr>
-          <p:cNvPr id="1032" name="Picture 8">
-            <a:extLst>
-              <a:ext uri="{FF2B5EF4-FFF2-40B4-BE49-F238E27FC236}">
-                <a16:creationId xmlns:a16="http://schemas.microsoft.com/office/drawing/2014/main" id="{1C5796D5-FF76-45CC-986D-D9B717209624}"/>
-              </a:ext>
-            </a:extLst>
-          </p:cNvPr>
-          <p:cNvPicPr>
-            <a:picLocks noChangeAspect="1" noChangeArrowheads="1"/>
-          </p:cNvPicPr>
-          <p:nvPr/>
-        </p:nvPicPr>
-        <p:blipFill>
-          <a:blip r:embed="rId5">
-            <a:extLst>
-              <a:ext uri="{28A0092B-C50C-407E-A947-70E740481C1C}">
-                <a14:useLocalDpi xmlns:a14="http://schemas.microsoft.com/office/drawing/2010/main" val="0"/>
-              </a:ext>
-            </a:extLst>
-          </a:blip>
-          <a:srcRect/>
-          <a:stretch>
-            <a:fillRect/>
-          </a:stretch>
-        </p:blipFill>
-        <p:spPr bwMode="auto">
-          <a:xfrm>
-            <a:off x="5951293" y="1669440"/>
-            <a:ext cx="2295525" cy="485775"/>
-          </a:xfrm>
-          <a:prstGeom prst="rect">
-            <a:avLst/>
-          </a:prstGeom>
-          <a:noFill/>
-          <a:extLst>
-            <a:ext uri="{909E8E84-426E-40DD-AFC4-6F175D3DCCD1}">
-              <a14:hiddenFill xmlns:a14="http://schemas.microsoft.com/office/drawing/2010/main">
-                <a:solidFill>
-                  <a:srgbClr val="FFFFFF"/>
-                </a:solidFill>
-              </a14:hiddenFill>
-            </a:ext>
-          </a:extLst>
-        </p:spPr>
-      </p:pic>
-    </p:spTree>
-    <p:extLst>
-      <p:ext uri="{BB962C8B-B14F-4D97-AF65-F5344CB8AC3E}">
-        <p14:creationId xmlns:p14="http://schemas.microsoft.com/office/powerpoint/2010/main" val="137979709"/>
-      </p:ext>
-    </p:extLst>
-  </p:cSld>
-  <p:clrMapOvr>
-    <a:masterClrMapping/>
-  </p:clrMapOvr>
-</p:sld>
-</file>
-
-<file path=ppt/slides/slide20.xml><?xml version="1.0" encoding="utf-8"?>
-<p:sld xmlns:a="http://schemas.openxmlformats.org/drawingml/2006/main" xmlns:r="http://schemas.openxmlformats.org/officeDocument/2006/relationships" xmlns:p="http://schemas.openxmlformats.org/presentationml/2006/main">
-  <p:cSld>
-    <p:spTree>
-      <p:nvGrpSpPr>
-        <p:cNvPr id="1" name=""/>
-        <p:cNvGrpSpPr/>
-        <p:nvPr/>
-      </p:nvGrpSpPr>
-      <p:grpSpPr>
-        <a:xfrm>
-          <a:off x="0" y="0"/>
-          <a:ext cx="0" cy="0"/>
-          <a:chOff x="0" y="0"/>
-          <a:chExt cx="0" cy="0"/>
-        </a:xfrm>
-      </p:grpSpPr>
-      <p:sp>
-        <p:nvSpPr>
-          <p:cNvPr id="2" name="TextBox 1">
-            <a:extLst>
-              <a:ext uri="{FF2B5EF4-FFF2-40B4-BE49-F238E27FC236}">
-                <a16:creationId xmlns:a16="http://schemas.microsoft.com/office/drawing/2014/main" id="{B34FA82C-8995-4533-928E-B12A9AF451F5}"/>
-              </a:ext>
-            </a:extLst>
-          </p:cNvPr>
-          <p:cNvSpPr txBox="1"/>
-          <p:nvPr/>
-        </p:nvSpPr>
-        <p:spPr>
-          <a:xfrm>
-            <a:off x="2865609" y="288778"/>
-            <a:ext cx="1138897" cy="369332"/>
-          </a:xfrm>
-          <a:prstGeom prst="rect">
-            <a:avLst/>
-          </a:prstGeom>
-          <a:noFill/>
-        </p:spPr>
-        <p:txBody>
-          <a:bodyPr wrap="square" rtlCol="0">
-            <a:spAutoFit/>
-          </a:bodyPr>
-          <a:lstStyle/>
-          <a:p>
-            <a:r>
-              <a:rPr lang="en-US" altLang="ko-KR" dirty="0"/>
-              <a:t>ACF</a:t>
-            </a:r>
-            <a:endParaRPr lang="ko-KR" altLang="en-US" dirty="0"/>
-          </a:p>
-        </p:txBody>
-      </p:sp>
-      <p:sp>
-        <p:nvSpPr>
-          <p:cNvPr id="3" name="TextBox 2">
-            <a:extLst>
-              <a:ext uri="{FF2B5EF4-FFF2-40B4-BE49-F238E27FC236}">
-                <a16:creationId xmlns:a16="http://schemas.microsoft.com/office/drawing/2014/main" id="{A8B629A5-015B-4DF1-AA47-F77C4B9E80B3}"/>
-              </a:ext>
-            </a:extLst>
-          </p:cNvPr>
-          <p:cNvSpPr txBox="1"/>
-          <p:nvPr/>
-        </p:nvSpPr>
-        <p:spPr>
-          <a:xfrm>
-            <a:off x="8716303" y="288778"/>
-            <a:ext cx="1230337" cy="369332"/>
-          </a:xfrm>
-          <a:prstGeom prst="rect">
-            <a:avLst/>
-          </a:prstGeom>
-          <a:noFill/>
-        </p:spPr>
-        <p:txBody>
-          <a:bodyPr wrap="square" rtlCol="0">
-            <a:spAutoFit/>
-          </a:bodyPr>
-          <a:lstStyle/>
-          <a:p>
-            <a:r>
-              <a:rPr lang="en-US" altLang="ko-KR" dirty="0"/>
-              <a:t>PACF</a:t>
-            </a:r>
-            <a:endParaRPr lang="ko-KR" altLang="en-US" dirty="0"/>
-          </a:p>
-        </p:txBody>
-      </p:sp>
-      <p:sp>
-        <p:nvSpPr>
-          <p:cNvPr id="4" name="TextBox 3">
-            <a:extLst>
-              <a:ext uri="{FF2B5EF4-FFF2-40B4-BE49-F238E27FC236}">
-                <a16:creationId xmlns:a16="http://schemas.microsoft.com/office/drawing/2014/main" id="{1480502D-CD17-4A06-9A77-70F882024BDA}"/>
-              </a:ext>
-            </a:extLst>
-          </p:cNvPr>
-          <p:cNvSpPr txBox="1"/>
-          <p:nvPr/>
-        </p:nvSpPr>
-        <p:spPr>
-          <a:xfrm>
-            <a:off x="91123" y="288778"/>
-            <a:ext cx="1879600" cy="369332"/>
-          </a:xfrm>
-          <a:prstGeom prst="rect">
-            <a:avLst/>
-          </a:prstGeom>
-          <a:noFill/>
-        </p:spPr>
-        <p:txBody>
-          <a:bodyPr wrap="square" rtlCol="0">
-            <a:spAutoFit/>
-          </a:bodyPr>
-          <a:lstStyle/>
-          <a:p>
-            <a:r>
-              <a:rPr lang="en-US" altLang="ko-KR" dirty="0"/>
-              <a:t>&lt;</a:t>
-            </a:r>
-            <a:r>
-              <a:rPr lang="ko-KR" altLang="en-US" dirty="0"/>
-              <a:t>종가</a:t>
-            </a:r>
-            <a:r>
-              <a:rPr lang="en-US" altLang="ko-KR" dirty="0"/>
-              <a:t>&gt;</a:t>
-            </a:r>
-            <a:endParaRPr lang="ko-KR" altLang="en-US" dirty="0"/>
-          </a:p>
-        </p:txBody>
-      </p:sp>
-      <p:pic>
-        <p:nvPicPr>
-          <p:cNvPr id="6158" name="Picture 14">
-            <a:extLst>
-              <a:ext uri="{FF2B5EF4-FFF2-40B4-BE49-F238E27FC236}">
-                <a16:creationId xmlns:a16="http://schemas.microsoft.com/office/drawing/2014/main" id="{4DF6B919-EE09-4C1D-8F19-E1B29D3B2892}"/>
-              </a:ext>
-            </a:extLst>
-          </p:cNvPr>
-          <p:cNvPicPr>
-            <a:picLocks noChangeAspect="1" noChangeArrowheads="1"/>
-          </p:cNvPicPr>
-          <p:nvPr/>
-        </p:nvPicPr>
-        <p:blipFill>
-          <a:blip r:embed="rId2">
-            <a:extLst>
-              <a:ext uri="{28A0092B-C50C-407E-A947-70E740481C1C}">
-                <a14:useLocalDpi xmlns:a14="http://schemas.microsoft.com/office/drawing/2010/main" val="0"/>
-              </a:ext>
-            </a:extLst>
-          </a:blip>
-          <a:srcRect/>
-          <a:stretch>
-            <a:fillRect/>
-          </a:stretch>
-        </p:blipFill>
-        <p:spPr bwMode="auto">
-          <a:xfrm>
-            <a:off x="668020" y="557750"/>
-            <a:ext cx="4963256" cy="2766680"/>
-          </a:xfrm>
-          <a:prstGeom prst="rect">
-            <a:avLst/>
-          </a:prstGeom>
-          <a:noFill/>
-          <a:extLst>
-            <a:ext uri="{909E8E84-426E-40DD-AFC4-6F175D3DCCD1}">
-              <a14:hiddenFill xmlns:a14="http://schemas.microsoft.com/office/drawing/2010/main">
-                <a:solidFill>
-                  <a:srgbClr val="FFFFFF"/>
-                </a:solidFill>
-              </a14:hiddenFill>
-            </a:ext>
-          </a:extLst>
-        </p:spPr>
-      </p:pic>
-      <p:pic>
-        <p:nvPicPr>
-          <p:cNvPr id="6160" name="Picture 16">
-            <a:extLst>
-              <a:ext uri="{FF2B5EF4-FFF2-40B4-BE49-F238E27FC236}">
-                <a16:creationId xmlns:a16="http://schemas.microsoft.com/office/drawing/2014/main" id="{8050E6AB-CD32-4832-B8D3-0D069168B963}"/>
-              </a:ext>
-            </a:extLst>
-          </p:cNvPr>
-          <p:cNvPicPr>
-            <a:picLocks noChangeAspect="1" noChangeArrowheads="1"/>
-          </p:cNvPicPr>
-          <p:nvPr/>
-        </p:nvPicPr>
-        <p:blipFill>
-          <a:blip r:embed="rId3">
-            <a:extLst>
-              <a:ext uri="{28A0092B-C50C-407E-A947-70E740481C1C}">
-                <a14:useLocalDpi xmlns:a14="http://schemas.microsoft.com/office/drawing/2010/main" val="0"/>
-              </a:ext>
-            </a:extLst>
-          </a:blip>
-          <a:srcRect/>
-          <a:stretch>
-            <a:fillRect/>
-          </a:stretch>
-        </p:blipFill>
-        <p:spPr bwMode="auto">
-          <a:xfrm>
-            <a:off x="6373445" y="557750"/>
-            <a:ext cx="5140643" cy="2888330"/>
-          </a:xfrm>
-          <a:prstGeom prst="rect">
-            <a:avLst/>
-          </a:prstGeom>
-          <a:noFill/>
-          <a:extLst>
-            <a:ext uri="{909E8E84-426E-40DD-AFC4-6F175D3DCCD1}">
-              <a14:hiddenFill xmlns:a14="http://schemas.microsoft.com/office/drawing/2010/main">
-                <a:solidFill>
-                  <a:srgbClr val="FFFFFF"/>
-                </a:solidFill>
-              </a14:hiddenFill>
-            </a:ext>
-          </a:extLst>
-        </p:spPr>
-      </p:pic>
-      <p:sp>
-        <p:nvSpPr>
-          <p:cNvPr id="5" name="TextBox 4">
-            <a:extLst>
-              <a:ext uri="{FF2B5EF4-FFF2-40B4-BE49-F238E27FC236}">
-                <a16:creationId xmlns:a16="http://schemas.microsoft.com/office/drawing/2014/main" id="{A2CE8E46-1C76-4E04-90C2-1058F15B3007}"/>
-              </a:ext>
-            </a:extLst>
-          </p:cNvPr>
-          <p:cNvSpPr txBox="1"/>
-          <p:nvPr/>
-        </p:nvSpPr>
-        <p:spPr>
-          <a:xfrm>
-            <a:off x="2814296" y="3833622"/>
-            <a:ext cx="1138897" cy="369332"/>
-          </a:xfrm>
-          <a:prstGeom prst="rect">
-            <a:avLst/>
-          </a:prstGeom>
-          <a:noFill/>
-        </p:spPr>
-        <p:txBody>
-          <a:bodyPr wrap="square" rtlCol="0">
-            <a:spAutoFit/>
-          </a:bodyPr>
-          <a:lstStyle/>
-          <a:p>
-            <a:r>
-              <a:rPr lang="en-US" altLang="ko-KR" dirty="0"/>
-              <a:t>ACF</a:t>
-            </a:r>
-            <a:endParaRPr lang="ko-KR" altLang="en-US" dirty="0"/>
-          </a:p>
-        </p:txBody>
-      </p:sp>
-      <p:sp>
-        <p:nvSpPr>
-          <p:cNvPr id="6" name="TextBox 5">
-            <a:extLst>
-              <a:ext uri="{FF2B5EF4-FFF2-40B4-BE49-F238E27FC236}">
-                <a16:creationId xmlns:a16="http://schemas.microsoft.com/office/drawing/2014/main" id="{C882AB7B-3A67-44D8-B52E-8CB20443E3C3}"/>
-              </a:ext>
-            </a:extLst>
-          </p:cNvPr>
-          <p:cNvSpPr txBox="1"/>
-          <p:nvPr/>
-        </p:nvSpPr>
-        <p:spPr>
-          <a:xfrm>
-            <a:off x="8483136" y="3833622"/>
-            <a:ext cx="1230337" cy="369332"/>
-          </a:xfrm>
-          <a:prstGeom prst="rect">
-            <a:avLst/>
-          </a:prstGeom>
-          <a:noFill/>
-        </p:spPr>
-        <p:txBody>
-          <a:bodyPr wrap="square" rtlCol="0">
-            <a:spAutoFit/>
-          </a:bodyPr>
-          <a:lstStyle/>
-          <a:p>
-            <a:r>
-              <a:rPr lang="en-US" altLang="ko-KR" dirty="0"/>
-              <a:t>PACF</a:t>
-            </a:r>
-            <a:endParaRPr lang="ko-KR" altLang="en-US" dirty="0"/>
-          </a:p>
-        </p:txBody>
-      </p:sp>
-      <p:sp>
-        <p:nvSpPr>
-          <p:cNvPr id="7" name="TextBox 6">
-            <a:extLst>
-              <a:ext uri="{FF2B5EF4-FFF2-40B4-BE49-F238E27FC236}">
-                <a16:creationId xmlns:a16="http://schemas.microsoft.com/office/drawing/2014/main" id="{A816BCE0-73D5-4A07-8C80-F73C13EFB687}"/>
-              </a:ext>
-            </a:extLst>
-          </p:cNvPr>
-          <p:cNvSpPr txBox="1"/>
-          <p:nvPr/>
-        </p:nvSpPr>
-        <p:spPr>
-          <a:xfrm>
-            <a:off x="19807" y="3815412"/>
-            <a:ext cx="2458720" cy="369332"/>
-          </a:xfrm>
-          <a:prstGeom prst="rect">
-            <a:avLst/>
-          </a:prstGeom>
-          <a:noFill/>
-        </p:spPr>
-        <p:txBody>
-          <a:bodyPr wrap="square" rtlCol="0">
-            <a:spAutoFit/>
-          </a:bodyPr>
-          <a:lstStyle/>
-          <a:p>
-            <a:r>
-              <a:rPr lang="en-US" altLang="ko-KR" dirty="0"/>
-              <a:t>&lt;</a:t>
-            </a:r>
-            <a:r>
-              <a:rPr lang="ko-KR" altLang="en-US" dirty="0"/>
-              <a:t>종가</a:t>
-            </a:r>
-            <a:r>
-              <a:rPr lang="en-US" altLang="ko-KR" dirty="0"/>
-              <a:t>_log&gt;</a:t>
-            </a:r>
-            <a:endParaRPr lang="ko-KR" altLang="en-US" dirty="0"/>
-          </a:p>
-        </p:txBody>
-      </p:sp>
-      <p:pic>
-        <p:nvPicPr>
-          <p:cNvPr id="8" name="Picture 4">
-            <a:extLst>
-              <a:ext uri="{FF2B5EF4-FFF2-40B4-BE49-F238E27FC236}">
-                <a16:creationId xmlns:a16="http://schemas.microsoft.com/office/drawing/2014/main" id="{0361616F-E430-4722-AE6D-8E2E235236CF}"/>
-              </a:ext>
-            </a:extLst>
-          </p:cNvPr>
-          <p:cNvPicPr>
-            <a:picLocks noChangeAspect="1" noChangeArrowheads="1"/>
-          </p:cNvPicPr>
-          <p:nvPr/>
-        </p:nvPicPr>
-        <p:blipFill>
-          <a:blip r:embed="rId4">
-            <a:extLst>
-              <a:ext uri="{28A0092B-C50C-407E-A947-70E740481C1C}">
-                <a14:useLocalDpi xmlns:a14="http://schemas.microsoft.com/office/drawing/2010/main" val="0"/>
-              </a:ext>
-            </a:extLst>
-          </a:blip>
-          <a:srcRect/>
-          <a:stretch>
-            <a:fillRect/>
-          </a:stretch>
-        </p:blipFill>
-        <p:spPr bwMode="auto">
-          <a:xfrm>
-            <a:off x="91123" y="4202954"/>
-            <a:ext cx="5842317" cy="2478104"/>
-          </a:xfrm>
-          <a:prstGeom prst="rect">
-            <a:avLst/>
-          </a:prstGeom>
-          <a:noFill/>
-          <a:extLst>
-            <a:ext uri="{909E8E84-426E-40DD-AFC4-6F175D3DCCD1}">
-              <a14:hiddenFill xmlns:a14="http://schemas.microsoft.com/office/drawing/2010/main">
-                <a:solidFill>
-                  <a:srgbClr val="FFFFFF"/>
-                </a:solidFill>
-              </a14:hiddenFill>
-            </a:ext>
-          </a:extLst>
-        </p:spPr>
-      </p:pic>
-      <p:pic>
-        <p:nvPicPr>
-          <p:cNvPr id="12" name="Picture 6">
-            <a:extLst>
-              <a:ext uri="{FF2B5EF4-FFF2-40B4-BE49-F238E27FC236}">
-                <a16:creationId xmlns:a16="http://schemas.microsoft.com/office/drawing/2014/main" id="{96BBFCDA-09FF-4EA3-9E06-77742E24B128}"/>
-              </a:ext>
-            </a:extLst>
-          </p:cNvPr>
-          <p:cNvPicPr>
-            <a:picLocks noChangeAspect="1" noChangeArrowheads="1"/>
-          </p:cNvPicPr>
-          <p:nvPr/>
-        </p:nvPicPr>
-        <p:blipFill>
-          <a:blip r:embed="rId5">
-            <a:extLst>
-              <a:ext uri="{28A0092B-C50C-407E-A947-70E740481C1C}">
-                <a14:useLocalDpi xmlns:a14="http://schemas.microsoft.com/office/drawing/2010/main" val="0"/>
-              </a:ext>
-            </a:extLst>
-          </a:blip>
-          <a:srcRect/>
-          <a:stretch>
-            <a:fillRect/>
-          </a:stretch>
-        </p:blipFill>
-        <p:spPr bwMode="auto">
-          <a:xfrm>
-            <a:off x="5933440" y="4202954"/>
-            <a:ext cx="5707380" cy="2435477"/>
-          </a:xfrm>
-          <a:prstGeom prst="rect">
-            <a:avLst/>
-          </a:prstGeom>
-          <a:noFill/>
-          <a:extLst>
-            <a:ext uri="{909E8E84-426E-40DD-AFC4-6F175D3DCCD1}">
-              <a14:hiddenFill xmlns:a14="http://schemas.microsoft.com/office/drawing/2010/main">
-                <a:solidFill>
-                  <a:srgbClr val="FFFFFF"/>
-                </a:solidFill>
-              </a14:hiddenFill>
-            </a:ext>
-          </a:extLst>
-        </p:spPr>
-      </p:pic>
-    </p:spTree>
-    <p:extLst>
-      <p:ext uri="{BB962C8B-B14F-4D97-AF65-F5344CB8AC3E}">
-        <p14:creationId xmlns:p14="http://schemas.microsoft.com/office/powerpoint/2010/main" val="3837666298"/>
-      </p:ext>
-    </p:extLst>
-  </p:cSld>
-  <p:clrMapOvr>
-    <a:masterClrMapping/>
-  </p:clrMapOvr>
-</p:sld>
-</file>
-
-<file path=ppt/slides/slide21.xml><?xml version="1.0" encoding="utf-8"?>
-<p:sld xmlns:a="http://schemas.openxmlformats.org/drawingml/2006/main" xmlns:r="http://schemas.openxmlformats.org/officeDocument/2006/relationships" xmlns:p="http://schemas.openxmlformats.org/presentationml/2006/main">
-  <p:cSld>
-    <p:spTree>
-      <p:nvGrpSpPr>
-        <p:cNvPr id="1" name=""/>
-        <p:cNvGrpSpPr/>
-        <p:nvPr/>
-      </p:nvGrpSpPr>
-      <p:grpSpPr>
-        <a:xfrm>
-          <a:off x="0" y="0"/>
-          <a:ext cx="0" cy="0"/>
-          <a:chOff x="0" y="0"/>
-          <a:chExt cx="0" cy="0"/>
-        </a:xfrm>
-      </p:grpSpPr>
-      <p:sp>
-        <p:nvSpPr>
-          <p:cNvPr id="3" name="TextBox 2">
-            <a:extLst>
-              <a:ext uri="{FF2B5EF4-FFF2-40B4-BE49-F238E27FC236}">
-                <a16:creationId xmlns:a16="http://schemas.microsoft.com/office/drawing/2014/main" id="{2618560C-4FF5-44EE-A12F-0279B0370804}"/>
-              </a:ext>
-            </a:extLst>
-          </p:cNvPr>
-          <p:cNvSpPr txBox="1"/>
-          <p:nvPr/>
-        </p:nvSpPr>
-        <p:spPr>
-          <a:xfrm>
-            <a:off x="265083" y="942230"/>
-            <a:ext cx="1879600" cy="369332"/>
-          </a:xfrm>
-          <a:prstGeom prst="rect">
-            <a:avLst/>
-          </a:prstGeom>
-          <a:noFill/>
-        </p:spPr>
-        <p:txBody>
-          <a:bodyPr wrap="square" rtlCol="0">
-            <a:spAutoFit/>
-          </a:bodyPr>
-          <a:lstStyle/>
-          <a:p>
-            <a:r>
-              <a:rPr lang="en-US" altLang="ko-KR" dirty="0"/>
-              <a:t>&lt;</a:t>
-            </a:r>
-            <a:r>
-              <a:rPr lang="ko-KR" altLang="en-US" dirty="0"/>
-              <a:t>종가</a:t>
-            </a:r>
-            <a:r>
-              <a:rPr lang="en-US" altLang="ko-KR" dirty="0"/>
-              <a:t>_1</a:t>
-            </a:r>
-            <a:r>
-              <a:rPr lang="ko-KR" altLang="en-US" dirty="0" err="1"/>
-              <a:t>차차분</a:t>
-            </a:r>
-            <a:r>
-              <a:rPr lang="en-US" altLang="ko-KR" dirty="0"/>
-              <a:t>&gt;</a:t>
-            </a:r>
-            <a:endParaRPr lang="ko-KR" altLang="en-US" dirty="0"/>
-          </a:p>
-        </p:txBody>
-      </p:sp>
-      <p:sp>
-        <p:nvSpPr>
-          <p:cNvPr id="5" name="TextBox 4">
-            <a:extLst>
-              <a:ext uri="{FF2B5EF4-FFF2-40B4-BE49-F238E27FC236}">
-                <a16:creationId xmlns:a16="http://schemas.microsoft.com/office/drawing/2014/main" id="{12483667-1318-40DC-AD1C-02ECE42CB784}"/>
-              </a:ext>
-            </a:extLst>
-          </p:cNvPr>
-          <p:cNvSpPr txBox="1"/>
-          <p:nvPr/>
-        </p:nvSpPr>
-        <p:spPr>
-          <a:xfrm>
-            <a:off x="2886852" y="1126896"/>
-            <a:ext cx="1138897" cy="369332"/>
-          </a:xfrm>
-          <a:prstGeom prst="rect">
-            <a:avLst/>
-          </a:prstGeom>
-          <a:noFill/>
-        </p:spPr>
-        <p:txBody>
-          <a:bodyPr wrap="square" rtlCol="0">
-            <a:spAutoFit/>
-          </a:bodyPr>
-          <a:lstStyle/>
-          <a:p>
-            <a:r>
-              <a:rPr lang="en-US" altLang="ko-KR" dirty="0"/>
-              <a:t>ACF</a:t>
-            </a:r>
-            <a:endParaRPr lang="ko-KR" altLang="en-US" dirty="0"/>
-          </a:p>
-        </p:txBody>
-      </p:sp>
-      <p:sp>
-        <p:nvSpPr>
-          <p:cNvPr id="7" name="TextBox 6">
-            <a:extLst>
-              <a:ext uri="{FF2B5EF4-FFF2-40B4-BE49-F238E27FC236}">
-                <a16:creationId xmlns:a16="http://schemas.microsoft.com/office/drawing/2014/main" id="{45CC44D4-24F7-4E75-890D-902C72F03C12}"/>
-              </a:ext>
-            </a:extLst>
-          </p:cNvPr>
-          <p:cNvSpPr txBox="1"/>
-          <p:nvPr/>
-        </p:nvSpPr>
-        <p:spPr>
-          <a:xfrm>
-            <a:off x="8732465" y="1126896"/>
-            <a:ext cx="1230337" cy="369332"/>
-          </a:xfrm>
-          <a:prstGeom prst="rect">
-            <a:avLst/>
-          </a:prstGeom>
-          <a:noFill/>
-        </p:spPr>
-        <p:txBody>
-          <a:bodyPr wrap="square" rtlCol="0">
-            <a:spAutoFit/>
-          </a:bodyPr>
-          <a:lstStyle/>
-          <a:p>
-            <a:r>
-              <a:rPr lang="en-US" altLang="ko-KR" dirty="0"/>
-              <a:t>PACF</a:t>
-            </a:r>
-            <a:endParaRPr lang="ko-KR" altLang="en-US" dirty="0"/>
-          </a:p>
-        </p:txBody>
-      </p:sp>
-      <p:pic>
-        <p:nvPicPr>
-          <p:cNvPr id="9" name="Picture 18">
-            <a:extLst>
-              <a:ext uri="{FF2B5EF4-FFF2-40B4-BE49-F238E27FC236}">
-                <a16:creationId xmlns:a16="http://schemas.microsoft.com/office/drawing/2014/main" id="{2B9A9F9A-F76C-4533-8BCB-40DB8AB4C9AC}"/>
-              </a:ext>
-            </a:extLst>
-          </p:cNvPr>
-          <p:cNvPicPr>
-            <a:picLocks noChangeAspect="1" noChangeArrowheads="1"/>
-          </p:cNvPicPr>
-          <p:nvPr/>
-        </p:nvPicPr>
-        <p:blipFill>
-          <a:blip r:embed="rId2">
-            <a:extLst>
-              <a:ext uri="{28A0092B-C50C-407E-A947-70E740481C1C}">
-                <a14:useLocalDpi xmlns:a14="http://schemas.microsoft.com/office/drawing/2010/main" val="0"/>
-              </a:ext>
-            </a:extLst>
-          </a:blip>
-          <a:srcRect/>
-          <a:stretch>
-            <a:fillRect/>
-          </a:stretch>
-        </p:blipFill>
-        <p:spPr bwMode="auto">
-          <a:xfrm>
-            <a:off x="559930" y="1400892"/>
-            <a:ext cx="5221922" cy="2933997"/>
-          </a:xfrm>
-          <a:prstGeom prst="rect">
-            <a:avLst/>
-          </a:prstGeom>
-          <a:noFill/>
-          <a:extLst>
-            <a:ext uri="{909E8E84-426E-40DD-AFC4-6F175D3DCCD1}">
-              <a14:hiddenFill xmlns:a14="http://schemas.microsoft.com/office/drawing/2010/main">
-                <a:solidFill>
-                  <a:srgbClr val="FFFFFF"/>
-                </a:solidFill>
-              </a14:hiddenFill>
-            </a:ext>
-          </a:extLst>
-        </p:spPr>
-      </p:pic>
-      <p:pic>
-        <p:nvPicPr>
-          <p:cNvPr id="11" name="Picture 20">
-            <a:extLst>
-              <a:ext uri="{FF2B5EF4-FFF2-40B4-BE49-F238E27FC236}">
-                <a16:creationId xmlns:a16="http://schemas.microsoft.com/office/drawing/2014/main" id="{89E30505-0E5F-4FA8-BA18-9B8944788DD7}"/>
-              </a:ext>
-            </a:extLst>
-          </p:cNvPr>
-          <p:cNvPicPr>
-            <a:picLocks noChangeAspect="1" noChangeArrowheads="1"/>
-          </p:cNvPicPr>
-          <p:nvPr/>
-        </p:nvPicPr>
-        <p:blipFill>
-          <a:blip r:embed="rId3">
-            <a:extLst>
-              <a:ext uri="{28A0092B-C50C-407E-A947-70E740481C1C}">
-                <a14:useLocalDpi xmlns:a14="http://schemas.microsoft.com/office/drawing/2010/main" val="0"/>
-              </a:ext>
-            </a:extLst>
-          </a:blip>
-          <a:srcRect/>
-          <a:stretch>
-            <a:fillRect/>
-          </a:stretch>
-        </p:blipFill>
-        <p:spPr bwMode="auto">
-          <a:xfrm>
-            <a:off x="6452633" y="1400892"/>
-            <a:ext cx="5221923" cy="2933998"/>
-          </a:xfrm>
-          <a:prstGeom prst="rect">
-            <a:avLst/>
-          </a:prstGeom>
-          <a:noFill/>
-          <a:extLst>
-            <a:ext uri="{909E8E84-426E-40DD-AFC4-6F175D3DCCD1}">
-              <a14:hiddenFill xmlns:a14="http://schemas.microsoft.com/office/drawing/2010/main">
-                <a:solidFill>
-                  <a:srgbClr val="FFFFFF"/>
-                </a:solidFill>
-              </a14:hiddenFill>
-            </a:ext>
-          </a:extLst>
-        </p:spPr>
-      </p:pic>
-      <p:sp>
-        <p:nvSpPr>
-          <p:cNvPr id="12" name="TextBox 11">
-            <a:extLst>
-              <a:ext uri="{FF2B5EF4-FFF2-40B4-BE49-F238E27FC236}">
-                <a16:creationId xmlns:a16="http://schemas.microsoft.com/office/drawing/2014/main" id="{CF14C3C8-A85B-4BEB-B15D-91EDC9BE8CFA}"/>
-              </a:ext>
-            </a:extLst>
-          </p:cNvPr>
-          <p:cNvSpPr txBox="1"/>
-          <p:nvPr/>
-        </p:nvSpPr>
-        <p:spPr>
-          <a:xfrm>
-            <a:off x="2886852" y="4355209"/>
-            <a:ext cx="2683706" cy="369332"/>
-          </a:xfrm>
-          <a:prstGeom prst="rect">
-            <a:avLst/>
-          </a:prstGeom>
-          <a:noFill/>
-        </p:spPr>
-        <p:txBody>
-          <a:bodyPr wrap="square" rtlCol="0">
-            <a:spAutoFit/>
-          </a:bodyPr>
-          <a:lstStyle/>
-          <a:p>
-            <a:r>
-              <a:rPr lang="en-US" altLang="ko-KR" dirty="0"/>
-              <a:t>q=0</a:t>
-            </a:r>
-            <a:endParaRPr lang="ko-KR" altLang="en-US" dirty="0"/>
-          </a:p>
-        </p:txBody>
-      </p:sp>
-      <p:sp>
-        <p:nvSpPr>
-          <p:cNvPr id="13" name="TextBox 12">
-            <a:extLst>
-              <a:ext uri="{FF2B5EF4-FFF2-40B4-BE49-F238E27FC236}">
-                <a16:creationId xmlns:a16="http://schemas.microsoft.com/office/drawing/2014/main" id="{BF2BD7BC-23EE-4D75-93C4-BBD5239CBB5E}"/>
-              </a:ext>
-            </a:extLst>
-          </p:cNvPr>
-          <p:cNvSpPr txBox="1"/>
-          <p:nvPr/>
-        </p:nvSpPr>
-        <p:spPr>
-          <a:xfrm>
-            <a:off x="8732465" y="4424220"/>
-            <a:ext cx="2683706" cy="369332"/>
-          </a:xfrm>
-          <a:prstGeom prst="rect">
-            <a:avLst/>
-          </a:prstGeom>
-          <a:noFill/>
-        </p:spPr>
-        <p:txBody>
-          <a:bodyPr wrap="square" rtlCol="0">
-            <a:spAutoFit/>
-          </a:bodyPr>
-          <a:lstStyle/>
-          <a:p>
-            <a:r>
-              <a:rPr lang="en-US" altLang="ko-KR" dirty="0"/>
-              <a:t>p=0</a:t>
-            </a:r>
-            <a:endParaRPr lang="ko-KR" altLang="en-US" dirty="0"/>
-          </a:p>
-        </p:txBody>
-      </p:sp>
-      <p:sp>
-        <p:nvSpPr>
-          <p:cNvPr id="14" name="TextBox 13">
-            <a:extLst>
-              <a:ext uri="{FF2B5EF4-FFF2-40B4-BE49-F238E27FC236}">
-                <a16:creationId xmlns:a16="http://schemas.microsoft.com/office/drawing/2014/main" id="{F124EF0D-75F7-4171-82BE-9A2ED8D41697}"/>
-              </a:ext>
-            </a:extLst>
-          </p:cNvPr>
-          <p:cNvSpPr txBox="1"/>
-          <p:nvPr/>
-        </p:nvSpPr>
-        <p:spPr>
-          <a:xfrm>
-            <a:off x="5110780" y="4388139"/>
-            <a:ext cx="2683706" cy="369332"/>
-          </a:xfrm>
-          <a:prstGeom prst="rect">
-            <a:avLst/>
-          </a:prstGeom>
-          <a:noFill/>
-        </p:spPr>
-        <p:txBody>
-          <a:bodyPr wrap="square" rtlCol="0">
-            <a:spAutoFit/>
-          </a:bodyPr>
-          <a:lstStyle/>
-          <a:p>
-            <a:r>
-              <a:rPr lang="en-US" altLang="ko-KR" dirty="0"/>
-              <a:t>1</a:t>
-            </a:r>
-            <a:r>
-              <a:rPr lang="ko-KR" altLang="en-US" dirty="0" err="1"/>
-              <a:t>차차분</a:t>
-            </a:r>
-            <a:r>
-              <a:rPr lang="ko-KR" altLang="en-US" dirty="0"/>
-              <a:t> </a:t>
-            </a:r>
-            <a:r>
-              <a:rPr lang="en-US" altLang="ko-KR" dirty="0"/>
-              <a:t>-&gt; d=1</a:t>
-            </a:r>
-            <a:endParaRPr lang="ko-KR" altLang="en-US" dirty="0"/>
-          </a:p>
-        </p:txBody>
-      </p:sp>
-      <p:sp>
-        <p:nvSpPr>
-          <p:cNvPr id="15" name="TextBox 14">
-            <a:extLst>
-              <a:ext uri="{FF2B5EF4-FFF2-40B4-BE49-F238E27FC236}">
-                <a16:creationId xmlns:a16="http://schemas.microsoft.com/office/drawing/2014/main" id="{589A5D9F-496A-4957-BB34-630AFDD09A4D}"/>
-              </a:ext>
-            </a:extLst>
-          </p:cNvPr>
-          <p:cNvSpPr txBox="1"/>
-          <p:nvPr/>
-        </p:nvSpPr>
-        <p:spPr>
-          <a:xfrm>
-            <a:off x="5009803" y="5311371"/>
-            <a:ext cx="2529840" cy="461665"/>
-          </a:xfrm>
-          <a:prstGeom prst="rect">
-            <a:avLst/>
-          </a:prstGeom>
-          <a:noFill/>
-        </p:spPr>
-        <p:txBody>
-          <a:bodyPr wrap="square" rtlCol="0">
-            <a:spAutoFit/>
-          </a:bodyPr>
-          <a:lstStyle/>
-          <a:p>
-            <a:r>
-              <a:rPr lang="en-US" altLang="ko-KR" sz="2400" b="1" dirty="0">
-                <a:solidFill>
-                  <a:srgbClr val="FF0000"/>
-                </a:solidFill>
-              </a:rPr>
-              <a:t>ARIMA(0,1,0)</a:t>
-            </a:r>
-            <a:endParaRPr lang="ko-KR" altLang="en-US" sz="2400" b="1" dirty="0">
-              <a:solidFill>
-                <a:srgbClr val="FF0000"/>
-              </a:solidFill>
-            </a:endParaRPr>
-          </a:p>
-        </p:txBody>
-      </p:sp>
-    </p:spTree>
-    <p:extLst>
-      <p:ext uri="{BB962C8B-B14F-4D97-AF65-F5344CB8AC3E}">
-        <p14:creationId xmlns:p14="http://schemas.microsoft.com/office/powerpoint/2010/main" val="4027791676"/>
-      </p:ext>
-    </p:extLst>
-  </p:cSld>
-  <p:clrMapOvr>
-    <a:masterClrMapping/>
-  </p:clrMapOvr>
-</p:sld>
-</file>
-
-<file path=ppt/slides/slide22.xml><?xml version="1.0" encoding="utf-8"?>
-<p:sld xmlns:a="http://schemas.openxmlformats.org/drawingml/2006/main" xmlns:r="http://schemas.openxmlformats.org/officeDocument/2006/relationships" xmlns:p="http://schemas.openxmlformats.org/presentationml/2006/main">
-  <p:cSld>
-    <p:spTree>
-      <p:nvGrpSpPr>
-        <p:cNvPr id="1" name=""/>
-        <p:cNvGrpSpPr/>
-        <p:nvPr/>
-      </p:nvGrpSpPr>
-      <p:grpSpPr>
-        <a:xfrm>
-          <a:off x="0" y="0"/>
-          <a:ext cx="0" cy="0"/>
-          <a:chOff x="0" y="0"/>
-          <a:chExt cx="0" cy="0"/>
-        </a:xfrm>
-      </p:grpSpPr>
-      <p:sp>
-        <p:nvSpPr>
-          <p:cNvPr id="2" name="TextBox 1">
-            <a:extLst>
-              <a:ext uri="{FF2B5EF4-FFF2-40B4-BE49-F238E27FC236}">
-                <a16:creationId xmlns:a16="http://schemas.microsoft.com/office/drawing/2014/main" id="{955879B6-141B-4344-8C98-A4F2AD4CC58D}"/>
-              </a:ext>
-            </a:extLst>
-          </p:cNvPr>
-          <p:cNvSpPr txBox="1"/>
-          <p:nvPr/>
-        </p:nvSpPr>
-        <p:spPr>
-          <a:xfrm>
-            <a:off x="581891" y="426027"/>
-            <a:ext cx="2899064" cy="369332"/>
-          </a:xfrm>
-          <a:prstGeom prst="rect">
-            <a:avLst/>
-          </a:prstGeom>
-          <a:noFill/>
-        </p:spPr>
-        <p:txBody>
-          <a:bodyPr wrap="square" rtlCol="0">
-            <a:spAutoFit/>
-          </a:bodyPr>
-          <a:lstStyle/>
-          <a:p>
-            <a:r>
-              <a:rPr lang="en-US" altLang="ko-KR" dirty="0"/>
-              <a:t>ARIMA</a:t>
-            </a:r>
-            <a:r>
-              <a:rPr lang="ko-KR" altLang="en-US" dirty="0"/>
-              <a:t>모델 </a:t>
-            </a:r>
-          </a:p>
-        </p:txBody>
-      </p:sp>
-      <p:sp>
-        <p:nvSpPr>
-          <p:cNvPr id="7" name="TextBox 6">
-            <a:extLst>
-              <a:ext uri="{FF2B5EF4-FFF2-40B4-BE49-F238E27FC236}">
-                <a16:creationId xmlns:a16="http://schemas.microsoft.com/office/drawing/2014/main" id="{A2DC023E-7083-47BF-BB04-758196BCB819}"/>
-              </a:ext>
-            </a:extLst>
-          </p:cNvPr>
-          <p:cNvSpPr txBox="1"/>
-          <p:nvPr/>
-        </p:nvSpPr>
-        <p:spPr>
-          <a:xfrm>
-            <a:off x="854653" y="4189907"/>
-            <a:ext cx="6094268" cy="646331"/>
-          </a:xfrm>
-          <a:prstGeom prst="rect">
-            <a:avLst/>
-          </a:prstGeom>
-          <a:noFill/>
-        </p:spPr>
-        <p:txBody>
-          <a:bodyPr wrap="square">
-            <a:spAutoFit/>
-          </a:bodyPr>
-          <a:lstStyle/>
-          <a:p>
-            <a:r>
-              <a:rPr lang="en-US" altLang="ko-KR" b="0" i="0" dirty="0" err="1">
-                <a:solidFill>
-                  <a:srgbClr val="333333"/>
-                </a:solidFill>
-                <a:effectLst/>
-                <a:latin typeface="Jua"/>
-              </a:rPr>
-              <a:t>Ljung</a:t>
-            </a:r>
-            <a:r>
-              <a:rPr lang="en-US" altLang="ko-KR" b="0" i="0" dirty="0">
-                <a:solidFill>
-                  <a:srgbClr val="333333"/>
-                </a:solidFill>
-                <a:effectLst/>
-                <a:latin typeface="Jua"/>
-              </a:rPr>
-              <a:t>-Box </a:t>
-            </a:r>
-            <a:r>
-              <a:rPr lang="ko-KR" altLang="en-US" b="0" i="0" dirty="0">
-                <a:solidFill>
-                  <a:srgbClr val="333333"/>
-                </a:solidFill>
-                <a:effectLst/>
-                <a:latin typeface="Jua"/>
-              </a:rPr>
-              <a:t>검정 통계</a:t>
-            </a:r>
-            <a:endParaRPr lang="en-US" altLang="ko-KR" b="0" i="0" dirty="0">
-              <a:solidFill>
-                <a:srgbClr val="333333"/>
-              </a:solidFill>
-              <a:effectLst/>
-              <a:latin typeface="Jua"/>
-            </a:endParaRPr>
-          </a:p>
-          <a:p>
-            <a:r>
-              <a:rPr lang="en-US" altLang="ko-KR" dirty="0">
-                <a:solidFill>
-                  <a:srgbClr val="333333"/>
-                </a:solidFill>
-                <a:latin typeface="Jua"/>
-              </a:rPr>
-              <a:t>- </a:t>
-            </a:r>
-            <a:r>
-              <a:rPr lang="ko-KR" altLang="en-US" b="0" i="0" dirty="0">
-                <a:solidFill>
-                  <a:srgbClr val="333333"/>
-                </a:solidFill>
-                <a:effectLst/>
-                <a:latin typeface="Jua"/>
-              </a:rPr>
-              <a:t> </a:t>
-            </a:r>
-            <a:r>
-              <a:rPr lang="ko-KR" altLang="en-US" b="0" i="0" dirty="0" err="1">
-                <a:solidFill>
-                  <a:srgbClr val="333333"/>
-                </a:solidFill>
-                <a:effectLst/>
-                <a:latin typeface="Jua"/>
-              </a:rPr>
-              <a:t>잔차에</a:t>
-            </a:r>
-            <a:r>
-              <a:rPr lang="ko-KR" altLang="en-US" b="0" i="0" dirty="0">
-                <a:solidFill>
-                  <a:srgbClr val="333333"/>
-                </a:solidFill>
-                <a:effectLst/>
-                <a:latin typeface="Jua"/>
-              </a:rPr>
-              <a:t> 자기상관이 존재하는지 여부를 검증</a:t>
-            </a:r>
-            <a:endParaRPr lang="ko-KR" altLang="en-US" dirty="0"/>
-          </a:p>
-        </p:txBody>
-      </p:sp>
-    </p:spTree>
-    <p:extLst>
-      <p:ext uri="{BB962C8B-B14F-4D97-AF65-F5344CB8AC3E}">
-        <p14:creationId xmlns:p14="http://schemas.microsoft.com/office/powerpoint/2010/main" val="233781035"/>
-      </p:ext>
-    </p:extLst>
-  </p:cSld>
-  <p:clrMapOvr>
-    <a:masterClrMapping/>
-  </p:clrMapOvr>
-</p:sld>
-</file>
-
-<file path=ppt/slides/slide23.xml><?xml version="1.0" encoding="utf-8"?>
-<p:sld xmlns:a="http://schemas.openxmlformats.org/drawingml/2006/main" xmlns:r="http://schemas.openxmlformats.org/officeDocument/2006/relationships" xmlns:p="http://schemas.openxmlformats.org/presentationml/2006/main">
-  <p:cSld>
-    <p:spTree>
-      <p:nvGrpSpPr>
-        <p:cNvPr id="1" name=""/>
-        <p:cNvGrpSpPr/>
-        <p:nvPr/>
-      </p:nvGrpSpPr>
-      <p:grpSpPr>
-        <a:xfrm>
-          <a:off x="0" y="0"/>
-          <a:ext cx="0" cy="0"/>
-          <a:chOff x="0" y="0"/>
-          <a:chExt cx="0" cy="0"/>
-        </a:xfrm>
-      </p:grpSpPr>
-      <p:sp>
-        <p:nvSpPr>
-          <p:cNvPr id="3" name="TextBox 2">
-            <a:extLst>
-              <a:ext uri="{FF2B5EF4-FFF2-40B4-BE49-F238E27FC236}">
-                <a16:creationId xmlns:a16="http://schemas.microsoft.com/office/drawing/2014/main" id="{46532422-1A7E-4799-B4C3-E438E3BF590D}"/>
-              </a:ext>
-            </a:extLst>
-          </p:cNvPr>
-          <p:cNvSpPr txBox="1"/>
-          <p:nvPr/>
-        </p:nvSpPr>
-        <p:spPr>
-          <a:xfrm>
-            <a:off x="581891" y="426027"/>
-            <a:ext cx="2899064" cy="369332"/>
-          </a:xfrm>
-          <a:prstGeom prst="rect">
-            <a:avLst/>
-          </a:prstGeom>
-          <a:noFill/>
-        </p:spPr>
-        <p:txBody>
-          <a:bodyPr wrap="square" rtlCol="0">
-            <a:spAutoFit/>
-          </a:bodyPr>
-          <a:lstStyle/>
-          <a:p>
-            <a:r>
-              <a:rPr lang="en-US" altLang="ko-KR" dirty="0"/>
-              <a:t>Auto-Arima</a:t>
-            </a:r>
-            <a:endParaRPr lang="ko-KR" altLang="en-US" dirty="0"/>
-          </a:p>
-        </p:txBody>
-      </p:sp>
-      <p:pic>
-        <p:nvPicPr>
-          <p:cNvPr id="4" name="그림 3">
-            <a:extLst>
-              <a:ext uri="{FF2B5EF4-FFF2-40B4-BE49-F238E27FC236}">
-                <a16:creationId xmlns:a16="http://schemas.microsoft.com/office/drawing/2014/main" id="{591AB56E-142F-4D59-B98E-D587E1DA3FF2}"/>
-              </a:ext>
-            </a:extLst>
-          </p:cNvPr>
-          <p:cNvPicPr>
-            <a:picLocks noChangeAspect="1"/>
-          </p:cNvPicPr>
-          <p:nvPr/>
-        </p:nvPicPr>
-        <p:blipFill>
-          <a:blip r:embed="rId2"/>
-          <a:stretch>
-            <a:fillRect/>
-          </a:stretch>
-        </p:blipFill>
-        <p:spPr>
-          <a:xfrm>
-            <a:off x="388359" y="1096695"/>
-            <a:ext cx="5492895" cy="2095858"/>
-          </a:xfrm>
-          <a:prstGeom prst="rect">
-            <a:avLst/>
-          </a:prstGeom>
-        </p:spPr>
-      </p:pic>
-      <p:pic>
-        <p:nvPicPr>
-          <p:cNvPr id="5" name="그림 4">
-            <a:extLst>
-              <a:ext uri="{FF2B5EF4-FFF2-40B4-BE49-F238E27FC236}">
-                <a16:creationId xmlns:a16="http://schemas.microsoft.com/office/drawing/2014/main" id="{64B14F9B-3078-4F39-A44C-2BA2256B21CE}"/>
-              </a:ext>
-            </a:extLst>
-          </p:cNvPr>
-          <p:cNvPicPr>
-            <a:picLocks noChangeAspect="1"/>
-          </p:cNvPicPr>
-          <p:nvPr/>
-        </p:nvPicPr>
-        <p:blipFill>
-          <a:blip r:embed="rId3"/>
-          <a:stretch>
-            <a:fillRect/>
-          </a:stretch>
-        </p:blipFill>
-        <p:spPr>
-          <a:xfrm>
-            <a:off x="6053572" y="689262"/>
-            <a:ext cx="5314950" cy="4381500"/>
-          </a:xfrm>
-          <a:prstGeom prst="rect">
-            <a:avLst/>
-          </a:prstGeom>
-        </p:spPr>
-      </p:pic>
-      <p:pic>
-        <p:nvPicPr>
-          <p:cNvPr id="6" name="그림 5">
-            <a:extLst>
-              <a:ext uri="{FF2B5EF4-FFF2-40B4-BE49-F238E27FC236}">
-                <a16:creationId xmlns:a16="http://schemas.microsoft.com/office/drawing/2014/main" id="{4A525C7A-504F-4D0D-9FE2-ADBE3DC733A6}"/>
-              </a:ext>
-            </a:extLst>
-          </p:cNvPr>
-          <p:cNvPicPr>
-            <a:picLocks noChangeAspect="1"/>
-          </p:cNvPicPr>
-          <p:nvPr/>
-        </p:nvPicPr>
-        <p:blipFill>
-          <a:blip r:embed="rId4"/>
-          <a:stretch>
-            <a:fillRect/>
-          </a:stretch>
-        </p:blipFill>
-        <p:spPr>
-          <a:xfrm>
-            <a:off x="6096000" y="5392448"/>
-            <a:ext cx="2771775" cy="1019175"/>
-          </a:xfrm>
-          <a:prstGeom prst="rect">
-            <a:avLst/>
-          </a:prstGeom>
-        </p:spPr>
-      </p:pic>
-    </p:spTree>
-    <p:extLst>
-      <p:ext uri="{BB962C8B-B14F-4D97-AF65-F5344CB8AC3E}">
-        <p14:creationId xmlns:p14="http://schemas.microsoft.com/office/powerpoint/2010/main" val="3482894496"/>
-      </p:ext>
-    </p:extLst>
-  </p:cSld>
-  <p:clrMapOvr>
-    <a:masterClrMapping/>
-  </p:clrMapOvr>
-</p:sld>
-</file>
-
-<file path=ppt/slides/slide24.xml><?xml version="1.0" encoding="utf-8"?>
-<p:sld xmlns:a="http://schemas.openxmlformats.org/drawingml/2006/main" xmlns:r="http://schemas.openxmlformats.org/officeDocument/2006/relationships" xmlns:p="http://schemas.openxmlformats.org/presentationml/2006/main">
-  <p:cSld>
-    <p:spTree>
-      <p:nvGrpSpPr>
-        <p:cNvPr id="1" name=""/>
-        <p:cNvGrpSpPr/>
-        <p:nvPr/>
-      </p:nvGrpSpPr>
-      <p:grpSpPr>
-        <a:xfrm>
-          <a:off x="0" y="0"/>
-          <a:ext cx="0" cy="0"/>
-          <a:chOff x="0" y="0"/>
-          <a:chExt cx="0" cy="0"/>
-        </a:xfrm>
-      </p:grpSpPr>
-      <p:sp>
-        <p:nvSpPr>
-          <p:cNvPr id="3" name="TextBox 2">
-            <a:extLst>
-              <a:ext uri="{FF2B5EF4-FFF2-40B4-BE49-F238E27FC236}">
-                <a16:creationId xmlns:a16="http://schemas.microsoft.com/office/drawing/2014/main" id="{CFC4EAE5-CB55-4DBD-8E0B-E37486E02DA7}"/>
-              </a:ext>
-            </a:extLst>
-          </p:cNvPr>
-          <p:cNvSpPr txBox="1"/>
-          <p:nvPr/>
-        </p:nvSpPr>
-        <p:spPr>
-          <a:xfrm>
-            <a:off x="581891" y="374074"/>
-            <a:ext cx="2899064" cy="369332"/>
-          </a:xfrm>
-          <a:prstGeom prst="rect">
-            <a:avLst/>
-          </a:prstGeom>
-          <a:noFill/>
-        </p:spPr>
-        <p:txBody>
-          <a:bodyPr wrap="square" rtlCol="0">
-            <a:spAutoFit/>
-          </a:bodyPr>
-          <a:lstStyle/>
-          <a:p>
-            <a:r>
-              <a:rPr lang="en-US" altLang="ko-KR" dirty="0"/>
-              <a:t>Forecast</a:t>
-            </a:r>
-            <a:endParaRPr lang="ko-KR" altLang="en-US" dirty="0"/>
-          </a:p>
-        </p:txBody>
-      </p:sp>
-    </p:spTree>
-    <p:extLst>
-      <p:ext uri="{BB962C8B-B14F-4D97-AF65-F5344CB8AC3E}">
-        <p14:creationId xmlns:p14="http://schemas.microsoft.com/office/powerpoint/2010/main" val="885036106"/>
-      </p:ext>
-    </p:extLst>
-  </p:cSld>
-  <p:clrMapOvr>
-    <a:masterClrMapping/>
-  </p:clrMapOvr>
-</p:sld>
-</file>
-
-<file path=ppt/slides/slide25.xml><?xml version="1.0" encoding="utf-8"?>
-<p:sld xmlns:a="http://schemas.openxmlformats.org/drawingml/2006/main" xmlns:r="http://schemas.openxmlformats.org/officeDocument/2006/relationships" xmlns:p="http://schemas.openxmlformats.org/presentationml/2006/main">
-  <p:cSld>
-    <p:spTree>
-      <p:nvGrpSpPr>
-        <p:cNvPr id="1" name=""/>
-        <p:cNvGrpSpPr/>
-        <p:nvPr/>
-      </p:nvGrpSpPr>
-      <p:grpSpPr>
-        <a:xfrm>
-          <a:off x="0" y="0"/>
-          <a:ext cx="0" cy="0"/>
-          <a:chOff x="0" y="0"/>
-          <a:chExt cx="0" cy="0"/>
-        </a:xfrm>
-      </p:grpSpPr>
-      <p:sp>
-        <p:nvSpPr>
-          <p:cNvPr id="2" name="TextBox 1">
-            <a:extLst>
-              <a:ext uri="{FF2B5EF4-FFF2-40B4-BE49-F238E27FC236}">
-                <a16:creationId xmlns:a16="http://schemas.microsoft.com/office/drawing/2014/main" id="{5F6938C5-F18F-49F7-A8A9-CBB3C1655925}"/>
-              </a:ext>
-            </a:extLst>
-          </p:cNvPr>
-          <p:cNvSpPr txBox="1"/>
-          <p:nvPr/>
-        </p:nvSpPr>
-        <p:spPr>
-          <a:xfrm>
-            <a:off x="136680" y="374100"/>
-            <a:ext cx="3516923" cy="369332"/>
-          </a:xfrm>
-          <a:prstGeom prst="rect">
-            <a:avLst/>
-          </a:prstGeom>
-          <a:noFill/>
-        </p:spPr>
-        <p:txBody>
-          <a:bodyPr wrap="square" rtlCol="0">
-            <a:spAutoFit/>
-          </a:bodyPr>
-          <a:lstStyle/>
-          <a:p>
-            <a:r>
-              <a:rPr lang="en-US" altLang="ko-KR" dirty="0"/>
-              <a:t>Facebook – Prophet</a:t>
-            </a:r>
-            <a:r>
-              <a:rPr lang="ko-KR" altLang="en-US" dirty="0"/>
-              <a:t>모델</a:t>
-            </a:r>
-          </a:p>
-        </p:txBody>
-      </p:sp>
-    </p:spTree>
-    <p:extLst>
-      <p:ext uri="{BB962C8B-B14F-4D97-AF65-F5344CB8AC3E}">
-        <p14:creationId xmlns:p14="http://schemas.microsoft.com/office/powerpoint/2010/main" val="1210118113"/>
+        <p14:creationId xmlns:p14="http://schemas.microsoft.com/office/powerpoint/2010/main" val="2205592833"/>
       </p:ext>
     </p:extLst>
   </p:cSld>
@@ -9659,6 +10922,656 @@
     <p:extLst>
       <p:ext uri="{BB962C8B-B14F-4D97-AF65-F5344CB8AC3E}">
         <p14:creationId xmlns:p14="http://schemas.microsoft.com/office/powerpoint/2010/main" val="3275881997"/>
+      </p:ext>
+    </p:extLst>
+  </p:cSld>
+  <p:clrMapOvr>
+    <a:masterClrMapping/>
+  </p:clrMapOvr>
+</p:sld>
+</file>
+
+<file path=ppt/slides/slide30.xml><?xml version="1.0" encoding="utf-8"?>
+<p:sld xmlns:a="http://schemas.openxmlformats.org/drawingml/2006/main" xmlns:r="http://schemas.openxmlformats.org/officeDocument/2006/relationships" xmlns:p="http://schemas.openxmlformats.org/presentationml/2006/main">
+  <p:cSld>
+    <p:spTree>
+      <p:nvGrpSpPr>
+        <p:cNvPr id="1" name=""/>
+        <p:cNvGrpSpPr/>
+        <p:nvPr/>
+      </p:nvGrpSpPr>
+      <p:grpSpPr>
+        <a:xfrm>
+          <a:off x="0" y="0"/>
+          <a:ext cx="0" cy="0"/>
+          <a:chOff x="0" y="0"/>
+          <a:chExt cx="0" cy="0"/>
+        </a:xfrm>
+      </p:grpSpPr>
+      <p:sp>
+        <p:nvSpPr>
+          <p:cNvPr id="2" name="TextBox 1">
+            <a:extLst>
+              <a:ext uri="{FF2B5EF4-FFF2-40B4-BE49-F238E27FC236}">
+                <a16:creationId xmlns:a16="http://schemas.microsoft.com/office/drawing/2014/main" id="{0DB57B4B-5322-46E8-91FD-B01A1BF7BF07}"/>
+              </a:ext>
+            </a:extLst>
+          </p:cNvPr>
+          <p:cNvSpPr txBox="1"/>
+          <p:nvPr/>
+        </p:nvSpPr>
+        <p:spPr>
+          <a:xfrm>
+            <a:off x="680720" y="426720"/>
+            <a:ext cx="6959600" cy="369332"/>
+          </a:xfrm>
+          <a:prstGeom prst="rect">
+            <a:avLst/>
+          </a:prstGeom>
+          <a:noFill/>
+        </p:spPr>
+        <p:txBody>
+          <a:bodyPr wrap="square" rtlCol="0">
+            <a:spAutoFit/>
+          </a:bodyPr>
+          <a:lstStyle/>
+          <a:p>
+            <a:r>
+              <a:rPr lang="ko-KR" altLang="en-US" dirty="0"/>
+              <a:t>정상성 확인 방법 </a:t>
+            </a:r>
+            <a:r>
+              <a:rPr lang="en-US" altLang="ko-KR" dirty="0"/>
+              <a:t>: </a:t>
+            </a:r>
+            <a:r>
+              <a:rPr lang="en-US" altLang="ko-KR" dirty="0" err="1"/>
+              <a:t>Augmendted</a:t>
+            </a:r>
+            <a:r>
+              <a:rPr lang="en-US" altLang="ko-KR" dirty="0"/>
+              <a:t> Dickey-Fuller, ACF, PACF</a:t>
+            </a:r>
+            <a:endParaRPr lang="ko-KR" altLang="en-US" dirty="0"/>
+          </a:p>
+        </p:txBody>
+      </p:sp>
+      <p:sp>
+        <p:nvSpPr>
+          <p:cNvPr id="3" name="TextBox 2">
+            <a:extLst>
+              <a:ext uri="{FF2B5EF4-FFF2-40B4-BE49-F238E27FC236}">
+                <a16:creationId xmlns:a16="http://schemas.microsoft.com/office/drawing/2014/main" id="{3E08675D-0A0F-491E-8F54-1773338BA221}"/>
+              </a:ext>
+            </a:extLst>
+          </p:cNvPr>
+          <p:cNvSpPr txBox="1"/>
+          <p:nvPr/>
+        </p:nvSpPr>
+        <p:spPr>
+          <a:xfrm>
+            <a:off x="680720" y="787091"/>
+            <a:ext cx="3281680" cy="369332"/>
+          </a:xfrm>
+          <a:prstGeom prst="rect">
+            <a:avLst/>
+          </a:prstGeom>
+          <a:noFill/>
+        </p:spPr>
+        <p:txBody>
+          <a:bodyPr wrap="square" rtlCol="0">
+            <a:spAutoFit/>
+          </a:bodyPr>
+          <a:lstStyle/>
+          <a:p>
+            <a:r>
+              <a:rPr lang="en-US" altLang="ko-KR" dirty="0"/>
+              <a:t>&lt;Cube-root Test&gt;</a:t>
+            </a:r>
+            <a:endParaRPr lang="ko-KR" altLang="en-US" dirty="0"/>
+          </a:p>
+        </p:txBody>
+      </p:sp>
+      <p:sp>
+        <p:nvSpPr>
+          <p:cNvPr id="8" name="TextBox 7">
+            <a:extLst>
+              <a:ext uri="{FF2B5EF4-FFF2-40B4-BE49-F238E27FC236}">
+                <a16:creationId xmlns:a16="http://schemas.microsoft.com/office/drawing/2014/main" id="{59CDCEF6-5EAE-4005-9CFE-016CE02A1F58}"/>
+              </a:ext>
+            </a:extLst>
+          </p:cNvPr>
+          <p:cNvSpPr txBox="1"/>
+          <p:nvPr/>
+        </p:nvSpPr>
+        <p:spPr>
+          <a:xfrm>
+            <a:off x="909320" y="1332128"/>
+            <a:ext cx="1742440" cy="369332"/>
+          </a:xfrm>
+          <a:prstGeom prst="rect">
+            <a:avLst/>
+          </a:prstGeom>
+          <a:noFill/>
+        </p:spPr>
+        <p:txBody>
+          <a:bodyPr wrap="square" rtlCol="0">
+            <a:spAutoFit/>
+          </a:bodyPr>
+          <a:lstStyle/>
+          <a:p>
+            <a:r>
+              <a:rPr lang="ko-KR" altLang="en-US" dirty="0"/>
+              <a:t>종가</a:t>
+            </a:r>
+            <a:r>
+              <a:rPr lang="en-US" altLang="ko-KR" dirty="0"/>
+              <a:t>_1</a:t>
+            </a:r>
+            <a:r>
+              <a:rPr lang="ko-KR" altLang="en-US" dirty="0" err="1"/>
+              <a:t>차차분</a:t>
+            </a:r>
+            <a:endParaRPr lang="ko-KR" altLang="en-US" dirty="0"/>
+          </a:p>
+        </p:txBody>
+      </p:sp>
+      <p:pic>
+        <p:nvPicPr>
+          <p:cNvPr id="4" name="그림 3">
+            <a:extLst>
+              <a:ext uri="{FF2B5EF4-FFF2-40B4-BE49-F238E27FC236}">
+                <a16:creationId xmlns:a16="http://schemas.microsoft.com/office/drawing/2014/main" id="{A3005189-98FB-4E1E-B68D-65D65C127F05}"/>
+              </a:ext>
+            </a:extLst>
+          </p:cNvPr>
+          <p:cNvPicPr>
+            <a:picLocks noChangeAspect="1"/>
+          </p:cNvPicPr>
+          <p:nvPr/>
+        </p:nvPicPr>
+        <p:blipFill>
+          <a:blip r:embed="rId2"/>
+          <a:stretch>
+            <a:fillRect/>
+          </a:stretch>
+        </p:blipFill>
+        <p:spPr>
+          <a:xfrm>
+            <a:off x="680720" y="1959029"/>
+            <a:ext cx="4314459" cy="2939941"/>
+          </a:xfrm>
+          <a:prstGeom prst="rect">
+            <a:avLst/>
+          </a:prstGeom>
+        </p:spPr>
+      </p:pic>
+      <p:pic>
+        <p:nvPicPr>
+          <p:cNvPr id="5" name="그림 4">
+            <a:extLst>
+              <a:ext uri="{FF2B5EF4-FFF2-40B4-BE49-F238E27FC236}">
+                <a16:creationId xmlns:a16="http://schemas.microsoft.com/office/drawing/2014/main" id="{937B739E-716E-4023-8373-27F7BE5BB5B2}"/>
+              </a:ext>
+            </a:extLst>
+          </p:cNvPr>
+          <p:cNvPicPr>
+            <a:picLocks noChangeAspect="1"/>
+          </p:cNvPicPr>
+          <p:nvPr/>
+        </p:nvPicPr>
+        <p:blipFill>
+          <a:blip r:embed="rId3"/>
+          <a:stretch>
+            <a:fillRect/>
+          </a:stretch>
+        </p:blipFill>
+        <p:spPr>
+          <a:xfrm>
+            <a:off x="5474277" y="1959029"/>
+            <a:ext cx="4838700" cy="2905125"/>
+          </a:xfrm>
+          <a:prstGeom prst="rect">
+            <a:avLst/>
+          </a:prstGeom>
+        </p:spPr>
+      </p:pic>
+      <p:sp>
+        <p:nvSpPr>
+          <p:cNvPr id="6" name="직사각형 5">
+            <a:extLst>
+              <a:ext uri="{FF2B5EF4-FFF2-40B4-BE49-F238E27FC236}">
+                <a16:creationId xmlns:a16="http://schemas.microsoft.com/office/drawing/2014/main" id="{59DFFFF2-1F5E-4476-B1F4-3E2ECED524A5}"/>
+              </a:ext>
+            </a:extLst>
+          </p:cNvPr>
+          <p:cNvSpPr/>
+          <p:nvPr/>
+        </p:nvSpPr>
+        <p:spPr>
+          <a:xfrm>
+            <a:off x="5474277" y="3709555"/>
+            <a:ext cx="1342159" cy="226360"/>
+          </a:xfrm>
+          <a:prstGeom prst="rect">
+            <a:avLst/>
+          </a:prstGeom>
+          <a:noFill/>
+          <a:ln w="38100">
+            <a:solidFill>
+              <a:srgbClr val="FF0000"/>
+            </a:solidFill>
+          </a:ln>
+        </p:spPr>
+        <p:style>
+          <a:lnRef idx="2">
+            <a:schemeClr val="accent1">
+              <a:shade val="50000"/>
+            </a:schemeClr>
+          </a:lnRef>
+          <a:fillRef idx="1">
+            <a:schemeClr val="accent1"/>
+          </a:fillRef>
+          <a:effectRef idx="0">
+            <a:schemeClr val="accent1"/>
+          </a:effectRef>
+          <a:fontRef idx="minor">
+            <a:schemeClr val="lt1"/>
+          </a:fontRef>
+        </p:style>
+        <p:txBody>
+          <a:bodyPr rtlCol="0" anchor="ctr"/>
+          <a:lstStyle/>
+          <a:p>
+            <a:pPr algn="ctr"/>
+            <a:endParaRPr lang="ko-KR" altLang="en-US" dirty="0"/>
+          </a:p>
+        </p:txBody>
+      </p:sp>
+      <p:sp>
+        <p:nvSpPr>
+          <p:cNvPr id="7" name="TextBox 6">
+            <a:extLst>
+              <a:ext uri="{FF2B5EF4-FFF2-40B4-BE49-F238E27FC236}">
+                <a16:creationId xmlns:a16="http://schemas.microsoft.com/office/drawing/2014/main" id="{9D9891FF-39EE-49FB-92F3-16C7FCE6757E}"/>
+              </a:ext>
+            </a:extLst>
+          </p:cNvPr>
+          <p:cNvSpPr txBox="1"/>
+          <p:nvPr/>
+        </p:nvSpPr>
+        <p:spPr>
+          <a:xfrm>
+            <a:off x="6816436" y="3638069"/>
+            <a:ext cx="2331720" cy="369332"/>
+          </a:xfrm>
+          <a:prstGeom prst="rect">
+            <a:avLst/>
+          </a:prstGeom>
+          <a:noFill/>
+        </p:spPr>
+        <p:txBody>
+          <a:bodyPr wrap="square" rtlCol="0">
+            <a:spAutoFit/>
+          </a:bodyPr>
+          <a:lstStyle/>
+          <a:p>
+            <a:r>
+              <a:rPr lang="en-US" altLang="ko-KR" dirty="0">
+                <a:solidFill>
+                  <a:srgbClr val="FF0000"/>
+                </a:solidFill>
+              </a:rPr>
+              <a:t>&lt; 0.05 (</a:t>
+            </a:r>
+            <a:r>
+              <a:rPr lang="ko-KR" altLang="en-US" dirty="0">
+                <a:solidFill>
+                  <a:srgbClr val="FF0000"/>
+                </a:solidFill>
+              </a:rPr>
+              <a:t>유의수준 </a:t>
+            </a:r>
+            <a:r>
+              <a:rPr lang="en-US" altLang="ko-KR" dirty="0">
+                <a:solidFill>
+                  <a:srgbClr val="FF0000"/>
+                </a:solidFill>
+              </a:rPr>
+              <a:t>5%)</a:t>
+            </a:r>
+            <a:endParaRPr lang="ko-KR" altLang="en-US" dirty="0">
+              <a:solidFill>
+                <a:srgbClr val="FF0000"/>
+              </a:solidFill>
+            </a:endParaRPr>
+          </a:p>
+        </p:txBody>
+      </p:sp>
+      <p:sp>
+        <p:nvSpPr>
+          <p:cNvPr id="10" name="TextBox 9">
+            <a:extLst>
+              <a:ext uri="{FF2B5EF4-FFF2-40B4-BE49-F238E27FC236}">
+                <a16:creationId xmlns:a16="http://schemas.microsoft.com/office/drawing/2014/main" id="{536027B6-EA0C-496E-AF75-8B29FD1CB0BB}"/>
+              </a:ext>
+            </a:extLst>
+          </p:cNvPr>
+          <p:cNvSpPr txBox="1"/>
+          <p:nvPr/>
+        </p:nvSpPr>
+        <p:spPr>
+          <a:xfrm>
+            <a:off x="2814296" y="3833622"/>
+            <a:ext cx="1138897" cy="369332"/>
+          </a:xfrm>
+          <a:prstGeom prst="rect">
+            <a:avLst/>
+          </a:prstGeom>
+          <a:noFill/>
+        </p:spPr>
+        <p:txBody>
+          <a:bodyPr wrap="square" rtlCol="0">
+            <a:spAutoFit/>
+          </a:bodyPr>
+          <a:lstStyle/>
+          <a:p>
+            <a:r>
+              <a:rPr lang="en-US" altLang="ko-KR" dirty="0"/>
+              <a:t>ACF</a:t>
+            </a:r>
+            <a:endParaRPr lang="ko-KR" altLang="en-US" dirty="0"/>
+          </a:p>
+        </p:txBody>
+      </p:sp>
+      <p:sp>
+        <p:nvSpPr>
+          <p:cNvPr id="12" name="TextBox 11">
+            <a:extLst>
+              <a:ext uri="{FF2B5EF4-FFF2-40B4-BE49-F238E27FC236}">
+                <a16:creationId xmlns:a16="http://schemas.microsoft.com/office/drawing/2014/main" id="{388D3D8B-D19C-4A6D-B394-639AF0B41B8B}"/>
+              </a:ext>
+            </a:extLst>
+          </p:cNvPr>
+          <p:cNvSpPr txBox="1"/>
+          <p:nvPr/>
+        </p:nvSpPr>
+        <p:spPr>
+          <a:xfrm>
+            <a:off x="8483136" y="3833622"/>
+            <a:ext cx="1230337" cy="369332"/>
+          </a:xfrm>
+          <a:prstGeom prst="rect">
+            <a:avLst/>
+          </a:prstGeom>
+          <a:noFill/>
+        </p:spPr>
+        <p:txBody>
+          <a:bodyPr wrap="square" rtlCol="0">
+            <a:spAutoFit/>
+          </a:bodyPr>
+          <a:lstStyle/>
+          <a:p>
+            <a:r>
+              <a:rPr lang="en-US" altLang="ko-KR" dirty="0"/>
+              <a:t>PACF</a:t>
+            </a:r>
+            <a:endParaRPr lang="ko-KR" altLang="en-US" dirty="0"/>
+          </a:p>
+        </p:txBody>
+      </p:sp>
+      <p:sp>
+        <p:nvSpPr>
+          <p:cNvPr id="14" name="TextBox 13">
+            <a:extLst>
+              <a:ext uri="{FF2B5EF4-FFF2-40B4-BE49-F238E27FC236}">
+                <a16:creationId xmlns:a16="http://schemas.microsoft.com/office/drawing/2014/main" id="{752CBF67-6D56-4115-AFCF-133804F846E6}"/>
+              </a:ext>
+            </a:extLst>
+          </p:cNvPr>
+          <p:cNvSpPr txBox="1"/>
+          <p:nvPr/>
+        </p:nvSpPr>
+        <p:spPr>
+          <a:xfrm>
+            <a:off x="19807" y="3815412"/>
+            <a:ext cx="2458720" cy="369332"/>
+          </a:xfrm>
+          <a:prstGeom prst="rect">
+            <a:avLst/>
+          </a:prstGeom>
+          <a:noFill/>
+        </p:spPr>
+        <p:txBody>
+          <a:bodyPr wrap="square" rtlCol="0">
+            <a:spAutoFit/>
+          </a:bodyPr>
+          <a:lstStyle/>
+          <a:p>
+            <a:r>
+              <a:rPr lang="en-US" altLang="ko-KR" dirty="0"/>
+              <a:t>&lt;</a:t>
+            </a:r>
+            <a:r>
+              <a:rPr lang="ko-KR" altLang="en-US" dirty="0"/>
+              <a:t>종가</a:t>
+            </a:r>
+            <a:r>
+              <a:rPr lang="en-US" altLang="ko-KR" dirty="0"/>
+              <a:t>_log&gt;</a:t>
+            </a:r>
+            <a:endParaRPr lang="ko-KR" altLang="en-US" dirty="0"/>
+          </a:p>
+        </p:txBody>
+      </p:sp>
+      <p:pic>
+        <p:nvPicPr>
+          <p:cNvPr id="16" name="Picture 4">
+            <a:extLst>
+              <a:ext uri="{FF2B5EF4-FFF2-40B4-BE49-F238E27FC236}">
+                <a16:creationId xmlns:a16="http://schemas.microsoft.com/office/drawing/2014/main" id="{7F263D6A-3EDA-4089-9B7F-F33B035CFE55}"/>
+              </a:ext>
+            </a:extLst>
+          </p:cNvPr>
+          <p:cNvPicPr>
+            <a:picLocks noChangeAspect="1" noChangeArrowheads="1"/>
+          </p:cNvPicPr>
+          <p:nvPr/>
+        </p:nvPicPr>
+        <p:blipFill>
+          <a:blip r:embed="rId4">
+            <a:extLst>
+              <a:ext uri="{28A0092B-C50C-407E-A947-70E740481C1C}">
+                <a14:useLocalDpi xmlns:a14="http://schemas.microsoft.com/office/drawing/2010/main" val="0"/>
+              </a:ext>
+            </a:extLst>
+          </a:blip>
+          <a:srcRect/>
+          <a:stretch>
+            <a:fillRect/>
+          </a:stretch>
+        </p:blipFill>
+        <p:spPr bwMode="auto">
+          <a:xfrm>
+            <a:off x="91123" y="4202954"/>
+            <a:ext cx="5842317" cy="2478104"/>
+          </a:xfrm>
+          <a:prstGeom prst="rect">
+            <a:avLst/>
+          </a:prstGeom>
+          <a:noFill/>
+          <a:extLst>
+            <a:ext uri="{909E8E84-426E-40DD-AFC4-6F175D3DCCD1}">
+              <a14:hiddenFill xmlns:a14="http://schemas.microsoft.com/office/drawing/2010/main">
+                <a:solidFill>
+                  <a:srgbClr val="FFFFFF"/>
+                </a:solidFill>
+              </a14:hiddenFill>
+            </a:ext>
+          </a:extLst>
+        </p:spPr>
+      </p:pic>
+      <p:pic>
+        <p:nvPicPr>
+          <p:cNvPr id="18" name="Picture 6">
+            <a:extLst>
+              <a:ext uri="{FF2B5EF4-FFF2-40B4-BE49-F238E27FC236}">
+                <a16:creationId xmlns:a16="http://schemas.microsoft.com/office/drawing/2014/main" id="{1AAA54DE-9C83-4B7F-B5BB-4CE99700358C}"/>
+              </a:ext>
+            </a:extLst>
+          </p:cNvPr>
+          <p:cNvPicPr>
+            <a:picLocks noChangeAspect="1" noChangeArrowheads="1"/>
+          </p:cNvPicPr>
+          <p:nvPr/>
+        </p:nvPicPr>
+        <p:blipFill>
+          <a:blip r:embed="rId5">
+            <a:extLst>
+              <a:ext uri="{28A0092B-C50C-407E-A947-70E740481C1C}">
+                <a14:useLocalDpi xmlns:a14="http://schemas.microsoft.com/office/drawing/2010/main" val="0"/>
+              </a:ext>
+            </a:extLst>
+          </a:blip>
+          <a:srcRect/>
+          <a:stretch>
+            <a:fillRect/>
+          </a:stretch>
+        </p:blipFill>
+        <p:spPr bwMode="auto">
+          <a:xfrm>
+            <a:off x="5933440" y="4202954"/>
+            <a:ext cx="5707380" cy="2435477"/>
+          </a:xfrm>
+          <a:prstGeom prst="rect">
+            <a:avLst/>
+          </a:prstGeom>
+          <a:noFill/>
+          <a:extLst>
+            <a:ext uri="{909E8E84-426E-40DD-AFC4-6F175D3DCCD1}">
+              <a14:hiddenFill xmlns:a14="http://schemas.microsoft.com/office/drawing/2010/main">
+                <a:solidFill>
+                  <a:srgbClr val="FFFFFF"/>
+                </a:solidFill>
+              </a14:hiddenFill>
+            </a:ext>
+          </a:extLst>
+        </p:spPr>
+      </p:pic>
+      <p:sp>
+        <p:nvSpPr>
+          <p:cNvPr id="9" name="TextBox 8">
+            <a:extLst>
+              <a:ext uri="{FF2B5EF4-FFF2-40B4-BE49-F238E27FC236}">
+                <a16:creationId xmlns:a16="http://schemas.microsoft.com/office/drawing/2014/main" id="{3FDC62C8-D0CF-4B3F-A84D-A0A3F2F70E34}"/>
+              </a:ext>
+            </a:extLst>
+          </p:cNvPr>
+          <p:cNvSpPr txBox="1"/>
+          <p:nvPr/>
+        </p:nvSpPr>
+        <p:spPr>
+          <a:xfrm>
+            <a:off x="3924301" y="6113159"/>
+            <a:ext cx="6094268" cy="646331"/>
+          </a:xfrm>
+          <a:prstGeom prst="rect">
+            <a:avLst/>
+          </a:prstGeom>
+          <a:noFill/>
+        </p:spPr>
+        <p:txBody>
+          <a:bodyPr wrap="square">
+            <a:spAutoFit/>
+          </a:bodyPr>
+          <a:lstStyle/>
+          <a:p>
+            <a:r>
+              <a:rPr lang="en-US" altLang="ko-KR" b="0" i="0" dirty="0" err="1">
+                <a:solidFill>
+                  <a:srgbClr val="333333"/>
+                </a:solidFill>
+                <a:effectLst/>
+                <a:latin typeface="Jua"/>
+              </a:rPr>
+              <a:t>Ljung</a:t>
+            </a:r>
+            <a:r>
+              <a:rPr lang="en-US" altLang="ko-KR" b="0" i="0" dirty="0">
+                <a:solidFill>
+                  <a:srgbClr val="333333"/>
+                </a:solidFill>
+                <a:effectLst/>
+                <a:latin typeface="Jua"/>
+              </a:rPr>
+              <a:t>-Box </a:t>
+            </a:r>
+            <a:r>
+              <a:rPr lang="ko-KR" altLang="en-US" b="0" i="0" dirty="0">
+                <a:solidFill>
+                  <a:srgbClr val="333333"/>
+                </a:solidFill>
+                <a:effectLst/>
+                <a:latin typeface="Jua"/>
+              </a:rPr>
+              <a:t>검정 통계</a:t>
+            </a:r>
+            <a:endParaRPr lang="en-US" altLang="ko-KR" b="0" i="0" dirty="0">
+              <a:solidFill>
+                <a:srgbClr val="333333"/>
+              </a:solidFill>
+              <a:effectLst/>
+              <a:latin typeface="Jua"/>
+            </a:endParaRPr>
+          </a:p>
+          <a:p>
+            <a:r>
+              <a:rPr lang="en-US" altLang="ko-KR" dirty="0">
+                <a:solidFill>
+                  <a:srgbClr val="333333"/>
+                </a:solidFill>
+                <a:latin typeface="Jua"/>
+              </a:rPr>
+              <a:t>- </a:t>
+            </a:r>
+            <a:r>
+              <a:rPr lang="ko-KR" altLang="en-US" b="0" i="0" dirty="0">
+                <a:solidFill>
+                  <a:srgbClr val="333333"/>
+                </a:solidFill>
+                <a:effectLst/>
+                <a:latin typeface="Jua"/>
+              </a:rPr>
+              <a:t> </a:t>
+            </a:r>
+            <a:r>
+              <a:rPr lang="ko-KR" altLang="en-US" b="0" i="0" dirty="0" err="1">
+                <a:solidFill>
+                  <a:srgbClr val="333333"/>
+                </a:solidFill>
+                <a:effectLst/>
+                <a:latin typeface="Jua"/>
+              </a:rPr>
+              <a:t>잔차에</a:t>
+            </a:r>
+            <a:r>
+              <a:rPr lang="ko-KR" altLang="en-US" b="0" i="0" dirty="0">
+                <a:solidFill>
+                  <a:srgbClr val="333333"/>
+                </a:solidFill>
+                <a:effectLst/>
+                <a:latin typeface="Jua"/>
+              </a:rPr>
+              <a:t> 자기상관이 존재하는지 여부를 검증</a:t>
+            </a:r>
+            <a:endParaRPr lang="ko-KR" altLang="en-US" dirty="0"/>
+          </a:p>
+        </p:txBody>
+      </p:sp>
+    </p:spTree>
+    <p:extLst>
+      <p:ext uri="{BB962C8B-B14F-4D97-AF65-F5344CB8AC3E}">
+        <p14:creationId xmlns:p14="http://schemas.microsoft.com/office/powerpoint/2010/main" val="4263018868"/>
       </p:ext>
     </p:extLst>
   </p:cSld>
